--- a/diagramas/Requisitos.pptx
+++ b/diagramas/Requisitos.pptx
@@ -10,47 +10,47 @@
   <p:sldIdLst>
     <p:sldId id="284" r:id="rId2"/>
     <p:sldId id="257" r:id="rId3"/>
-    <p:sldId id="256" r:id="rId4"/>
-    <p:sldId id="279" r:id="rId5"/>
-    <p:sldId id="296" r:id="rId6"/>
-    <p:sldId id="258" r:id="rId7"/>
-    <p:sldId id="262" r:id="rId8"/>
-    <p:sldId id="266" r:id="rId9"/>
-    <p:sldId id="297" r:id="rId10"/>
-    <p:sldId id="298" r:id="rId11"/>
-    <p:sldId id="281" r:id="rId12"/>
-    <p:sldId id="283" r:id="rId13"/>
-    <p:sldId id="285" r:id="rId14"/>
-    <p:sldId id="286" r:id="rId15"/>
-    <p:sldId id="287" r:id="rId16"/>
-    <p:sldId id="288" r:id="rId17"/>
-    <p:sldId id="289" r:id="rId18"/>
-    <p:sldId id="290" r:id="rId19"/>
-    <p:sldId id="291" r:id="rId20"/>
-    <p:sldId id="292" r:id="rId21"/>
-    <p:sldId id="293" r:id="rId22"/>
-    <p:sldId id="294" r:id="rId23"/>
-    <p:sldId id="295" r:id="rId24"/>
-    <p:sldId id="280" r:id="rId25"/>
-    <p:sldId id="261" r:id="rId26"/>
-    <p:sldId id="265" r:id="rId27"/>
-    <p:sldId id="267" r:id="rId28"/>
-    <p:sldId id="278" r:id="rId29"/>
-    <p:sldId id="299" r:id="rId30"/>
-    <p:sldId id="300" r:id="rId31"/>
-    <p:sldId id="301" r:id="rId32"/>
-    <p:sldId id="282" r:id="rId33"/>
-    <p:sldId id="302" r:id="rId34"/>
-    <p:sldId id="303" r:id="rId35"/>
-    <p:sldId id="304" r:id="rId36"/>
+    <p:sldId id="279" r:id="rId4"/>
+    <p:sldId id="296" r:id="rId5"/>
+    <p:sldId id="258" r:id="rId6"/>
+    <p:sldId id="262" r:id="rId7"/>
+    <p:sldId id="266" r:id="rId8"/>
+    <p:sldId id="297" r:id="rId9"/>
+    <p:sldId id="298" r:id="rId10"/>
+    <p:sldId id="281" r:id="rId11"/>
+    <p:sldId id="283" r:id="rId12"/>
+    <p:sldId id="285" r:id="rId13"/>
+    <p:sldId id="286" r:id="rId14"/>
+    <p:sldId id="287" r:id="rId15"/>
+    <p:sldId id="288" r:id="rId16"/>
+    <p:sldId id="289" r:id="rId17"/>
+    <p:sldId id="290" r:id="rId18"/>
+    <p:sldId id="291" r:id="rId19"/>
+    <p:sldId id="292" r:id="rId20"/>
+    <p:sldId id="293" r:id="rId21"/>
+    <p:sldId id="294" r:id="rId22"/>
+    <p:sldId id="295" r:id="rId23"/>
+    <p:sldId id="280" r:id="rId24"/>
+    <p:sldId id="261" r:id="rId25"/>
+    <p:sldId id="265" r:id="rId26"/>
+    <p:sldId id="267" r:id="rId27"/>
+    <p:sldId id="278" r:id="rId28"/>
+    <p:sldId id="299" r:id="rId29"/>
+    <p:sldId id="300" r:id="rId30"/>
+    <p:sldId id="301" r:id="rId31"/>
+    <p:sldId id="282" r:id="rId32"/>
+    <p:sldId id="302" r:id="rId33"/>
+    <p:sldId id="303" r:id="rId34"/>
+    <p:sldId id="304" r:id="rId35"/>
+    <p:sldId id="319" r:id="rId36"/>
     <p:sldId id="308" r:id="rId37"/>
-    <p:sldId id="305" r:id="rId38"/>
-    <p:sldId id="311" r:id="rId39"/>
-    <p:sldId id="307" r:id="rId40"/>
-    <p:sldId id="309" r:id="rId41"/>
-    <p:sldId id="310" r:id="rId42"/>
-    <p:sldId id="312" r:id="rId43"/>
-    <p:sldId id="314" r:id="rId44"/>
+    <p:sldId id="314" r:id="rId38"/>
+    <p:sldId id="305" r:id="rId39"/>
+    <p:sldId id="311" r:id="rId40"/>
+    <p:sldId id="307" r:id="rId41"/>
+    <p:sldId id="309" r:id="rId42"/>
+    <p:sldId id="310" r:id="rId43"/>
+    <p:sldId id="312" r:id="rId44"/>
     <p:sldId id="318" r:id="rId45"/>
     <p:sldId id="315" r:id="rId46"/>
     <p:sldId id="316" r:id="rId47"/>
@@ -171,6 +171,14 @@
     </p:extLst>
   </p:cmAuthor>
 </p:cmAuthorLst>
+</file>
+
+<file path=ppt/revisionInfo.xml><?xml version="1.0" encoding="utf-8"?>
+<p1510:revInfo xmlns:a="http://schemas.openxmlformats.org/drawingml/2006/main" xmlns:r="http://schemas.openxmlformats.org/officeDocument/2006/relationships" xmlns:p1510="http://schemas.microsoft.com/office/powerpoint/2015/10/main">
+  <p1510:revLst>
+    <p1510:client id="{764342D3-E434-41BB-8EF1-88E2F3926119}" v="1" dt="2019-11-22T19:08:48.414"/>
+  </p1510:revLst>
+</p1510:revInfo>
 </file>
 
 <file path=ppt/notesMasters/notesMaster1.xml><?xml version="1.0" encoding="utf-8"?>
@@ -3940,6 +3948,1313 @@
     <p:bg>
       <p:bgPr>
         <a:solidFill>
+          <a:schemeClr val="bg1"/>
+        </a:solidFill>
+        <a:effectLst/>
+      </p:bgPr>
+    </p:bg>
+    <p:spTree>
+      <p:nvGrpSpPr>
+        <p:cNvPr id="1" name=""/>
+        <p:cNvGrpSpPr/>
+        <p:nvPr/>
+      </p:nvGrpSpPr>
+      <p:grpSpPr>
+        <a:xfrm>
+          <a:off x="0" y="0"/>
+          <a:ext cx="0" cy="0"/>
+          <a:chOff x="0" y="0"/>
+          <a:chExt cx="0" cy="0"/>
+        </a:xfrm>
+      </p:grpSpPr>
+      <p:sp>
+        <p:nvSpPr>
+          <p:cNvPr id="3" name="CaixaDeTexto 2"/>
+          <p:cNvSpPr txBox="1"/>
+          <p:nvPr/>
+        </p:nvSpPr>
+        <p:spPr>
+          <a:xfrm>
+            <a:off x="640080" y="2074363"/>
+            <a:ext cx="2752354" cy="2709275"/>
+          </a:xfrm>
+          <a:prstGeom prst="ellipse">
+            <a:avLst/>
+          </a:prstGeom>
+          <a:solidFill>
+            <a:schemeClr val="tx1">
+              <a:lumMod val="85000"/>
+              <a:lumOff val="15000"/>
+            </a:schemeClr>
+          </a:solidFill>
+          <a:ln w="174625" cmpd="thinThick">
+            <a:solidFill>
+              <a:schemeClr val="tx1">
+                <a:lumMod val="85000"/>
+                <a:lumOff val="15000"/>
+              </a:schemeClr>
+            </a:solidFill>
+          </a:ln>
+        </p:spPr>
+        <p:txBody>
+          <a:bodyPr vert="horz" lIns="91440" tIns="45720" rIns="91440" bIns="45720" rtlCol="0" anchor="ctr">
+            <a:normAutofit/>
+          </a:bodyPr>
+          <a:lstStyle/>
+          <a:p>
+            <a:pPr algn="ctr">
+              <a:lnSpc>
+                <a:spcPct val="90000"/>
+              </a:lnSpc>
+              <a:spcBef>
+                <a:spcPct val="0"/>
+              </a:spcBef>
+              <a:spcAft>
+                <a:spcPts val="600"/>
+              </a:spcAft>
+            </a:pPr>
+            <a:r>
+              <a:rPr lang="en-US" sz="2600" kern="1200" dirty="0" err="1">
+                <a:solidFill>
+                  <a:schemeClr val="bg1"/>
+                </a:solidFill>
+                <a:latin typeface="+mj-lt"/>
+                <a:ea typeface="+mj-ea"/>
+                <a:cs typeface="+mj-cs"/>
+              </a:rPr>
+              <a:t>Diagrama</a:t>
+            </a:r>
+            <a:r>
+              <a:rPr lang="en-US" sz="2600" kern="1200" dirty="0">
+                <a:solidFill>
+                  <a:schemeClr val="bg1"/>
+                </a:solidFill>
+                <a:latin typeface="+mj-lt"/>
+                <a:ea typeface="+mj-ea"/>
+                <a:cs typeface="+mj-cs"/>
+              </a:rPr>
+              <a:t> de Caso de </a:t>
+            </a:r>
+            <a:r>
+              <a:rPr lang="en-US" sz="2600" kern="1200" dirty="0" err="1">
+                <a:solidFill>
+                  <a:schemeClr val="bg1"/>
+                </a:solidFill>
+                <a:latin typeface="+mj-lt"/>
+                <a:ea typeface="+mj-ea"/>
+                <a:cs typeface="+mj-cs"/>
+              </a:rPr>
+              <a:t>Uso</a:t>
+            </a:r>
+            <a:endParaRPr lang="en-US" sz="2600" kern="1200" dirty="0">
+              <a:solidFill>
+                <a:schemeClr val="bg1"/>
+              </a:solidFill>
+              <a:latin typeface="+mj-lt"/>
+              <a:ea typeface="+mj-ea"/>
+              <a:cs typeface="+mj-cs"/>
+            </a:endParaRPr>
+          </a:p>
+        </p:txBody>
+      </p:sp>
+      <p:pic>
+        <p:nvPicPr>
+          <p:cNvPr id="4" name="Imagem 3">
+            <a:extLst>
+              <a:ext uri="{FF2B5EF4-FFF2-40B4-BE49-F238E27FC236}">
+                <a16:creationId xmlns:a16="http://schemas.microsoft.com/office/drawing/2014/main" id="{425D0BD5-6606-4DCE-9E18-97155BD8092E}"/>
+              </a:ext>
+            </a:extLst>
+          </p:cNvPr>
+          <p:cNvPicPr>
+            <a:picLocks noChangeAspect="1"/>
+          </p:cNvPicPr>
+          <p:nvPr/>
+        </p:nvPicPr>
+        <p:blipFill>
+          <a:blip r:embed="rId2"/>
+          <a:stretch>
+            <a:fillRect/>
+          </a:stretch>
+        </p:blipFill>
+        <p:spPr>
+          <a:xfrm>
+            <a:off x="3544129" y="869870"/>
+            <a:ext cx="8390593" cy="5118260"/>
+          </a:xfrm>
+          <a:prstGeom prst="rect">
+            <a:avLst/>
+          </a:prstGeom>
+        </p:spPr>
+      </p:pic>
+    </p:spTree>
+    <p:extLst>
+      <p:ext uri="{BB962C8B-B14F-4D97-AF65-F5344CB8AC3E}">
+        <p14:creationId xmlns:p14="http://schemas.microsoft.com/office/powerpoint/2010/main" val="647231018"/>
+      </p:ext>
+    </p:extLst>
+  </p:cSld>
+  <p:clrMapOvr>
+    <a:masterClrMapping/>
+  </p:clrMapOvr>
+</p:sld>
+</file>
+
+<file path=ppt/slides/slide11.xml><?xml version="1.0" encoding="utf-8"?>
+<p:sld xmlns:a="http://schemas.openxmlformats.org/drawingml/2006/main" xmlns:r="http://schemas.openxmlformats.org/officeDocument/2006/relationships" xmlns:p="http://schemas.openxmlformats.org/presentationml/2006/main">
+  <p:cSld>
+    <p:bg>
+      <p:bgPr>
+        <a:solidFill>
+          <a:schemeClr val="bg1"/>
+        </a:solidFill>
+        <a:effectLst/>
+      </p:bgPr>
+    </p:bg>
+    <p:spTree>
+      <p:nvGrpSpPr>
+        <p:cNvPr id="1" name=""/>
+        <p:cNvGrpSpPr/>
+        <p:nvPr/>
+      </p:nvGrpSpPr>
+      <p:grpSpPr>
+        <a:xfrm>
+          <a:off x="0" y="0"/>
+          <a:ext cx="0" cy="0"/>
+          <a:chOff x="0" y="0"/>
+          <a:chExt cx="0" cy="0"/>
+        </a:xfrm>
+      </p:grpSpPr>
+      <p:sp>
+        <p:nvSpPr>
+          <p:cNvPr id="3" name="CaixaDeTexto 2"/>
+          <p:cNvSpPr txBox="1"/>
+          <p:nvPr/>
+        </p:nvSpPr>
+        <p:spPr>
+          <a:xfrm>
+            <a:off x="640080" y="2074363"/>
+            <a:ext cx="2752354" cy="2709275"/>
+          </a:xfrm>
+          <a:prstGeom prst="ellipse">
+            <a:avLst/>
+          </a:prstGeom>
+          <a:solidFill>
+            <a:schemeClr val="tx1">
+              <a:lumMod val="85000"/>
+              <a:lumOff val="15000"/>
+            </a:schemeClr>
+          </a:solidFill>
+          <a:ln w="174625" cmpd="thinThick">
+            <a:solidFill>
+              <a:schemeClr val="tx1">
+                <a:lumMod val="85000"/>
+                <a:lumOff val="15000"/>
+              </a:schemeClr>
+            </a:solidFill>
+          </a:ln>
+        </p:spPr>
+        <p:txBody>
+          <a:bodyPr vert="horz" lIns="91440" tIns="45720" rIns="91440" bIns="45720" rtlCol="0" anchor="ctr">
+            <a:normAutofit/>
+          </a:bodyPr>
+          <a:lstStyle/>
+          <a:p>
+            <a:pPr algn="ctr">
+              <a:lnSpc>
+                <a:spcPct val="90000"/>
+              </a:lnSpc>
+              <a:spcBef>
+                <a:spcPct val="0"/>
+              </a:spcBef>
+              <a:spcAft>
+                <a:spcPts val="600"/>
+              </a:spcAft>
+            </a:pPr>
+            <a:r>
+              <a:rPr lang="en-US" sz="2400" kern="1200">
+                <a:solidFill>
+                  <a:schemeClr val="bg1"/>
+                </a:solidFill>
+                <a:latin typeface="+mj-lt"/>
+                <a:ea typeface="+mj-ea"/>
+                <a:cs typeface="+mj-cs"/>
+              </a:rPr>
+              <a:t> Diagrama de </a:t>
+            </a:r>
+          </a:p>
+          <a:p>
+            <a:pPr algn="ctr">
+              <a:lnSpc>
+                <a:spcPct val="90000"/>
+              </a:lnSpc>
+              <a:spcBef>
+                <a:spcPct val="0"/>
+              </a:spcBef>
+              <a:spcAft>
+                <a:spcPts val="600"/>
+              </a:spcAft>
+            </a:pPr>
+            <a:r>
+              <a:rPr lang="en-US" sz="2400" kern="1200">
+                <a:solidFill>
+                  <a:schemeClr val="bg1"/>
+                </a:solidFill>
+                <a:latin typeface="+mj-lt"/>
+                <a:ea typeface="+mj-ea"/>
+                <a:cs typeface="+mj-cs"/>
+              </a:rPr>
+              <a:t>Sequência para aluno entrar no projeto</a:t>
+            </a:r>
+          </a:p>
+        </p:txBody>
+      </p:sp>
+      <p:pic>
+        <p:nvPicPr>
+          <p:cNvPr id="4" name="Imagem 3">
+            <a:extLst>
+              <a:ext uri="{FF2B5EF4-FFF2-40B4-BE49-F238E27FC236}">
+                <a16:creationId xmlns:a16="http://schemas.microsoft.com/office/drawing/2014/main" id="{85CA5A20-967A-4C3E-94DD-FFA508967BC2}"/>
+              </a:ext>
+            </a:extLst>
+          </p:cNvPr>
+          <p:cNvPicPr>
+            <a:picLocks noChangeAspect="1"/>
+          </p:cNvPicPr>
+          <p:nvPr/>
+        </p:nvPicPr>
+        <p:blipFill>
+          <a:blip r:embed="rId2"/>
+          <a:stretch>
+            <a:fillRect/>
+          </a:stretch>
+        </p:blipFill>
+        <p:spPr>
+          <a:xfrm>
+            <a:off x="4653251" y="961812"/>
+            <a:ext cx="5958897" cy="4930987"/>
+          </a:xfrm>
+          <a:prstGeom prst="rect">
+            <a:avLst/>
+          </a:prstGeom>
+        </p:spPr>
+      </p:pic>
+    </p:spTree>
+    <p:extLst>
+      <p:ext uri="{BB962C8B-B14F-4D97-AF65-F5344CB8AC3E}">
+        <p14:creationId xmlns:p14="http://schemas.microsoft.com/office/powerpoint/2010/main" val="2197627375"/>
+      </p:ext>
+    </p:extLst>
+  </p:cSld>
+  <p:clrMapOvr>
+    <a:masterClrMapping/>
+  </p:clrMapOvr>
+</p:sld>
+</file>
+
+<file path=ppt/slides/slide12.xml><?xml version="1.0" encoding="utf-8"?>
+<p:sld xmlns:a="http://schemas.openxmlformats.org/drawingml/2006/main" xmlns:r="http://schemas.openxmlformats.org/officeDocument/2006/relationships" xmlns:p="http://schemas.openxmlformats.org/presentationml/2006/main">
+  <p:cSld>
+    <p:bg>
+      <p:bgPr>
+        <a:solidFill>
+          <a:schemeClr val="bg1"/>
+        </a:solidFill>
+        <a:effectLst/>
+      </p:bgPr>
+    </p:bg>
+    <p:spTree>
+      <p:nvGrpSpPr>
+        <p:cNvPr id="1" name=""/>
+        <p:cNvGrpSpPr/>
+        <p:nvPr/>
+      </p:nvGrpSpPr>
+      <p:grpSpPr>
+        <a:xfrm>
+          <a:off x="0" y="0"/>
+          <a:ext cx="0" cy="0"/>
+          <a:chOff x="0" y="0"/>
+          <a:chExt cx="0" cy="0"/>
+        </a:xfrm>
+      </p:grpSpPr>
+      <p:sp>
+        <p:nvSpPr>
+          <p:cNvPr id="3" name="CaixaDeTexto 2"/>
+          <p:cNvSpPr txBox="1"/>
+          <p:nvPr/>
+        </p:nvSpPr>
+        <p:spPr>
+          <a:xfrm>
+            <a:off x="640080" y="2074363"/>
+            <a:ext cx="2752354" cy="2709275"/>
+          </a:xfrm>
+          <a:prstGeom prst="ellipse">
+            <a:avLst/>
+          </a:prstGeom>
+          <a:solidFill>
+            <a:schemeClr val="tx1">
+              <a:lumMod val="85000"/>
+              <a:lumOff val="15000"/>
+            </a:schemeClr>
+          </a:solidFill>
+          <a:ln w="174625" cmpd="thinThick">
+            <a:solidFill>
+              <a:schemeClr val="tx1">
+                <a:lumMod val="85000"/>
+                <a:lumOff val="15000"/>
+              </a:schemeClr>
+            </a:solidFill>
+          </a:ln>
+        </p:spPr>
+        <p:txBody>
+          <a:bodyPr vert="horz" lIns="91440" tIns="45720" rIns="91440" bIns="45720" rtlCol="0" anchor="ctr">
+            <a:normAutofit/>
+          </a:bodyPr>
+          <a:lstStyle/>
+          <a:p>
+            <a:pPr algn="ctr">
+              <a:lnSpc>
+                <a:spcPct val="90000"/>
+              </a:lnSpc>
+              <a:spcBef>
+                <a:spcPct val="0"/>
+              </a:spcBef>
+              <a:spcAft>
+                <a:spcPts val="600"/>
+              </a:spcAft>
+            </a:pPr>
+            <a:r>
+              <a:rPr lang="en-US" sz="2400" kern="1200">
+                <a:solidFill>
+                  <a:schemeClr val="bg1"/>
+                </a:solidFill>
+                <a:latin typeface="+mj-lt"/>
+                <a:ea typeface="+mj-ea"/>
+                <a:cs typeface="+mj-cs"/>
+              </a:rPr>
+              <a:t> Diagrama de </a:t>
+            </a:r>
+          </a:p>
+          <a:p>
+            <a:pPr algn="ctr">
+              <a:lnSpc>
+                <a:spcPct val="90000"/>
+              </a:lnSpc>
+              <a:spcBef>
+                <a:spcPct val="0"/>
+              </a:spcBef>
+              <a:spcAft>
+                <a:spcPts val="600"/>
+              </a:spcAft>
+            </a:pPr>
+            <a:r>
+              <a:rPr lang="en-US" sz="2400" kern="1200">
+                <a:solidFill>
+                  <a:schemeClr val="bg1"/>
+                </a:solidFill>
+                <a:latin typeface="+mj-lt"/>
+                <a:ea typeface="+mj-ea"/>
+                <a:cs typeface="+mj-cs"/>
+              </a:rPr>
+              <a:t>Sequência para cadastrar projeto</a:t>
+            </a:r>
+          </a:p>
+          <a:p>
+            <a:pPr algn="ctr">
+              <a:lnSpc>
+                <a:spcPct val="90000"/>
+              </a:lnSpc>
+              <a:spcBef>
+                <a:spcPct val="0"/>
+              </a:spcBef>
+              <a:spcAft>
+                <a:spcPts val="600"/>
+              </a:spcAft>
+            </a:pPr>
+            <a:endParaRPr lang="en-US" sz="2400" kern="1200">
+              <a:solidFill>
+                <a:schemeClr val="bg1"/>
+              </a:solidFill>
+              <a:latin typeface="+mj-lt"/>
+              <a:ea typeface="+mj-ea"/>
+              <a:cs typeface="+mj-cs"/>
+            </a:endParaRPr>
+          </a:p>
+        </p:txBody>
+      </p:sp>
+    </p:spTree>
+    <p:extLst>
+      <p:ext uri="{BB962C8B-B14F-4D97-AF65-F5344CB8AC3E}">
+        <p14:creationId xmlns:p14="http://schemas.microsoft.com/office/powerpoint/2010/main" val="1561128147"/>
+      </p:ext>
+    </p:extLst>
+  </p:cSld>
+  <p:clrMapOvr>
+    <a:masterClrMapping/>
+  </p:clrMapOvr>
+</p:sld>
+</file>
+
+<file path=ppt/slides/slide13.xml><?xml version="1.0" encoding="utf-8"?>
+<p:sld xmlns:a="http://schemas.openxmlformats.org/drawingml/2006/main" xmlns:r="http://schemas.openxmlformats.org/officeDocument/2006/relationships" xmlns:p="http://schemas.openxmlformats.org/presentationml/2006/main">
+  <p:cSld>
+    <p:bg>
+      <p:bgPr>
+        <a:solidFill>
+          <a:schemeClr val="bg1"/>
+        </a:solidFill>
+        <a:effectLst/>
+      </p:bgPr>
+    </p:bg>
+    <p:spTree>
+      <p:nvGrpSpPr>
+        <p:cNvPr id="1" name=""/>
+        <p:cNvGrpSpPr/>
+        <p:nvPr/>
+      </p:nvGrpSpPr>
+      <p:grpSpPr>
+        <a:xfrm>
+          <a:off x="0" y="0"/>
+          <a:ext cx="0" cy="0"/>
+          <a:chOff x="0" y="0"/>
+          <a:chExt cx="0" cy="0"/>
+        </a:xfrm>
+      </p:grpSpPr>
+      <p:sp>
+        <p:nvSpPr>
+          <p:cNvPr id="3" name="CaixaDeTexto 2"/>
+          <p:cNvSpPr txBox="1"/>
+          <p:nvPr/>
+        </p:nvSpPr>
+        <p:spPr>
+          <a:xfrm>
+            <a:off x="640080" y="2074363"/>
+            <a:ext cx="2752354" cy="2709275"/>
+          </a:xfrm>
+          <a:prstGeom prst="ellipse">
+            <a:avLst/>
+          </a:prstGeom>
+          <a:solidFill>
+            <a:schemeClr val="tx1">
+              <a:lumMod val="85000"/>
+              <a:lumOff val="15000"/>
+            </a:schemeClr>
+          </a:solidFill>
+          <a:ln w="174625" cmpd="thinThick">
+            <a:solidFill>
+              <a:schemeClr val="tx1">
+                <a:lumMod val="85000"/>
+                <a:lumOff val="15000"/>
+              </a:schemeClr>
+            </a:solidFill>
+          </a:ln>
+        </p:spPr>
+        <p:txBody>
+          <a:bodyPr vert="horz" lIns="91440" tIns="45720" rIns="91440" bIns="45720" rtlCol="0" anchor="ctr">
+            <a:normAutofit/>
+          </a:bodyPr>
+          <a:lstStyle/>
+          <a:p>
+            <a:pPr algn="ctr">
+              <a:lnSpc>
+                <a:spcPct val="90000"/>
+              </a:lnSpc>
+              <a:spcBef>
+                <a:spcPct val="0"/>
+              </a:spcBef>
+              <a:spcAft>
+                <a:spcPts val="600"/>
+              </a:spcAft>
+            </a:pPr>
+            <a:r>
+              <a:rPr lang="en-US" sz="2400" kern="1200">
+                <a:solidFill>
+                  <a:schemeClr val="bg1"/>
+                </a:solidFill>
+                <a:latin typeface="+mj-lt"/>
+                <a:ea typeface="+mj-ea"/>
+                <a:cs typeface="+mj-cs"/>
+              </a:rPr>
+              <a:t> Diagrama de </a:t>
+            </a:r>
+          </a:p>
+          <a:p>
+            <a:pPr algn="ctr">
+              <a:lnSpc>
+                <a:spcPct val="90000"/>
+              </a:lnSpc>
+              <a:spcBef>
+                <a:spcPct val="0"/>
+              </a:spcBef>
+              <a:spcAft>
+                <a:spcPts val="600"/>
+              </a:spcAft>
+            </a:pPr>
+            <a:r>
+              <a:rPr lang="en-US" sz="2400" kern="1200">
+                <a:solidFill>
+                  <a:schemeClr val="bg1"/>
+                </a:solidFill>
+                <a:latin typeface="+mj-lt"/>
+                <a:ea typeface="+mj-ea"/>
+                <a:cs typeface="+mj-cs"/>
+              </a:rPr>
+              <a:t>Sequência para consultar projetos</a:t>
+            </a:r>
+          </a:p>
+        </p:txBody>
+      </p:sp>
+    </p:spTree>
+    <p:extLst>
+      <p:ext uri="{BB962C8B-B14F-4D97-AF65-F5344CB8AC3E}">
+        <p14:creationId xmlns:p14="http://schemas.microsoft.com/office/powerpoint/2010/main" val="1383652729"/>
+      </p:ext>
+    </p:extLst>
+  </p:cSld>
+  <p:clrMapOvr>
+    <a:masterClrMapping/>
+  </p:clrMapOvr>
+</p:sld>
+</file>
+
+<file path=ppt/slides/slide14.xml><?xml version="1.0" encoding="utf-8"?>
+<p:sld xmlns:a="http://schemas.openxmlformats.org/drawingml/2006/main" xmlns:r="http://schemas.openxmlformats.org/officeDocument/2006/relationships" xmlns:p="http://schemas.openxmlformats.org/presentationml/2006/main">
+  <p:cSld>
+    <p:bg>
+      <p:bgPr>
+        <a:solidFill>
+          <a:schemeClr val="bg1"/>
+        </a:solidFill>
+        <a:effectLst/>
+      </p:bgPr>
+    </p:bg>
+    <p:spTree>
+      <p:nvGrpSpPr>
+        <p:cNvPr id="1" name=""/>
+        <p:cNvGrpSpPr/>
+        <p:nvPr/>
+      </p:nvGrpSpPr>
+      <p:grpSpPr>
+        <a:xfrm>
+          <a:off x="0" y="0"/>
+          <a:ext cx="0" cy="0"/>
+          <a:chOff x="0" y="0"/>
+          <a:chExt cx="0" cy="0"/>
+        </a:xfrm>
+      </p:grpSpPr>
+      <p:sp>
+        <p:nvSpPr>
+          <p:cNvPr id="3" name="CaixaDeTexto 2"/>
+          <p:cNvSpPr txBox="1"/>
+          <p:nvPr/>
+        </p:nvSpPr>
+        <p:spPr>
+          <a:xfrm>
+            <a:off x="640080" y="2074363"/>
+            <a:ext cx="2752354" cy="2709275"/>
+          </a:xfrm>
+          <a:prstGeom prst="ellipse">
+            <a:avLst/>
+          </a:prstGeom>
+          <a:solidFill>
+            <a:schemeClr val="tx1">
+              <a:lumMod val="85000"/>
+              <a:lumOff val="15000"/>
+            </a:schemeClr>
+          </a:solidFill>
+          <a:ln w="174625" cmpd="thinThick">
+            <a:solidFill>
+              <a:schemeClr val="tx1">
+                <a:lumMod val="85000"/>
+                <a:lumOff val="15000"/>
+              </a:schemeClr>
+            </a:solidFill>
+          </a:ln>
+        </p:spPr>
+        <p:txBody>
+          <a:bodyPr vert="horz" lIns="91440" tIns="45720" rIns="91440" bIns="45720" rtlCol="0" anchor="ctr">
+            <a:normAutofit/>
+          </a:bodyPr>
+          <a:lstStyle/>
+          <a:p>
+            <a:pPr algn="ctr">
+              <a:lnSpc>
+                <a:spcPct val="90000"/>
+              </a:lnSpc>
+              <a:spcBef>
+                <a:spcPct val="0"/>
+              </a:spcBef>
+              <a:spcAft>
+                <a:spcPts val="600"/>
+              </a:spcAft>
+            </a:pPr>
+            <a:r>
+              <a:rPr lang="en-US" sz="2600" kern="1200">
+                <a:solidFill>
+                  <a:schemeClr val="bg1"/>
+                </a:solidFill>
+                <a:latin typeface="+mj-lt"/>
+                <a:ea typeface="+mj-ea"/>
+                <a:cs typeface="+mj-cs"/>
+              </a:rPr>
+              <a:t> Diagrama de </a:t>
+            </a:r>
+          </a:p>
+          <a:p>
+            <a:pPr algn="ctr">
+              <a:lnSpc>
+                <a:spcPct val="90000"/>
+              </a:lnSpc>
+              <a:spcBef>
+                <a:spcPct val="0"/>
+              </a:spcBef>
+              <a:spcAft>
+                <a:spcPts val="600"/>
+              </a:spcAft>
+            </a:pPr>
+            <a:r>
+              <a:rPr lang="en-US" sz="2600" kern="1200">
+                <a:solidFill>
+                  <a:schemeClr val="bg1"/>
+                </a:solidFill>
+                <a:latin typeface="+mj-lt"/>
+                <a:ea typeface="+mj-ea"/>
+                <a:cs typeface="+mj-cs"/>
+              </a:rPr>
+              <a:t>Sequência para alterar o projeto</a:t>
+            </a:r>
+          </a:p>
+        </p:txBody>
+      </p:sp>
+    </p:spTree>
+    <p:extLst>
+      <p:ext uri="{BB962C8B-B14F-4D97-AF65-F5344CB8AC3E}">
+        <p14:creationId xmlns:p14="http://schemas.microsoft.com/office/powerpoint/2010/main" val="1860236971"/>
+      </p:ext>
+    </p:extLst>
+  </p:cSld>
+  <p:clrMapOvr>
+    <a:masterClrMapping/>
+  </p:clrMapOvr>
+</p:sld>
+</file>
+
+<file path=ppt/slides/slide15.xml><?xml version="1.0" encoding="utf-8"?>
+<p:sld xmlns:a="http://schemas.openxmlformats.org/drawingml/2006/main" xmlns:r="http://schemas.openxmlformats.org/officeDocument/2006/relationships" xmlns:p="http://schemas.openxmlformats.org/presentationml/2006/main">
+  <p:cSld>
+    <p:bg>
+      <p:bgPr>
+        <a:solidFill>
+          <a:schemeClr val="bg1"/>
+        </a:solidFill>
+        <a:effectLst/>
+      </p:bgPr>
+    </p:bg>
+    <p:spTree>
+      <p:nvGrpSpPr>
+        <p:cNvPr id="1" name=""/>
+        <p:cNvGrpSpPr/>
+        <p:nvPr/>
+      </p:nvGrpSpPr>
+      <p:grpSpPr>
+        <a:xfrm>
+          <a:off x="0" y="0"/>
+          <a:ext cx="0" cy="0"/>
+          <a:chOff x="0" y="0"/>
+          <a:chExt cx="0" cy="0"/>
+        </a:xfrm>
+      </p:grpSpPr>
+      <p:sp>
+        <p:nvSpPr>
+          <p:cNvPr id="3" name="CaixaDeTexto 2"/>
+          <p:cNvSpPr txBox="1"/>
+          <p:nvPr/>
+        </p:nvSpPr>
+        <p:spPr>
+          <a:xfrm>
+            <a:off x="640080" y="2074363"/>
+            <a:ext cx="2752354" cy="2709275"/>
+          </a:xfrm>
+          <a:prstGeom prst="ellipse">
+            <a:avLst/>
+          </a:prstGeom>
+          <a:solidFill>
+            <a:schemeClr val="tx1">
+              <a:lumMod val="85000"/>
+              <a:lumOff val="15000"/>
+            </a:schemeClr>
+          </a:solidFill>
+          <a:ln w="174625" cmpd="thinThick">
+            <a:solidFill>
+              <a:schemeClr val="tx1">
+                <a:lumMod val="85000"/>
+                <a:lumOff val="15000"/>
+              </a:schemeClr>
+            </a:solidFill>
+          </a:ln>
+        </p:spPr>
+        <p:txBody>
+          <a:bodyPr vert="horz" lIns="91440" tIns="45720" rIns="91440" bIns="45720" rtlCol="0" anchor="ctr">
+            <a:normAutofit/>
+          </a:bodyPr>
+          <a:lstStyle/>
+          <a:p>
+            <a:pPr algn="ctr">
+              <a:lnSpc>
+                <a:spcPct val="90000"/>
+              </a:lnSpc>
+              <a:spcBef>
+                <a:spcPct val="0"/>
+              </a:spcBef>
+              <a:spcAft>
+                <a:spcPts val="600"/>
+              </a:spcAft>
+            </a:pPr>
+            <a:r>
+              <a:rPr lang="en-US" sz="2400" kern="1200">
+                <a:solidFill>
+                  <a:schemeClr val="bg1"/>
+                </a:solidFill>
+                <a:latin typeface="+mj-lt"/>
+                <a:ea typeface="+mj-ea"/>
+                <a:cs typeface="+mj-cs"/>
+              </a:rPr>
+              <a:t> Diagrama de </a:t>
+            </a:r>
+          </a:p>
+          <a:p>
+            <a:pPr algn="ctr">
+              <a:lnSpc>
+                <a:spcPct val="90000"/>
+              </a:lnSpc>
+              <a:spcBef>
+                <a:spcPct val="0"/>
+              </a:spcBef>
+              <a:spcAft>
+                <a:spcPts val="600"/>
+              </a:spcAft>
+            </a:pPr>
+            <a:r>
+              <a:rPr lang="en-US" sz="2400" kern="1200">
+                <a:solidFill>
+                  <a:schemeClr val="bg1"/>
+                </a:solidFill>
+                <a:latin typeface="+mj-lt"/>
+                <a:ea typeface="+mj-ea"/>
+                <a:cs typeface="+mj-cs"/>
+              </a:rPr>
+              <a:t>Sequência para cadastrar no sistema</a:t>
+            </a:r>
+          </a:p>
+        </p:txBody>
+      </p:sp>
+    </p:spTree>
+    <p:extLst>
+      <p:ext uri="{BB962C8B-B14F-4D97-AF65-F5344CB8AC3E}">
+        <p14:creationId xmlns:p14="http://schemas.microsoft.com/office/powerpoint/2010/main" val="1056598057"/>
+      </p:ext>
+    </p:extLst>
+  </p:cSld>
+  <p:clrMapOvr>
+    <a:masterClrMapping/>
+  </p:clrMapOvr>
+</p:sld>
+</file>
+
+<file path=ppt/slides/slide16.xml><?xml version="1.0" encoding="utf-8"?>
+<p:sld xmlns:a="http://schemas.openxmlformats.org/drawingml/2006/main" xmlns:r="http://schemas.openxmlformats.org/officeDocument/2006/relationships" xmlns:p="http://schemas.openxmlformats.org/presentationml/2006/main">
+  <p:cSld>
+    <p:bg>
+      <p:bgPr>
+        <a:solidFill>
+          <a:schemeClr val="bg1"/>
+        </a:solidFill>
+        <a:effectLst/>
+      </p:bgPr>
+    </p:bg>
+    <p:spTree>
+      <p:nvGrpSpPr>
+        <p:cNvPr id="1" name=""/>
+        <p:cNvGrpSpPr/>
+        <p:nvPr/>
+      </p:nvGrpSpPr>
+      <p:grpSpPr>
+        <a:xfrm>
+          <a:off x="0" y="0"/>
+          <a:ext cx="0" cy="0"/>
+          <a:chOff x="0" y="0"/>
+          <a:chExt cx="0" cy="0"/>
+        </a:xfrm>
+      </p:grpSpPr>
+      <p:sp>
+        <p:nvSpPr>
+          <p:cNvPr id="3" name="CaixaDeTexto 2"/>
+          <p:cNvSpPr txBox="1"/>
+          <p:nvPr/>
+        </p:nvSpPr>
+        <p:spPr>
+          <a:xfrm>
+            <a:off x="640080" y="2074363"/>
+            <a:ext cx="2752354" cy="2709275"/>
+          </a:xfrm>
+          <a:prstGeom prst="ellipse">
+            <a:avLst/>
+          </a:prstGeom>
+          <a:solidFill>
+            <a:schemeClr val="tx1">
+              <a:lumMod val="85000"/>
+              <a:lumOff val="15000"/>
+            </a:schemeClr>
+          </a:solidFill>
+          <a:ln w="174625" cmpd="thinThick">
+            <a:solidFill>
+              <a:schemeClr val="tx1">
+                <a:lumMod val="85000"/>
+                <a:lumOff val="15000"/>
+              </a:schemeClr>
+            </a:solidFill>
+          </a:ln>
+        </p:spPr>
+        <p:txBody>
+          <a:bodyPr vert="horz" lIns="91440" tIns="45720" rIns="91440" bIns="45720" rtlCol="0" anchor="ctr">
+            <a:normAutofit/>
+          </a:bodyPr>
+          <a:lstStyle/>
+          <a:p>
+            <a:pPr algn="ctr">
+              <a:lnSpc>
+                <a:spcPct val="90000"/>
+              </a:lnSpc>
+              <a:spcBef>
+                <a:spcPct val="0"/>
+              </a:spcBef>
+              <a:spcAft>
+                <a:spcPts val="600"/>
+              </a:spcAft>
+            </a:pPr>
+            <a:r>
+              <a:rPr lang="en-US" sz="2400" kern="1200">
+                <a:solidFill>
+                  <a:schemeClr val="bg1"/>
+                </a:solidFill>
+                <a:latin typeface="+mj-lt"/>
+                <a:ea typeface="+mj-ea"/>
+                <a:cs typeface="+mj-cs"/>
+              </a:rPr>
+              <a:t> Diagrama de </a:t>
+            </a:r>
+          </a:p>
+          <a:p>
+            <a:pPr algn="ctr">
+              <a:lnSpc>
+                <a:spcPct val="90000"/>
+              </a:lnSpc>
+              <a:spcBef>
+                <a:spcPct val="0"/>
+              </a:spcBef>
+              <a:spcAft>
+                <a:spcPts val="600"/>
+              </a:spcAft>
+            </a:pPr>
+            <a:r>
+              <a:rPr lang="en-US" sz="2400" kern="1200">
+                <a:solidFill>
+                  <a:schemeClr val="bg1"/>
+                </a:solidFill>
+                <a:latin typeface="+mj-lt"/>
+                <a:ea typeface="+mj-ea"/>
+                <a:cs typeface="+mj-cs"/>
+              </a:rPr>
+              <a:t>Sequência para cadastrar no sistema</a:t>
+            </a:r>
+          </a:p>
+        </p:txBody>
+      </p:sp>
+    </p:spTree>
+    <p:extLst>
+      <p:ext uri="{BB962C8B-B14F-4D97-AF65-F5344CB8AC3E}">
+        <p14:creationId xmlns:p14="http://schemas.microsoft.com/office/powerpoint/2010/main" val="2903404825"/>
+      </p:ext>
+    </p:extLst>
+  </p:cSld>
+  <p:clrMapOvr>
+    <a:masterClrMapping/>
+  </p:clrMapOvr>
+</p:sld>
+</file>
+
+<file path=ppt/slides/slide17.xml><?xml version="1.0" encoding="utf-8"?>
+<p:sld xmlns:a="http://schemas.openxmlformats.org/drawingml/2006/main" xmlns:r="http://schemas.openxmlformats.org/officeDocument/2006/relationships" xmlns:p="http://schemas.openxmlformats.org/presentationml/2006/main">
+  <p:cSld>
+    <p:bg>
+      <p:bgPr>
+        <a:solidFill>
+          <a:schemeClr val="bg1"/>
+        </a:solidFill>
+        <a:effectLst/>
+      </p:bgPr>
+    </p:bg>
+    <p:spTree>
+      <p:nvGrpSpPr>
+        <p:cNvPr id="1" name=""/>
+        <p:cNvGrpSpPr/>
+        <p:nvPr/>
+      </p:nvGrpSpPr>
+      <p:grpSpPr>
+        <a:xfrm>
+          <a:off x="0" y="0"/>
+          <a:ext cx="0" cy="0"/>
+          <a:chOff x="0" y="0"/>
+          <a:chExt cx="0" cy="0"/>
+        </a:xfrm>
+      </p:grpSpPr>
+      <p:sp>
+        <p:nvSpPr>
+          <p:cNvPr id="3" name="CaixaDeTexto 2"/>
+          <p:cNvSpPr txBox="1"/>
+          <p:nvPr/>
+        </p:nvSpPr>
+        <p:spPr>
+          <a:xfrm>
+            <a:off x="640080" y="2074363"/>
+            <a:ext cx="2752354" cy="2709275"/>
+          </a:xfrm>
+          <a:prstGeom prst="ellipse">
+            <a:avLst/>
+          </a:prstGeom>
+          <a:solidFill>
+            <a:schemeClr val="tx1">
+              <a:lumMod val="85000"/>
+              <a:lumOff val="15000"/>
+            </a:schemeClr>
+          </a:solidFill>
+          <a:ln w="174625" cmpd="thinThick">
+            <a:solidFill>
+              <a:schemeClr val="tx1">
+                <a:lumMod val="85000"/>
+                <a:lumOff val="15000"/>
+              </a:schemeClr>
+            </a:solidFill>
+          </a:ln>
+        </p:spPr>
+        <p:txBody>
+          <a:bodyPr vert="horz" lIns="91440" tIns="45720" rIns="91440" bIns="45720" rtlCol="0" anchor="ctr">
+            <a:normAutofit/>
+          </a:bodyPr>
+          <a:lstStyle/>
+          <a:p>
+            <a:pPr algn="ctr">
+              <a:lnSpc>
+                <a:spcPct val="90000"/>
+              </a:lnSpc>
+              <a:spcBef>
+                <a:spcPct val="0"/>
+              </a:spcBef>
+              <a:spcAft>
+                <a:spcPts val="600"/>
+              </a:spcAft>
+            </a:pPr>
+            <a:r>
+              <a:rPr lang="en-US" sz="2400" kern="1200">
+                <a:solidFill>
+                  <a:schemeClr val="bg1"/>
+                </a:solidFill>
+                <a:latin typeface="+mj-lt"/>
+                <a:ea typeface="+mj-ea"/>
+                <a:cs typeface="+mj-cs"/>
+              </a:rPr>
+              <a:t> Diagrama de </a:t>
+            </a:r>
+          </a:p>
+          <a:p>
+            <a:pPr algn="ctr">
+              <a:lnSpc>
+                <a:spcPct val="90000"/>
+              </a:lnSpc>
+              <a:spcBef>
+                <a:spcPct val="0"/>
+              </a:spcBef>
+              <a:spcAft>
+                <a:spcPts val="600"/>
+              </a:spcAft>
+            </a:pPr>
+            <a:r>
+              <a:rPr lang="en-US" sz="2400" kern="1200">
+                <a:solidFill>
+                  <a:schemeClr val="bg1"/>
+                </a:solidFill>
+                <a:latin typeface="+mj-lt"/>
+                <a:ea typeface="+mj-ea"/>
+                <a:cs typeface="+mj-cs"/>
+              </a:rPr>
+              <a:t>Sequência para cadastrar no sistema</a:t>
+            </a:r>
+          </a:p>
+        </p:txBody>
+      </p:sp>
+    </p:spTree>
+    <p:extLst>
+      <p:ext uri="{BB962C8B-B14F-4D97-AF65-F5344CB8AC3E}">
+        <p14:creationId xmlns:p14="http://schemas.microsoft.com/office/powerpoint/2010/main" val="2818866252"/>
+      </p:ext>
+    </p:extLst>
+  </p:cSld>
+  <p:clrMapOvr>
+    <a:masterClrMapping/>
+  </p:clrMapOvr>
+</p:sld>
+</file>
+
+<file path=ppt/slides/slide18.xml><?xml version="1.0" encoding="utf-8"?>
+<p:sld xmlns:a="http://schemas.openxmlformats.org/drawingml/2006/main" xmlns:r="http://schemas.openxmlformats.org/officeDocument/2006/relationships" xmlns:p="http://schemas.openxmlformats.org/presentationml/2006/main">
+  <p:cSld>
+    <p:bg>
+      <p:bgPr>
+        <a:solidFill>
+          <a:schemeClr val="bg1"/>
+        </a:solidFill>
+        <a:effectLst/>
+      </p:bgPr>
+    </p:bg>
+    <p:spTree>
+      <p:nvGrpSpPr>
+        <p:cNvPr id="1" name=""/>
+        <p:cNvGrpSpPr/>
+        <p:nvPr/>
+      </p:nvGrpSpPr>
+      <p:grpSpPr>
+        <a:xfrm>
+          <a:off x="0" y="0"/>
+          <a:ext cx="0" cy="0"/>
+          <a:chOff x="0" y="0"/>
+          <a:chExt cx="0" cy="0"/>
+        </a:xfrm>
+      </p:grpSpPr>
+      <p:sp>
+        <p:nvSpPr>
+          <p:cNvPr id="3" name="CaixaDeTexto 2"/>
+          <p:cNvSpPr txBox="1"/>
+          <p:nvPr/>
+        </p:nvSpPr>
+        <p:spPr>
+          <a:xfrm>
+            <a:off x="640080" y="2074363"/>
+            <a:ext cx="2752354" cy="2709275"/>
+          </a:xfrm>
+          <a:prstGeom prst="ellipse">
+            <a:avLst/>
+          </a:prstGeom>
+          <a:solidFill>
+            <a:schemeClr val="tx1">
+              <a:lumMod val="85000"/>
+              <a:lumOff val="15000"/>
+            </a:schemeClr>
+          </a:solidFill>
+          <a:ln w="174625" cmpd="thinThick">
+            <a:solidFill>
+              <a:schemeClr val="tx1">
+                <a:lumMod val="85000"/>
+                <a:lumOff val="15000"/>
+              </a:schemeClr>
+            </a:solidFill>
+          </a:ln>
+        </p:spPr>
+        <p:txBody>
+          <a:bodyPr vert="horz" lIns="91440" tIns="45720" rIns="91440" bIns="45720" rtlCol="0" anchor="ctr">
+            <a:normAutofit/>
+          </a:bodyPr>
+          <a:lstStyle/>
+          <a:p>
+            <a:pPr algn="ctr">
+              <a:lnSpc>
+                <a:spcPct val="90000"/>
+              </a:lnSpc>
+              <a:spcBef>
+                <a:spcPct val="0"/>
+              </a:spcBef>
+              <a:spcAft>
+                <a:spcPts val="600"/>
+              </a:spcAft>
+            </a:pPr>
+            <a:r>
+              <a:rPr lang="en-US" sz="2400" kern="1200">
+                <a:solidFill>
+                  <a:schemeClr val="bg1"/>
+                </a:solidFill>
+                <a:latin typeface="+mj-lt"/>
+                <a:ea typeface="+mj-ea"/>
+                <a:cs typeface="+mj-cs"/>
+              </a:rPr>
+              <a:t> Diagrama de </a:t>
+            </a:r>
+          </a:p>
+          <a:p>
+            <a:pPr algn="ctr">
+              <a:lnSpc>
+                <a:spcPct val="90000"/>
+              </a:lnSpc>
+              <a:spcBef>
+                <a:spcPct val="0"/>
+              </a:spcBef>
+              <a:spcAft>
+                <a:spcPts val="600"/>
+              </a:spcAft>
+            </a:pPr>
+            <a:r>
+              <a:rPr lang="en-US" sz="2400" kern="1200">
+                <a:solidFill>
+                  <a:schemeClr val="bg1"/>
+                </a:solidFill>
+                <a:latin typeface="+mj-lt"/>
+                <a:ea typeface="+mj-ea"/>
+                <a:cs typeface="+mj-cs"/>
+              </a:rPr>
+              <a:t>Sequência para cadastrar no sistema</a:t>
+            </a:r>
+          </a:p>
+        </p:txBody>
+      </p:sp>
+    </p:spTree>
+    <p:extLst>
+      <p:ext uri="{BB962C8B-B14F-4D97-AF65-F5344CB8AC3E}">
+        <p14:creationId xmlns:p14="http://schemas.microsoft.com/office/powerpoint/2010/main" val="1679419292"/>
+      </p:ext>
+    </p:extLst>
+  </p:cSld>
+  <p:clrMapOvr>
+    <a:masterClrMapping/>
+  </p:clrMapOvr>
+</p:sld>
+</file>
+
+<file path=ppt/slides/slide19.xml><?xml version="1.0" encoding="utf-8"?>
+<p:sld xmlns:a="http://schemas.openxmlformats.org/drawingml/2006/main" xmlns:r="http://schemas.openxmlformats.org/officeDocument/2006/relationships" xmlns:p="http://schemas.openxmlformats.org/presentationml/2006/main">
+  <p:cSld>
+    <p:bg>
+      <p:bgPr>
+        <a:solidFill>
+          <a:schemeClr val="bg1"/>
+        </a:solidFill>
+        <a:effectLst/>
+      </p:bgPr>
+    </p:bg>
+    <p:spTree>
+      <p:nvGrpSpPr>
+        <p:cNvPr id="1" name=""/>
+        <p:cNvGrpSpPr/>
+        <p:nvPr/>
+      </p:nvGrpSpPr>
+      <p:grpSpPr>
+        <a:xfrm>
+          <a:off x="0" y="0"/>
+          <a:ext cx="0" cy="0"/>
+          <a:chOff x="0" y="0"/>
+          <a:chExt cx="0" cy="0"/>
+        </a:xfrm>
+      </p:grpSpPr>
+      <p:sp>
+        <p:nvSpPr>
+          <p:cNvPr id="3" name="CaixaDeTexto 2"/>
+          <p:cNvSpPr txBox="1"/>
+          <p:nvPr/>
+        </p:nvSpPr>
+        <p:spPr>
+          <a:xfrm>
+            <a:off x="640080" y="2074363"/>
+            <a:ext cx="2752354" cy="2709275"/>
+          </a:xfrm>
+          <a:prstGeom prst="ellipse">
+            <a:avLst/>
+          </a:prstGeom>
+          <a:solidFill>
+            <a:schemeClr val="tx1">
+              <a:lumMod val="85000"/>
+              <a:lumOff val="15000"/>
+            </a:schemeClr>
+          </a:solidFill>
+          <a:ln w="174625" cmpd="thinThick">
+            <a:solidFill>
+              <a:schemeClr val="tx1">
+                <a:lumMod val="85000"/>
+                <a:lumOff val="15000"/>
+              </a:schemeClr>
+            </a:solidFill>
+          </a:ln>
+        </p:spPr>
+        <p:txBody>
+          <a:bodyPr vert="horz" lIns="91440" tIns="45720" rIns="91440" bIns="45720" rtlCol="0" anchor="ctr">
+            <a:normAutofit/>
+          </a:bodyPr>
+          <a:lstStyle/>
+          <a:p>
+            <a:pPr algn="ctr">
+              <a:lnSpc>
+                <a:spcPct val="90000"/>
+              </a:lnSpc>
+              <a:spcBef>
+                <a:spcPct val="0"/>
+              </a:spcBef>
+              <a:spcAft>
+                <a:spcPts val="600"/>
+              </a:spcAft>
+            </a:pPr>
+            <a:r>
+              <a:rPr lang="en-US" sz="2400" kern="1200">
+                <a:solidFill>
+                  <a:schemeClr val="bg1"/>
+                </a:solidFill>
+                <a:latin typeface="+mj-lt"/>
+                <a:ea typeface="+mj-ea"/>
+                <a:cs typeface="+mj-cs"/>
+              </a:rPr>
+              <a:t> Diagrama de </a:t>
+            </a:r>
+          </a:p>
+          <a:p>
+            <a:pPr algn="ctr">
+              <a:lnSpc>
+                <a:spcPct val="90000"/>
+              </a:lnSpc>
+              <a:spcBef>
+                <a:spcPct val="0"/>
+              </a:spcBef>
+              <a:spcAft>
+                <a:spcPts val="600"/>
+              </a:spcAft>
+            </a:pPr>
+            <a:r>
+              <a:rPr lang="en-US" sz="2400" kern="1200">
+                <a:solidFill>
+                  <a:schemeClr val="bg1"/>
+                </a:solidFill>
+                <a:latin typeface="+mj-lt"/>
+                <a:ea typeface="+mj-ea"/>
+                <a:cs typeface="+mj-cs"/>
+              </a:rPr>
+              <a:t>Sequência para cadastrar no sistema</a:t>
+            </a:r>
+          </a:p>
+        </p:txBody>
+      </p:sp>
+    </p:spTree>
+    <p:extLst>
+      <p:ext uri="{BB962C8B-B14F-4D97-AF65-F5344CB8AC3E}">
+        <p14:creationId xmlns:p14="http://schemas.microsoft.com/office/powerpoint/2010/main" val="3042045896"/>
+      </p:ext>
+    </p:extLst>
+  </p:cSld>
+  <p:clrMapOvr>
+    <a:masterClrMapping/>
+  </p:clrMapOvr>
+</p:sld>
+</file>
+
+<file path=ppt/slides/slide2.xml><?xml version="1.0" encoding="utf-8"?>
+<p:sld xmlns:a="http://schemas.openxmlformats.org/drawingml/2006/main" xmlns:r="http://schemas.openxmlformats.org/officeDocument/2006/relationships" xmlns:p="http://schemas.openxmlformats.org/presentationml/2006/main">
+  <p:cSld>
+    <p:bg>
+      <p:bgPr>
+        <a:solidFill>
           <a:srgbClr val="404040"/>
         </a:solidFill>
         <a:effectLst/>
@@ -3961,7 +5276,7 @@
       </p:grpSpPr>
       <p:sp>
         <p:nvSpPr>
-          <p:cNvPr id="8" name="Rectangle 7">
+          <p:cNvPr id="30" name="Rectangle 24">
             <a:extLst>
               <a:ext uri="{FF2B5EF4-FFF2-40B4-BE49-F238E27FC236}">
                 <a16:creationId xmlns:a16="http://schemas.microsoft.com/office/drawing/2014/main" id="{EA67B5B4-3A24-436E-B663-1B2EBFF8A0CD}"/>
@@ -4024,7 +5339,7 @@
       </p:sp>
       <p:sp>
         <p:nvSpPr>
-          <p:cNvPr id="10" name="Freeform 13">
+          <p:cNvPr id="31" name="Freeform 13">
             <a:extLst>
               <a:ext uri="{FF2B5EF4-FFF2-40B4-BE49-F238E27FC236}">
                 <a16:creationId xmlns:a16="http://schemas.microsoft.com/office/drawing/2014/main" id="{987FDF89-C993-41F4-A1B8-DBAFF16008A9}"/>
@@ -4132,7 +5447,7 @@
       </p:sp>
       <p:sp>
         <p:nvSpPr>
-          <p:cNvPr id="12" name="Freeform 11">
+          <p:cNvPr id="29" name="Freeform 11">
             <a:extLst>
               <a:ext uri="{FF2B5EF4-FFF2-40B4-BE49-F238E27FC236}">
                 <a16:creationId xmlns:a16="http://schemas.microsoft.com/office/drawing/2014/main" id="{64E585EA-75FD-4025-8270-F66A58A15CDA}"/>
@@ -4242,1621 +5557,6 @@
       </p:sp>
       <p:sp>
         <p:nvSpPr>
-          <p:cNvPr id="2" name="Título 1">
-            <a:extLst>
-              <a:ext uri="{FF2B5EF4-FFF2-40B4-BE49-F238E27FC236}">
-                <a16:creationId xmlns:a16="http://schemas.microsoft.com/office/drawing/2014/main" id="{03873AE5-7060-4C5B-A569-0AD888F2C1C7}"/>
-              </a:ext>
-            </a:extLst>
-          </p:cNvPr>
-          <p:cNvSpPr>
-            <a:spLocks noGrp="1"/>
-          </p:cNvSpPr>
-          <p:nvPr>
-            <p:ph type="title"/>
-          </p:nvPr>
-        </p:nvSpPr>
-        <p:spPr>
-          <a:xfrm>
-            <a:off x="833002" y="365125"/>
-            <a:ext cx="10520702" cy="1325563"/>
-          </a:xfrm>
-        </p:spPr>
-        <p:txBody>
-          <a:bodyPr>
-            <a:normAutofit/>
-          </a:bodyPr>
-          <a:lstStyle/>
-          <a:p>
-            <a:r>
-              <a:rPr lang="pt-BR" b="1" i="1" dirty="0">
-                <a:solidFill>
-                  <a:srgbClr val="FFFFFF"/>
-                </a:solidFill>
-              </a:rPr>
-              <a:t>Professor</a:t>
-            </a:r>
-          </a:p>
-        </p:txBody>
-      </p:sp>
-      <p:sp>
-        <p:nvSpPr>
-          <p:cNvPr id="3" name="Espaço Reservado para Conteúdo 2">
-            <a:extLst>
-              <a:ext uri="{FF2B5EF4-FFF2-40B4-BE49-F238E27FC236}">
-                <a16:creationId xmlns:a16="http://schemas.microsoft.com/office/drawing/2014/main" id="{766C91E4-AA41-458B-94A0-CBF96579F5E9}"/>
-              </a:ext>
-            </a:extLst>
-          </p:cNvPr>
-          <p:cNvSpPr>
-            <a:spLocks noGrp="1"/>
-          </p:cNvSpPr>
-          <p:nvPr>
-            <p:ph idx="1"/>
-          </p:nvPr>
-        </p:nvSpPr>
-        <p:spPr>
-          <a:xfrm>
-            <a:off x="838201" y="2022601"/>
-            <a:ext cx="10515598" cy="4154361"/>
-          </a:xfrm>
-        </p:spPr>
-        <p:txBody>
-          <a:bodyPr>
-            <a:normAutofit/>
-          </a:bodyPr>
-          <a:lstStyle/>
-          <a:p>
-            <a:r>
-              <a:rPr lang="pt-BR" sz="2000" dirty="0">
-                <a:solidFill>
-                  <a:srgbClr val="FFFFFF"/>
-                </a:solidFill>
-                <a:latin typeface="Arial" panose="020B0604020202020204" pitchFamily="34" charset="0"/>
-                <a:cs typeface="Arial" panose="020B0604020202020204" pitchFamily="34" charset="0"/>
-              </a:rPr>
-              <a:t>O professor, é responsável pelo compartilhamento dos códigos de acesso aos projetos para os alunos. </a:t>
-            </a:r>
-          </a:p>
-          <a:p>
-            <a:r>
-              <a:rPr lang="pt-BR" sz="2000" dirty="0">
-                <a:solidFill>
-                  <a:srgbClr val="FFFFFF"/>
-                </a:solidFill>
-                <a:latin typeface="Arial" panose="020B0604020202020204" pitchFamily="34" charset="0"/>
-                <a:cs typeface="Arial" panose="020B0604020202020204" pitchFamily="34" charset="0"/>
-              </a:rPr>
-              <a:t>Para ter acesso a área de professor é necessário uma autenticação com e-mail institucional e senha.</a:t>
-            </a:r>
-          </a:p>
-          <a:p>
-            <a:r>
-              <a:rPr lang="pt-BR" sz="2000" dirty="0">
-                <a:solidFill>
-                  <a:srgbClr val="FFFFFF"/>
-                </a:solidFill>
-                <a:latin typeface="Arial" panose="020B0604020202020204" pitchFamily="34" charset="0"/>
-                <a:cs typeface="Arial" panose="020B0604020202020204" pitchFamily="34" charset="0"/>
-              </a:rPr>
-              <a:t>O professor finaliza um projeto após receber todos as entregas dos alunos.</a:t>
-            </a:r>
-          </a:p>
-          <a:p>
-            <a:endParaRPr lang="pt-BR" sz="2000" dirty="0">
-              <a:solidFill>
-                <a:srgbClr val="FFFFFF"/>
-              </a:solidFill>
-            </a:endParaRPr>
-          </a:p>
-        </p:txBody>
-      </p:sp>
-    </p:spTree>
-    <p:extLst>
-      <p:ext uri="{BB962C8B-B14F-4D97-AF65-F5344CB8AC3E}">
-        <p14:creationId xmlns:p14="http://schemas.microsoft.com/office/powerpoint/2010/main" val="3558138981"/>
-      </p:ext>
-    </p:extLst>
-  </p:cSld>
-  <p:clrMapOvr>
-    <a:overrideClrMapping bg1="dk1" tx1="lt1" bg2="dk2" tx2="lt2" accent1="accent1" accent2="accent2" accent3="accent3" accent4="accent4" accent5="accent5" accent6="accent6" hlink="hlink" folHlink="folHlink"/>
-  </p:clrMapOvr>
-</p:sld>
-</file>
-
-<file path=ppt/slides/slide11.xml><?xml version="1.0" encoding="utf-8"?>
-<p:sld xmlns:a="http://schemas.openxmlformats.org/drawingml/2006/main" xmlns:r="http://schemas.openxmlformats.org/officeDocument/2006/relationships" xmlns:p="http://schemas.openxmlformats.org/presentationml/2006/main">
-  <p:cSld>
-    <p:bg>
-      <p:bgPr>
-        <a:solidFill>
-          <a:schemeClr val="bg1"/>
-        </a:solidFill>
-        <a:effectLst/>
-      </p:bgPr>
-    </p:bg>
-    <p:spTree>
-      <p:nvGrpSpPr>
-        <p:cNvPr id="1" name=""/>
-        <p:cNvGrpSpPr/>
-        <p:nvPr/>
-      </p:nvGrpSpPr>
-      <p:grpSpPr>
-        <a:xfrm>
-          <a:off x="0" y="0"/>
-          <a:ext cx="0" cy="0"/>
-          <a:chOff x="0" y="0"/>
-          <a:chExt cx="0" cy="0"/>
-        </a:xfrm>
-      </p:grpSpPr>
-      <p:sp>
-        <p:nvSpPr>
-          <p:cNvPr id="3" name="CaixaDeTexto 2"/>
-          <p:cNvSpPr txBox="1"/>
-          <p:nvPr/>
-        </p:nvSpPr>
-        <p:spPr>
-          <a:xfrm>
-            <a:off x="640080" y="2074363"/>
-            <a:ext cx="2752354" cy="2709275"/>
-          </a:xfrm>
-          <a:prstGeom prst="ellipse">
-            <a:avLst/>
-          </a:prstGeom>
-          <a:solidFill>
-            <a:schemeClr val="tx1">
-              <a:lumMod val="85000"/>
-              <a:lumOff val="15000"/>
-            </a:schemeClr>
-          </a:solidFill>
-          <a:ln w="174625" cmpd="thinThick">
-            <a:solidFill>
-              <a:schemeClr val="tx1">
-                <a:lumMod val="85000"/>
-                <a:lumOff val="15000"/>
-              </a:schemeClr>
-            </a:solidFill>
-          </a:ln>
-        </p:spPr>
-        <p:txBody>
-          <a:bodyPr vert="horz" lIns="91440" tIns="45720" rIns="91440" bIns="45720" rtlCol="0" anchor="ctr">
-            <a:normAutofit/>
-          </a:bodyPr>
-          <a:lstStyle/>
-          <a:p>
-            <a:pPr algn="ctr">
-              <a:lnSpc>
-                <a:spcPct val="90000"/>
-              </a:lnSpc>
-              <a:spcBef>
-                <a:spcPct val="0"/>
-              </a:spcBef>
-              <a:spcAft>
-                <a:spcPts val="600"/>
-              </a:spcAft>
-            </a:pPr>
-            <a:r>
-              <a:rPr lang="en-US" sz="2600" kern="1200" dirty="0" err="1">
-                <a:solidFill>
-                  <a:schemeClr val="bg1"/>
-                </a:solidFill>
-                <a:latin typeface="+mj-lt"/>
-                <a:ea typeface="+mj-ea"/>
-                <a:cs typeface="+mj-cs"/>
-              </a:rPr>
-              <a:t>Diagrama</a:t>
-            </a:r>
-            <a:r>
-              <a:rPr lang="en-US" sz="2600" kern="1200" dirty="0">
-                <a:solidFill>
-                  <a:schemeClr val="bg1"/>
-                </a:solidFill>
-                <a:latin typeface="+mj-lt"/>
-                <a:ea typeface="+mj-ea"/>
-                <a:cs typeface="+mj-cs"/>
-              </a:rPr>
-              <a:t> de Caso de </a:t>
-            </a:r>
-            <a:r>
-              <a:rPr lang="en-US" sz="2600" kern="1200" dirty="0" err="1">
-                <a:solidFill>
-                  <a:schemeClr val="bg1"/>
-                </a:solidFill>
-                <a:latin typeface="+mj-lt"/>
-                <a:ea typeface="+mj-ea"/>
-                <a:cs typeface="+mj-cs"/>
-              </a:rPr>
-              <a:t>Uso</a:t>
-            </a:r>
-            <a:endParaRPr lang="en-US" sz="2600" kern="1200" dirty="0">
-              <a:solidFill>
-                <a:schemeClr val="bg1"/>
-              </a:solidFill>
-              <a:latin typeface="+mj-lt"/>
-              <a:ea typeface="+mj-ea"/>
-              <a:cs typeface="+mj-cs"/>
-            </a:endParaRPr>
-          </a:p>
-        </p:txBody>
-      </p:sp>
-      <p:pic>
-        <p:nvPicPr>
-          <p:cNvPr id="4" name="Imagem 3">
-            <a:extLst>
-              <a:ext uri="{FF2B5EF4-FFF2-40B4-BE49-F238E27FC236}">
-                <a16:creationId xmlns:a16="http://schemas.microsoft.com/office/drawing/2014/main" id="{425D0BD5-6606-4DCE-9E18-97155BD8092E}"/>
-              </a:ext>
-            </a:extLst>
-          </p:cNvPr>
-          <p:cNvPicPr>
-            <a:picLocks noChangeAspect="1"/>
-          </p:cNvPicPr>
-          <p:nvPr/>
-        </p:nvPicPr>
-        <p:blipFill>
-          <a:blip r:embed="rId2"/>
-          <a:stretch>
-            <a:fillRect/>
-          </a:stretch>
-        </p:blipFill>
-        <p:spPr>
-          <a:xfrm>
-            <a:off x="3544129" y="869870"/>
-            <a:ext cx="8390593" cy="5118260"/>
-          </a:xfrm>
-          <a:prstGeom prst="rect">
-            <a:avLst/>
-          </a:prstGeom>
-        </p:spPr>
-      </p:pic>
-    </p:spTree>
-    <p:extLst>
-      <p:ext uri="{BB962C8B-B14F-4D97-AF65-F5344CB8AC3E}">
-        <p14:creationId xmlns:p14="http://schemas.microsoft.com/office/powerpoint/2010/main" val="647231018"/>
-      </p:ext>
-    </p:extLst>
-  </p:cSld>
-  <p:clrMapOvr>
-    <a:masterClrMapping/>
-  </p:clrMapOvr>
-</p:sld>
-</file>
-
-<file path=ppt/slides/slide12.xml><?xml version="1.0" encoding="utf-8"?>
-<p:sld xmlns:a="http://schemas.openxmlformats.org/drawingml/2006/main" xmlns:r="http://schemas.openxmlformats.org/officeDocument/2006/relationships" xmlns:p="http://schemas.openxmlformats.org/presentationml/2006/main">
-  <p:cSld>
-    <p:bg>
-      <p:bgPr>
-        <a:solidFill>
-          <a:schemeClr val="bg1"/>
-        </a:solidFill>
-        <a:effectLst/>
-      </p:bgPr>
-    </p:bg>
-    <p:spTree>
-      <p:nvGrpSpPr>
-        <p:cNvPr id="1" name=""/>
-        <p:cNvGrpSpPr/>
-        <p:nvPr/>
-      </p:nvGrpSpPr>
-      <p:grpSpPr>
-        <a:xfrm>
-          <a:off x="0" y="0"/>
-          <a:ext cx="0" cy="0"/>
-          <a:chOff x="0" y="0"/>
-          <a:chExt cx="0" cy="0"/>
-        </a:xfrm>
-      </p:grpSpPr>
-      <p:sp>
-        <p:nvSpPr>
-          <p:cNvPr id="3" name="CaixaDeTexto 2"/>
-          <p:cNvSpPr txBox="1"/>
-          <p:nvPr/>
-        </p:nvSpPr>
-        <p:spPr>
-          <a:xfrm>
-            <a:off x="640080" y="2074363"/>
-            <a:ext cx="2752354" cy="2709275"/>
-          </a:xfrm>
-          <a:prstGeom prst="ellipse">
-            <a:avLst/>
-          </a:prstGeom>
-          <a:solidFill>
-            <a:schemeClr val="tx1">
-              <a:lumMod val="85000"/>
-              <a:lumOff val="15000"/>
-            </a:schemeClr>
-          </a:solidFill>
-          <a:ln w="174625" cmpd="thinThick">
-            <a:solidFill>
-              <a:schemeClr val="tx1">
-                <a:lumMod val="85000"/>
-                <a:lumOff val="15000"/>
-              </a:schemeClr>
-            </a:solidFill>
-          </a:ln>
-        </p:spPr>
-        <p:txBody>
-          <a:bodyPr vert="horz" lIns="91440" tIns="45720" rIns="91440" bIns="45720" rtlCol="0" anchor="ctr">
-            <a:normAutofit/>
-          </a:bodyPr>
-          <a:lstStyle/>
-          <a:p>
-            <a:pPr algn="ctr">
-              <a:lnSpc>
-                <a:spcPct val="90000"/>
-              </a:lnSpc>
-              <a:spcBef>
-                <a:spcPct val="0"/>
-              </a:spcBef>
-              <a:spcAft>
-                <a:spcPts val="600"/>
-              </a:spcAft>
-            </a:pPr>
-            <a:r>
-              <a:rPr lang="en-US" sz="2400" kern="1200">
-                <a:solidFill>
-                  <a:schemeClr val="bg1"/>
-                </a:solidFill>
-                <a:latin typeface="+mj-lt"/>
-                <a:ea typeface="+mj-ea"/>
-                <a:cs typeface="+mj-cs"/>
-              </a:rPr>
-              <a:t> Diagrama de </a:t>
-            </a:r>
-          </a:p>
-          <a:p>
-            <a:pPr algn="ctr">
-              <a:lnSpc>
-                <a:spcPct val="90000"/>
-              </a:lnSpc>
-              <a:spcBef>
-                <a:spcPct val="0"/>
-              </a:spcBef>
-              <a:spcAft>
-                <a:spcPts val="600"/>
-              </a:spcAft>
-            </a:pPr>
-            <a:r>
-              <a:rPr lang="en-US" sz="2400" kern="1200">
-                <a:solidFill>
-                  <a:schemeClr val="bg1"/>
-                </a:solidFill>
-                <a:latin typeface="+mj-lt"/>
-                <a:ea typeface="+mj-ea"/>
-                <a:cs typeface="+mj-cs"/>
-              </a:rPr>
-              <a:t>Sequência para aluno entrar no projeto</a:t>
-            </a:r>
-          </a:p>
-        </p:txBody>
-      </p:sp>
-      <p:pic>
-        <p:nvPicPr>
-          <p:cNvPr id="4" name="Imagem 3">
-            <a:extLst>
-              <a:ext uri="{FF2B5EF4-FFF2-40B4-BE49-F238E27FC236}">
-                <a16:creationId xmlns:a16="http://schemas.microsoft.com/office/drawing/2014/main" id="{85CA5A20-967A-4C3E-94DD-FFA508967BC2}"/>
-              </a:ext>
-            </a:extLst>
-          </p:cNvPr>
-          <p:cNvPicPr>
-            <a:picLocks noChangeAspect="1"/>
-          </p:cNvPicPr>
-          <p:nvPr/>
-        </p:nvPicPr>
-        <p:blipFill>
-          <a:blip r:embed="rId2"/>
-          <a:stretch>
-            <a:fillRect/>
-          </a:stretch>
-        </p:blipFill>
-        <p:spPr>
-          <a:xfrm>
-            <a:off x="4653251" y="961812"/>
-            <a:ext cx="5958897" cy="4930987"/>
-          </a:xfrm>
-          <a:prstGeom prst="rect">
-            <a:avLst/>
-          </a:prstGeom>
-        </p:spPr>
-      </p:pic>
-    </p:spTree>
-    <p:extLst>
-      <p:ext uri="{BB962C8B-B14F-4D97-AF65-F5344CB8AC3E}">
-        <p14:creationId xmlns:p14="http://schemas.microsoft.com/office/powerpoint/2010/main" val="2197627375"/>
-      </p:ext>
-    </p:extLst>
-  </p:cSld>
-  <p:clrMapOvr>
-    <a:masterClrMapping/>
-  </p:clrMapOvr>
-</p:sld>
-</file>
-
-<file path=ppt/slides/slide13.xml><?xml version="1.0" encoding="utf-8"?>
-<p:sld xmlns:a="http://schemas.openxmlformats.org/drawingml/2006/main" xmlns:r="http://schemas.openxmlformats.org/officeDocument/2006/relationships" xmlns:p="http://schemas.openxmlformats.org/presentationml/2006/main">
-  <p:cSld>
-    <p:bg>
-      <p:bgPr>
-        <a:solidFill>
-          <a:schemeClr val="bg1"/>
-        </a:solidFill>
-        <a:effectLst/>
-      </p:bgPr>
-    </p:bg>
-    <p:spTree>
-      <p:nvGrpSpPr>
-        <p:cNvPr id="1" name=""/>
-        <p:cNvGrpSpPr/>
-        <p:nvPr/>
-      </p:nvGrpSpPr>
-      <p:grpSpPr>
-        <a:xfrm>
-          <a:off x="0" y="0"/>
-          <a:ext cx="0" cy="0"/>
-          <a:chOff x="0" y="0"/>
-          <a:chExt cx="0" cy="0"/>
-        </a:xfrm>
-      </p:grpSpPr>
-      <p:sp>
-        <p:nvSpPr>
-          <p:cNvPr id="3" name="CaixaDeTexto 2"/>
-          <p:cNvSpPr txBox="1"/>
-          <p:nvPr/>
-        </p:nvSpPr>
-        <p:spPr>
-          <a:xfrm>
-            <a:off x="640080" y="2074363"/>
-            <a:ext cx="2752354" cy="2709275"/>
-          </a:xfrm>
-          <a:prstGeom prst="ellipse">
-            <a:avLst/>
-          </a:prstGeom>
-          <a:solidFill>
-            <a:schemeClr val="tx1">
-              <a:lumMod val="85000"/>
-              <a:lumOff val="15000"/>
-            </a:schemeClr>
-          </a:solidFill>
-          <a:ln w="174625" cmpd="thinThick">
-            <a:solidFill>
-              <a:schemeClr val="tx1">
-                <a:lumMod val="85000"/>
-                <a:lumOff val="15000"/>
-              </a:schemeClr>
-            </a:solidFill>
-          </a:ln>
-        </p:spPr>
-        <p:txBody>
-          <a:bodyPr vert="horz" lIns="91440" tIns="45720" rIns="91440" bIns="45720" rtlCol="0" anchor="ctr">
-            <a:normAutofit/>
-          </a:bodyPr>
-          <a:lstStyle/>
-          <a:p>
-            <a:pPr algn="ctr">
-              <a:lnSpc>
-                <a:spcPct val="90000"/>
-              </a:lnSpc>
-              <a:spcBef>
-                <a:spcPct val="0"/>
-              </a:spcBef>
-              <a:spcAft>
-                <a:spcPts val="600"/>
-              </a:spcAft>
-            </a:pPr>
-            <a:r>
-              <a:rPr lang="en-US" sz="2400" kern="1200">
-                <a:solidFill>
-                  <a:schemeClr val="bg1"/>
-                </a:solidFill>
-                <a:latin typeface="+mj-lt"/>
-                <a:ea typeface="+mj-ea"/>
-                <a:cs typeface="+mj-cs"/>
-              </a:rPr>
-              <a:t> Diagrama de </a:t>
-            </a:r>
-          </a:p>
-          <a:p>
-            <a:pPr algn="ctr">
-              <a:lnSpc>
-                <a:spcPct val="90000"/>
-              </a:lnSpc>
-              <a:spcBef>
-                <a:spcPct val="0"/>
-              </a:spcBef>
-              <a:spcAft>
-                <a:spcPts val="600"/>
-              </a:spcAft>
-            </a:pPr>
-            <a:r>
-              <a:rPr lang="en-US" sz="2400" kern="1200">
-                <a:solidFill>
-                  <a:schemeClr val="bg1"/>
-                </a:solidFill>
-                <a:latin typeface="+mj-lt"/>
-                <a:ea typeface="+mj-ea"/>
-                <a:cs typeface="+mj-cs"/>
-              </a:rPr>
-              <a:t>Sequência para cadastrar projeto</a:t>
-            </a:r>
-          </a:p>
-          <a:p>
-            <a:pPr algn="ctr">
-              <a:lnSpc>
-                <a:spcPct val="90000"/>
-              </a:lnSpc>
-              <a:spcBef>
-                <a:spcPct val="0"/>
-              </a:spcBef>
-              <a:spcAft>
-                <a:spcPts val="600"/>
-              </a:spcAft>
-            </a:pPr>
-            <a:endParaRPr lang="en-US" sz="2400" kern="1200">
-              <a:solidFill>
-                <a:schemeClr val="bg1"/>
-              </a:solidFill>
-              <a:latin typeface="+mj-lt"/>
-              <a:ea typeface="+mj-ea"/>
-              <a:cs typeface="+mj-cs"/>
-            </a:endParaRPr>
-          </a:p>
-        </p:txBody>
-      </p:sp>
-    </p:spTree>
-    <p:extLst>
-      <p:ext uri="{BB962C8B-B14F-4D97-AF65-F5344CB8AC3E}">
-        <p14:creationId xmlns:p14="http://schemas.microsoft.com/office/powerpoint/2010/main" val="1561128147"/>
-      </p:ext>
-    </p:extLst>
-  </p:cSld>
-  <p:clrMapOvr>
-    <a:masterClrMapping/>
-  </p:clrMapOvr>
-</p:sld>
-</file>
-
-<file path=ppt/slides/slide14.xml><?xml version="1.0" encoding="utf-8"?>
-<p:sld xmlns:a="http://schemas.openxmlformats.org/drawingml/2006/main" xmlns:r="http://schemas.openxmlformats.org/officeDocument/2006/relationships" xmlns:p="http://schemas.openxmlformats.org/presentationml/2006/main">
-  <p:cSld>
-    <p:bg>
-      <p:bgPr>
-        <a:solidFill>
-          <a:schemeClr val="bg1"/>
-        </a:solidFill>
-        <a:effectLst/>
-      </p:bgPr>
-    </p:bg>
-    <p:spTree>
-      <p:nvGrpSpPr>
-        <p:cNvPr id="1" name=""/>
-        <p:cNvGrpSpPr/>
-        <p:nvPr/>
-      </p:nvGrpSpPr>
-      <p:grpSpPr>
-        <a:xfrm>
-          <a:off x="0" y="0"/>
-          <a:ext cx="0" cy="0"/>
-          <a:chOff x="0" y="0"/>
-          <a:chExt cx="0" cy="0"/>
-        </a:xfrm>
-      </p:grpSpPr>
-      <p:sp>
-        <p:nvSpPr>
-          <p:cNvPr id="3" name="CaixaDeTexto 2"/>
-          <p:cNvSpPr txBox="1"/>
-          <p:nvPr/>
-        </p:nvSpPr>
-        <p:spPr>
-          <a:xfrm>
-            <a:off x="640080" y="2074363"/>
-            <a:ext cx="2752354" cy="2709275"/>
-          </a:xfrm>
-          <a:prstGeom prst="ellipse">
-            <a:avLst/>
-          </a:prstGeom>
-          <a:solidFill>
-            <a:schemeClr val="tx1">
-              <a:lumMod val="85000"/>
-              <a:lumOff val="15000"/>
-            </a:schemeClr>
-          </a:solidFill>
-          <a:ln w="174625" cmpd="thinThick">
-            <a:solidFill>
-              <a:schemeClr val="tx1">
-                <a:lumMod val="85000"/>
-                <a:lumOff val="15000"/>
-              </a:schemeClr>
-            </a:solidFill>
-          </a:ln>
-        </p:spPr>
-        <p:txBody>
-          <a:bodyPr vert="horz" lIns="91440" tIns="45720" rIns="91440" bIns="45720" rtlCol="0" anchor="ctr">
-            <a:normAutofit/>
-          </a:bodyPr>
-          <a:lstStyle/>
-          <a:p>
-            <a:pPr algn="ctr">
-              <a:lnSpc>
-                <a:spcPct val="90000"/>
-              </a:lnSpc>
-              <a:spcBef>
-                <a:spcPct val="0"/>
-              </a:spcBef>
-              <a:spcAft>
-                <a:spcPts val="600"/>
-              </a:spcAft>
-            </a:pPr>
-            <a:r>
-              <a:rPr lang="en-US" sz="2400" kern="1200">
-                <a:solidFill>
-                  <a:schemeClr val="bg1"/>
-                </a:solidFill>
-                <a:latin typeface="+mj-lt"/>
-                <a:ea typeface="+mj-ea"/>
-                <a:cs typeface="+mj-cs"/>
-              </a:rPr>
-              <a:t> Diagrama de </a:t>
-            </a:r>
-          </a:p>
-          <a:p>
-            <a:pPr algn="ctr">
-              <a:lnSpc>
-                <a:spcPct val="90000"/>
-              </a:lnSpc>
-              <a:spcBef>
-                <a:spcPct val="0"/>
-              </a:spcBef>
-              <a:spcAft>
-                <a:spcPts val="600"/>
-              </a:spcAft>
-            </a:pPr>
-            <a:r>
-              <a:rPr lang="en-US" sz="2400" kern="1200">
-                <a:solidFill>
-                  <a:schemeClr val="bg1"/>
-                </a:solidFill>
-                <a:latin typeface="+mj-lt"/>
-                <a:ea typeface="+mj-ea"/>
-                <a:cs typeface="+mj-cs"/>
-              </a:rPr>
-              <a:t>Sequência para consultar projetos</a:t>
-            </a:r>
-          </a:p>
-        </p:txBody>
-      </p:sp>
-    </p:spTree>
-    <p:extLst>
-      <p:ext uri="{BB962C8B-B14F-4D97-AF65-F5344CB8AC3E}">
-        <p14:creationId xmlns:p14="http://schemas.microsoft.com/office/powerpoint/2010/main" val="1383652729"/>
-      </p:ext>
-    </p:extLst>
-  </p:cSld>
-  <p:clrMapOvr>
-    <a:masterClrMapping/>
-  </p:clrMapOvr>
-</p:sld>
-</file>
-
-<file path=ppt/slides/slide15.xml><?xml version="1.0" encoding="utf-8"?>
-<p:sld xmlns:a="http://schemas.openxmlformats.org/drawingml/2006/main" xmlns:r="http://schemas.openxmlformats.org/officeDocument/2006/relationships" xmlns:p="http://schemas.openxmlformats.org/presentationml/2006/main">
-  <p:cSld>
-    <p:bg>
-      <p:bgPr>
-        <a:solidFill>
-          <a:schemeClr val="bg1"/>
-        </a:solidFill>
-        <a:effectLst/>
-      </p:bgPr>
-    </p:bg>
-    <p:spTree>
-      <p:nvGrpSpPr>
-        <p:cNvPr id="1" name=""/>
-        <p:cNvGrpSpPr/>
-        <p:nvPr/>
-      </p:nvGrpSpPr>
-      <p:grpSpPr>
-        <a:xfrm>
-          <a:off x="0" y="0"/>
-          <a:ext cx="0" cy="0"/>
-          <a:chOff x="0" y="0"/>
-          <a:chExt cx="0" cy="0"/>
-        </a:xfrm>
-      </p:grpSpPr>
-      <p:sp>
-        <p:nvSpPr>
-          <p:cNvPr id="3" name="CaixaDeTexto 2"/>
-          <p:cNvSpPr txBox="1"/>
-          <p:nvPr/>
-        </p:nvSpPr>
-        <p:spPr>
-          <a:xfrm>
-            <a:off x="640080" y="2074363"/>
-            <a:ext cx="2752354" cy="2709275"/>
-          </a:xfrm>
-          <a:prstGeom prst="ellipse">
-            <a:avLst/>
-          </a:prstGeom>
-          <a:solidFill>
-            <a:schemeClr val="tx1">
-              <a:lumMod val="85000"/>
-              <a:lumOff val="15000"/>
-            </a:schemeClr>
-          </a:solidFill>
-          <a:ln w="174625" cmpd="thinThick">
-            <a:solidFill>
-              <a:schemeClr val="tx1">
-                <a:lumMod val="85000"/>
-                <a:lumOff val="15000"/>
-              </a:schemeClr>
-            </a:solidFill>
-          </a:ln>
-        </p:spPr>
-        <p:txBody>
-          <a:bodyPr vert="horz" lIns="91440" tIns="45720" rIns="91440" bIns="45720" rtlCol="0" anchor="ctr">
-            <a:normAutofit/>
-          </a:bodyPr>
-          <a:lstStyle/>
-          <a:p>
-            <a:pPr algn="ctr">
-              <a:lnSpc>
-                <a:spcPct val="90000"/>
-              </a:lnSpc>
-              <a:spcBef>
-                <a:spcPct val="0"/>
-              </a:spcBef>
-              <a:spcAft>
-                <a:spcPts val="600"/>
-              </a:spcAft>
-            </a:pPr>
-            <a:r>
-              <a:rPr lang="en-US" sz="2600" kern="1200">
-                <a:solidFill>
-                  <a:schemeClr val="bg1"/>
-                </a:solidFill>
-                <a:latin typeface="+mj-lt"/>
-                <a:ea typeface="+mj-ea"/>
-                <a:cs typeface="+mj-cs"/>
-              </a:rPr>
-              <a:t> Diagrama de </a:t>
-            </a:r>
-          </a:p>
-          <a:p>
-            <a:pPr algn="ctr">
-              <a:lnSpc>
-                <a:spcPct val="90000"/>
-              </a:lnSpc>
-              <a:spcBef>
-                <a:spcPct val="0"/>
-              </a:spcBef>
-              <a:spcAft>
-                <a:spcPts val="600"/>
-              </a:spcAft>
-            </a:pPr>
-            <a:r>
-              <a:rPr lang="en-US" sz="2600" kern="1200">
-                <a:solidFill>
-                  <a:schemeClr val="bg1"/>
-                </a:solidFill>
-                <a:latin typeface="+mj-lt"/>
-                <a:ea typeface="+mj-ea"/>
-                <a:cs typeface="+mj-cs"/>
-              </a:rPr>
-              <a:t>Sequência para alterar o projeto</a:t>
-            </a:r>
-          </a:p>
-        </p:txBody>
-      </p:sp>
-    </p:spTree>
-    <p:extLst>
-      <p:ext uri="{BB962C8B-B14F-4D97-AF65-F5344CB8AC3E}">
-        <p14:creationId xmlns:p14="http://schemas.microsoft.com/office/powerpoint/2010/main" val="1860236971"/>
-      </p:ext>
-    </p:extLst>
-  </p:cSld>
-  <p:clrMapOvr>
-    <a:masterClrMapping/>
-  </p:clrMapOvr>
-</p:sld>
-</file>
-
-<file path=ppt/slides/slide16.xml><?xml version="1.0" encoding="utf-8"?>
-<p:sld xmlns:a="http://schemas.openxmlformats.org/drawingml/2006/main" xmlns:r="http://schemas.openxmlformats.org/officeDocument/2006/relationships" xmlns:p="http://schemas.openxmlformats.org/presentationml/2006/main">
-  <p:cSld>
-    <p:bg>
-      <p:bgPr>
-        <a:solidFill>
-          <a:schemeClr val="bg1"/>
-        </a:solidFill>
-        <a:effectLst/>
-      </p:bgPr>
-    </p:bg>
-    <p:spTree>
-      <p:nvGrpSpPr>
-        <p:cNvPr id="1" name=""/>
-        <p:cNvGrpSpPr/>
-        <p:nvPr/>
-      </p:nvGrpSpPr>
-      <p:grpSpPr>
-        <a:xfrm>
-          <a:off x="0" y="0"/>
-          <a:ext cx="0" cy="0"/>
-          <a:chOff x="0" y="0"/>
-          <a:chExt cx="0" cy="0"/>
-        </a:xfrm>
-      </p:grpSpPr>
-      <p:sp>
-        <p:nvSpPr>
-          <p:cNvPr id="3" name="CaixaDeTexto 2"/>
-          <p:cNvSpPr txBox="1"/>
-          <p:nvPr/>
-        </p:nvSpPr>
-        <p:spPr>
-          <a:xfrm>
-            <a:off x="640080" y="2074363"/>
-            <a:ext cx="2752354" cy="2709275"/>
-          </a:xfrm>
-          <a:prstGeom prst="ellipse">
-            <a:avLst/>
-          </a:prstGeom>
-          <a:solidFill>
-            <a:schemeClr val="tx1">
-              <a:lumMod val="85000"/>
-              <a:lumOff val="15000"/>
-            </a:schemeClr>
-          </a:solidFill>
-          <a:ln w="174625" cmpd="thinThick">
-            <a:solidFill>
-              <a:schemeClr val="tx1">
-                <a:lumMod val="85000"/>
-                <a:lumOff val="15000"/>
-              </a:schemeClr>
-            </a:solidFill>
-          </a:ln>
-        </p:spPr>
-        <p:txBody>
-          <a:bodyPr vert="horz" lIns="91440" tIns="45720" rIns="91440" bIns="45720" rtlCol="0" anchor="ctr">
-            <a:normAutofit/>
-          </a:bodyPr>
-          <a:lstStyle/>
-          <a:p>
-            <a:pPr algn="ctr">
-              <a:lnSpc>
-                <a:spcPct val="90000"/>
-              </a:lnSpc>
-              <a:spcBef>
-                <a:spcPct val="0"/>
-              </a:spcBef>
-              <a:spcAft>
-                <a:spcPts val="600"/>
-              </a:spcAft>
-            </a:pPr>
-            <a:r>
-              <a:rPr lang="en-US" sz="2400" kern="1200">
-                <a:solidFill>
-                  <a:schemeClr val="bg1"/>
-                </a:solidFill>
-                <a:latin typeface="+mj-lt"/>
-                <a:ea typeface="+mj-ea"/>
-                <a:cs typeface="+mj-cs"/>
-              </a:rPr>
-              <a:t> Diagrama de </a:t>
-            </a:r>
-          </a:p>
-          <a:p>
-            <a:pPr algn="ctr">
-              <a:lnSpc>
-                <a:spcPct val="90000"/>
-              </a:lnSpc>
-              <a:spcBef>
-                <a:spcPct val="0"/>
-              </a:spcBef>
-              <a:spcAft>
-                <a:spcPts val="600"/>
-              </a:spcAft>
-            </a:pPr>
-            <a:r>
-              <a:rPr lang="en-US" sz="2400" kern="1200">
-                <a:solidFill>
-                  <a:schemeClr val="bg1"/>
-                </a:solidFill>
-                <a:latin typeface="+mj-lt"/>
-                <a:ea typeface="+mj-ea"/>
-                <a:cs typeface="+mj-cs"/>
-              </a:rPr>
-              <a:t>Sequência para cadastrar no sistema</a:t>
-            </a:r>
-          </a:p>
-        </p:txBody>
-      </p:sp>
-    </p:spTree>
-    <p:extLst>
-      <p:ext uri="{BB962C8B-B14F-4D97-AF65-F5344CB8AC3E}">
-        <p14:creationId xmlns:p14="http://schemas.microsoft.com/office/powerpoint/2010/main" val="1056598057"/>
-      </p:ext>
-    </p:extLst>
-  </p:cSld>
-  <p:clrMapOvr>
-    <a:masterClrMapping/>
-  </p:clrMapOvr>
-</p:sld>
-</file>
-
-<file path=ppt/slides/slide17.xml><?xml version="1.0" encoding="utf-8"?>
-<p:sld xmlns:a="http://schemas.openxmlformats.org/drawingml/2006/main" xmlns:r="http://schemas.openxmlformats.org/officeDocument/2006/relationships" xmlns:p="http://schemas.openxmlformats.org/presentationml/2006/main">
-  <p:cSld>
-    <p:bg>
-      <p:bgPr>
-        <a:solidFill>
-          <a:schemeClr val="bg1"/>
-        </a:solidFill>
-        <a:effectLst/>
-      </p:bgPr>
-    </p:bg>
-    <p:spTree>
-      <p:nvGrpSpPr>
-        <p:cNvPr id="1" name=""/>
-        <p:cNvGrpSpPr/>
-        <p:nvPr/>
-      </p:nvGrpSpPr>
-      <p:grpSpPr>
-        <a:xfrm>
-          <a:off x="0" y="0"/>
-          <a:ext cx="0" cy="0"/>
-          <a:chOff x="0" y="0"/>
-          <a:chExt cx="0" cy="0"/>
-        </a:xfrm>
-      </p:grpSpPr>
-      <p:sp>
-        <p:nvSpPr>
-          <p:cNvPr id="3" name="CaixaDeTexto 2"/>
-          <p:cNvSpPr txBox="1"/>
-          <p:nvPr/>
-        </p:nvSpPr>
-        <p:spPr>
-          <a:xfrm>
-            <a:off x="640080" y="2074363"/>
-            <a:ext cx="2752354" cy="2709275"/>
-          </a:xfrm>
-          <a:prstGeom prst="ellipse">
-            <a:avLst/>
-          </a:prstGeom>
-          <a:solidFill>
-            <a:schemeClr val="tx1">
-              <a:lumMod val="85000"/>
-              <a:lumOff val="15000"/>
-            </a:schemeClr>
-          </a:solidFill>
-          <a:ln w="174625" cmpd="thinThick">
-            <a:solidFill>
-              <a:schemeClr val="tx1">
-                <a:lumMod val="85000"/>
-                <a:lumOff val="15000"/>
-              </a:schemeClr>
-            </a:solidFill>
-          </a:ln>
-        </p:spPr>
-        <p:txBody>
-          <a:bodyPr vert="horz" lIns="91440" tIns="45720" rIns="91440" bIns="45720" rtlCol="0" anchor="ctr">
-            <a:normAutofit/>
-          </a:bodyPr>
-          <a:lstStyle/>
-          <a:p>
-            <a:pPr algn="ctr">
-              <a:lnSpc>
-                <a:spcPct val="90000"/>
-              </a:lnSpc>
-              <a:spcBef>
-                <a:spcPct val="0"/>
-              </a:spcBef>
-              <a:spcAft>
-                <a:spcPts val="600"/>
-              </a:spcAft>
-            </a:pPr>
-            <a:r>
-              <a:rPr lang="en-US" sz="2400" kern="1200">
-                <a:solidFill>
-                  <a:schemeClr val="bg1"/>
-                </a:solidFill>
-                <a:latin typeface="+mj-lt"/>
-                <a:ea typeface="+mj-ea"/>
-                <a:cs typeface="+mj-cs"/>
-              </a:rPr>
-              <a:t> Diagrama de </a:t>
-            </a:r>
-          </a:p>
-          <a:p>
-            <a:pPr algn="ctr">
-              <a:lnSpc>
-                <a:spcPct val="90000"/>
-              </a:lnSpc>
-              <a:spcBef>
-                <a:spcPct val="0"/>
-              </a:spcBef>
-              <a:spcAft>
-                <a:spcPts val="600"/>
-              </a:spcAft>
-            </a:pPr>
-            <a:r>
-              <a:rPr lang="en-US" sz="2400" kern="1200">
-                <a:solidFill>
-                  <a:schemeClr val="bg1"/>
-                </a:solidFill>
-                <a:latin typeface="+mj-lt"/>
-                <a:ea typeface="+mj-ea"/>
-                <a:cs typeface="+mj-cs"/>
-              </a:rPr>
-              <a:t>Sequência para cadastrar no sistema</a:t>
-            </a:r>
-          </a:p>
-        </p:txBody>
-      </p:sp>
-    </p:spTree>
-    <p:extLst>
-      <p:ext uri="{BB962C8B-B14F-4D97-AF65-F5344CB8AC3E}">
-        <p14:creationId xmlns:p14="http://schemas.microsoft.com/office/powerpoint/2010/main" val="2903404825"/>
-      </p:ext>
-    </p:extLst>
-  </p:cSld>
-  <p:clrMapOvr>
-    <a:masterClrMapping/>
-  </p:clrMapOvr>
-</p:sld>
-</file>
-
-<file path=ppt/slides/slide18.xml><?xml version="1.0" encoding="utf-8"?>
-<p:sld xmlns:a="http://schemas.openxmlformats.org/drawingml/2006/main" xmlns:r="http://schemas.openxmlformats.org/officeDocument/2006/relationships" xmlns:p="http://schemas.openxmlformats.org/presentationml/2006/main">
-  <p:cSld>
-    <p:bg>
-      <p:bgPr>
-        <a:solidFill>
-          <a:schemeClr val="bg1"/>
-        </a:solidFill>
-        <a:effectLst/>
-      </p:bgPr>
-    </p:bg>
-    <p:spTree>
-      <p:nvGrpSpPr>
-        <p:cNvPr id="1" name=""/>
-        <p:cNvGrpSpPr/>
-        <p:nvPr/>
-      </p:nvGrpSpPr>
-      <p:grpSpPr>
-        <a:xfrm>
-          <a:off x="0" y="0"/>
-          <a:ext cx="0" cy="0"/>
-          <a:chOff x="0" y="0"/>
-          <a:chExt cx="0" cy="0"/>
-        </a:xfrm>
-      </p:grpSpPr>
-      <p:sp>
-        <p:nvSpPr>
-          <p:cNvPr id="3" name="CaixaDeTexto 2"/>
-          <p:cNvSpPr txBox="1"/>
-          <p:nvPr/>
-        </p:nvSpPr>
-        <p:spPr>
-          <a:xfrm>
-            <a:off x="640080" y="2074363"/>
-            <a:ext cx="2752354" cy="2709275"/>
-          </a:xfrm>
-          <a:prstGeom prst="ellipse">
-            <a:avLst/>
-          </a:prstGeom>
-          <a:solidFill>
-            <a:schemeClr val="tx1">
-              <a:lumMod val="85000"/>
-              <a:lumOff val="15000"/>
-            </a:schemeClr>
-          </a:solidFill>
-          <a:ln w="174625" cmpd="thinThick">
-            <a:solidFill>
-              <a:schemeClr val="tx1">
-                <a:lumMod val="85000"/>
-                <a:lumOff val="15000"/>
-              </a:schemeClr>
-            </a:solidFill>
-          </a:ln>
-        </p:spPr>
-        <p:txBody>
-          <a:bodyPr vert="horz" lIns="91440" tIns="45720" rIns="91440" bIns="45720" rtlCol="0" anchor="ctr">
-            <a:normAutofit/>
-          </a:bodyPr>
-          <a:lstStyle/>
-          <a:p>
-            <a:pPr algn="ctr">
-              <a:lnSpc>
-                <a:spcPct val="90000"/>
-              </a:lnSpc>
-              <a:spcBef>
-                <a:spcPct val="0"/>
-              </a:spcBef>
-              <a:spcAft>
-                <a:spcPts val="600"/>
-              </a:spcAft>
-            </a:pPr>
-            <a:r>
-              <a:rPr lang="en-US" sz="2400" kern="1200">
-                <a:solidFill>
-                  <a:schemeClr val="bg1"/>
-                </a:solidFill>
-                <a:latin typeface="+mj-lt"/>
-                <a:ea typeface="+mj-ea"/>
-                <a:cs typeface="+mj-cs"/>
-              </a:rPr>
-              <a:t> Diagrama de </a:t>
-            </a:r>
-          </a:p>
-          <a:p>
-            <a:pPr algn="ctr">
-              <a:lnSpc>
-                <a:spcPct val="90000"/>
-              </a:lnSpc>
-              <a:spcBef>
-                <a:spcPct val="0"/>
-              </a:spcBef>
-              <a:spcAft>
-                <a:spcPts val="600"/>
-              </a:spcAft>
-            </a:pPr>
-            <a:r>
-              <a:rPr lang="en-US" sz="2400" kern="1200">
-                <a:solidFill>
-                  <a:schemeClr val="bg1"/>
-                </a:solidFill>
-                <a:latin typeface="+mj-lt"/>
-                <a:ea typeface="+mj-ea"/>
-                <a:cs typeface="+mj-cs"/>
-              </a:rPr>
-              <a:t>Sequência para cadastrar no sistema</a:t>
-            </a:r>
-          </a:p>
-        </p:txBody>
-      </p:sp>
-    </p:spTree>
-    <p:extLst>
-      <p:ext uri="{BB962C8B-B14F-4D97-AF65-F5344CB8AC3E}">
-        <p14:creationId xmlns:p14="http://schemas.microsoft.com/office/powerpoint/2010/main" val="2818866252"/>
-      </p:ext>
-    </p:extLst>
-  </p:cSld>
-  <p:clrMapOvr>
-    <a:masterClrMapping/>
-  </p:clrMapOvr>
-</p:sld>
-</file>
-
-<file path=ppt/slides/slide19.xml><?xml version="1.0" encoding="utf-8"?>
-<p:sld xmlns:a="http://schemas.openxmlformats.org/drawingml/2006/main" xmlns:r="http://schemas.openxmlformats.org/officeDocument/2006/relationships" xmlns:p="http://schemas.openxmlformats.org/presentationml/2006/main">
-  <p:cSld>
-    <p:bg>
-      <p:bgPr>
-        <a:solidFill>
-          <a:schemeClr val="bg1"/>
-        </a:solidFill>
-        <a:effectLst/>
-      </p:bgPr>
-    </p:bg>
-    <p:spTree>
-      <p:nvGrpSpPr>
-        <p:cNvPr id="1" name=""/>
-        <p:cNvGrpSpPr/>
-        <p:nvPr/>
-      </p:nvGrpSpPr>
-      <p:grpSpPr>
-        <a:xfrm>
-          <a:off x="0" y="0"/>
-          <a:ext cx="0" cy="0"/>
-          <a:chOff x="0" y="0"/>
-          <a:chExt cx="0" cy="0"/>
-        </a:xfrm>
-      </p:grpSpPr>
-      <p:sp>
-        <p:nvSpPr>
-          <p:cNvPr id="3" name="CaixaDeTexto 2"/>
-          <p:cNvSpPr txBox="1"/>
-          <p:nvPr/>
-        </p:nvSpPr>
-        <p:spPr>
-          <a:xfrm>
-            <a:off x="640080" y="2074363"/>
-            <a:ext cx="2752354" cy="2709275"/>
-          </a:xfrm>
-          <a:prstGeom prst="ellipse">
-            <a:avLst/>
-          </a:prstGeom>
-          <a:solidFill>
-            <a:schemeClr val="tx1">
-              <a:lumMod val="85000"/>
-              <a:lumOff val="15000"/>
-            </a:schemeClr>
-          </a:solidFill>
-          <a:ln w="174625" cmpd="thinThick">
-            <a:solidFill>
-              <a:schemeClr val="tx1">
-                <a:lumMod val="85000"/>
-                <a:lumOff val="15000"/>
-              </a:schemeClr>
-            </a:solidFill>
-          </a:ln>
-        </p:spPr>
-        <p:txBody>
-          <a:bodyPr vert="horz" lIns="91440" tIns="45720" rIns="91440" bIns="45720" rtlCol="0" anchor="ctr">
-            <a:normAutofit/>
-          </a:bodyPr>
-          <a:lstStyle/>
-          <a:p>
-            <a:pPr algn="ctr">
-              <a:lnSpc>
-                <a:spcPct val="90000"/>
-              </a:lnSpc>
-              <a:spcBef>
-                <a:spcPct val="0"/>
-              </a:spcBef>
-              <a:spcAft>
-                <a:spcPts val="600"/>
-              </a:spcAft>
-            </a:pPr>
-            <a:r>
-              <a:rPr lang="en-US" sz="2400" kern="1200">
-                <a:solidFill>
-                  <a:schemeClr val="bg1"/>
-                </a:solidFill>
-                <a:latin typeface="+mj-lt"/>
-                <a:ea typeface="+mj-ea"/>
-                <a:cs typeface="+mj-cs"/>
-              </a:rPr>
-              <a:t> Diagrama de </a:t>
-            </a:r>
-          </a:p>
-          <a:p>
-            <a:pPr algn="ctr">
-              <a:lnSpc>
-                <a:spcPct val="90000"/>
-              </a:lnSpc>
-              <a:spcBef>
-                <a:spcPct val="0"/>
-              </a:spcBef>
-              <a:spcAft>
-                <a:spcPts val="600"/>
-              </a:spcAft>
-            </a:pPr>
-            <a:r>
-              <a:rPr lang="en-US" sz="2400" kern="1200">
-                <a:solidFill>
-                  <a:schemeClr val="bg1"/>
-                </a:solidFill>
-                <a:latin typeface="+mj-lt"/>
-                <a:ea typeface="+mj-ea"/>
-                <a:cs typeface="+mj-cs"/>
-              </a:rPr>
-              <a:t>Sequência para cadastrar no sistema</a:t>
-            </a:r>
-          </a:p>
-        </p:txBody>
-      </p:sp>
-    </p:spTree>
-    <p:extLst>
-      <p:ext uri="{BB962C8B-B14F-4D97-AF65-F5344CB8AC3E}">
-        <p14:creationId xmlns:p14="http://schemas.microsoft.com/office/powerpoint/2010/main" val="1679419292"/>
-      </p:ext>
-    </p:extLst>
-  </p:cSld>
-  <p:clrMapOvr>
-    <a:masterClrMapping/>
-  </p:clrMapOvr>
-</p:sld>
-</file>
-
-<file path=ppt/slides/slide2.xml><?xml version="1.0" encoding="utf-8"?>
-<p:sld xmlns:a="http://schemas.openxmlformats.org/drawingml/2006/main" xmlns:r="http://schemas.openxmlformats.org/officeDocument/2006/relationships" xmlns:p="http://schemas.openxmlformats.org/presentationml/2006/main">
-  <p:cSld>
-    <p:bg>
-      <p:bgPr>
-        <a:solidFill>
-          <a:srgbClr val="404040"/>
-        </a:solidFill>
-        <a:effectLst/>
-      </p:bgPr>
-    </p:bg>
-    <p:spTree>
-      <p:nvGrpSpPr>
-        <p:cNvPr id="1" name=""/>
-        <p:cNvGrpSpPr/>
-        <p:nvPr/>
-      </p:nvGrpSpPr>
-      <p:grpSpPr>
-        <a:xfrm>
-          <a:off x="0" y="0"/>
-          <a:ext cx="0" cy="0"/>
-          <a:chOff x="0" y="0"/>
-          <a:chExt cx="0" cy="0"/>
-        </a:xfrm>
-      </p:grpSpPr>
-      <p:sp>
-        <p:nvSpPr>
-          <p:cNvPr id="30" name="Rectangle 24">
-            <a:extLst>
-              <a:ext uri="{FF2B5EF4-FFF2-40B4-BE49-F238E27FC236}">
-                <a16:creationId xmlns:a16="http://schemas.microsoft.com/office/drawing/2014/main" id="{EA67B5B4-3A24-436E-B663-1B2EBFF8A0CD}"/>
-              </a:ext>
-              <a:ext uri="{C183D7F6-B498-43B3-948B-1728B52AA6E4}">
-                <adec:decorative xmlns:adec="http://schemas.microsoft.com/office/drawing/2017/decorative" val="1"/>
-              </a:ext>
-            </a:extLst>
-          </p:cNvPr>
-          <p:cNvSpPr>
-            <a:spLocks noGrp="1" noRot="1" noChangeAspect="1" noMove="1" noResize="1" noEditPoints="1" noAdjustHandles="1" noChangeArrowheads="1" noChangeShapeType="1" noTextEdit="1"/>
-          </p:cNvSpPr>
-          <p:nvPr>
-            <p:extLst>
-              <p:ext uri="{386F3935-93C4-4BCD-93E2-E3B085C9AB24}">
-                <p16:designElem xmlns:p16="http://schemas.microsoft.com/office/powerpoint/2015/main" val="1"/>
-              </p:ext>
-            </p:extLst>
-          </p:nvPr>
-        </p:nvSpPr>
-        <p:spPr>
-          <a:xfrm>
-            <a:off x="0" y="-3324"/>
-            <a:ext cx="12192000" cy="6861324"/>
-          </a:xfrm>
-          <a:prstGeom prst="rect">
-            <a:avLst/>
-          </a:prstGeom>
-          <a:solidFill>
-            <a:srgbClr val="404040"/>
-          </a:solidFill>
-          <a:ln>
-            <a:noFill/>
-          </a:ln>
-        </p:spPr>
-        <p:style>
-          <a:lnRef idx="2">
-            <a:schemeClr val="accent1">
-              <a:shade val="50000"/>
-            </a:schemeClr>
-          </a:lnRef>
-          <a:fillRef idx="1">
-            <a:schemeClr val="accent1"/>
-          </a:fillRef>
-          <a:effectRef idx="0">
-            <a:schemeClr val="accent1"/>
-          </a:effectRef>
-          <a:fontRef idx="minor">
-            <a:schemeClr val="lt1"/>
-          </a:fontRef>
-        </p:style>
-        <p:txBody>
-          <a:bodyPr rtlCol="0" anchor="ctr"/>
-          <a:lstStyle/>
-          <a:p>
-            <a:pPr algn="ctr"/>
-            <a:endParaRPr lang="en-US"/>
-          </a:p>
-        </p:txBody>
-      </p:sp>
-      <p:sp>
-        <p:nvSpPr>
-          <p:cNvPr id="31" name="Freeform 13">
-            <a:extLst>
-              <a:ext uri="{FF2B5EF4-FFF2-40B4-BE49-F238E27FC236}">
-                <a16:creationId xmlns:a16="http://schemas.microsoft.com/office/drawing/2014/main" id="{987FDF89-C993-41F4-A1B8-DBAFF16008A9}"/>
-              </a:ext>
-              <a:ext uri="{C183D7F6-B498-43B3-948B-1728B52AA6E4}">
-                <adec:decorative xmlns:adec="http://schemas.microsoft.com/office/drawing/2017/decorative" val="1"/>
-              </a:ext>
-            </a:extLst>
-          </p:cNvPr>
-          <p:cNvSpPr>
-            <a:spLocks noGrp="1" noRot="1" noChangeAspect="1" noMove="1" noResize="1" noEditPoints="1" noAdjustHandles="1" noChangeArrowheads="1" noChangeShapeType="1" noTextEdit="1"/>
-          </p:cNvSpPr>
-          <p:nvPr>
-            <p:extLst>
-              <p:ext uri="{386F3935-93C4-4BCD-93E2-E3B085C9AB24}">
-                <p16:designElem xmlns:p16="http://schemas.microsoft.com/office/powerpoint/2015/main" val="1"/>
-              </p:ext>
-            </p:extLst>
-          </p:nvPr>
-        </p:nvSpPr>
-        <p:spPr>
-          <a:xfrm>
-            <a:off x="0" y="0"/>
-            <a:ext cx="11786754" cy="6858000"/>
-          </a:xfrm>
-          <a:custGeom>
-            <a:avLst/>
-            <a:gdLst>
-              <a:gd name="connsiteX0" fmla="*/ 0 w 11786754"/>
-              <a:gd name="connsiteY0" fmla="*/ 0 h 6858000"/>
-              <a:gd name="connsiteX1" fmla="*/ 8610600 w 11786754"/>
-              <a:gd name="connsiteY1" fmla="*/ 0 h 6858000"/>
-              <a:gd name="connsiteX2" fmla="*/ 11786754 w 11786754"/>
-              <a:gd name="connsiteY2" fmla="*/ 6858000 h 6858000"/>
-              <a:gd name="connsiteX3" fmla="*/ 0 w 11786754"/>
-              <a:gd name="connsiteY3" fmla="*/ 6858000 h 6858000"/>
-            </a:gdLst>
-            <a:ahLst/>
-            <a:cxnLst>
-              <a:cxn ang="0">
-                <a:pos x="connsiteX0" y="connsiteY0"/>
-              </a:cxn>
-              <a:cxn ang="0">
-                <a:pos x="connsiteX1" y="connsiteY1"/>
-              </a:cxn>
-              <a:cxn ang="0">
-                <a:pos x="connsiteX2" y="connsiteY2"/>
-              </a:cxn>
-              <a:cxn ang="0">
-                <a:pos x="connsiteX3" y="connsiteY3"/>
-              </a:cxn>
-            </a:cxnLst>
-            <a:rect l="l" t="t" r="r" b="b"/>
-            <a:pathLst>
-              <a:path w="11786754" h="6858000">
-                <a:moveTo>
-                  <a:pt x="0" y="0"/>
-                </a:moveTo>
-                <a:lnTo>
-                  <a:pt x="8610600" y="0"/>
-                </a:lnTo>
-                <a:lnTo>
-                  <a:pt x="11786754" y="6858000"/>
-                </a:lnTo>
-                <a:lnTo>
-                  <a:pt x="0" y="6858000"/>
-                </a:lnTo>
-                <a:close/>
-              </a:path>
-            </a:pathLst>
-          </a:custGeom>
-          <a:solidFill>
-            <a:srgbClr val="000000">
-              <a:alpha val="29804"/>
-            </a:srgbClr>
-          </a:solidFill>
-          <a:ln>
-            <a:noFill/>
-          </a:ln>
-        </p:spPr>
-        <p:style>
-          <a:lnRef idx="2">
-            <a:schemeClr val="accent1">
-              <a:shade val="50000"/>
-            </a:schemeClr>
-          </a:lnRef>
-          <a:fillRef idx="1">
-            <a:schemeClr val="accent1"/>
-          </a:fillRef>
-          <a:effectRef idx="0">
-            <a:schemeClr val="accent1"/>
-          </a:effectRef>
-          <a:fontRef idx="minor">
-            <a:schemeClr val="lt1"/>
-          </a:fontRef>
-        </p:style>
-        <p:txBody>
-          <a:bodyPr rtlCol="0" anchor="ctr"/>
-          <a:lstStyle/>
-          <a:p>
-            <a:pPr algn="ctr"/>
-            <a:endParaRPr lang="en-US"/>
-          </a:p>
-        </p:txBody>
-      </p:sp>
-      <p:sp>
-        <p:nvSpPr>
-          <p:cNvPr id="29" name="Freeform 11">
-            <a:extLst>
-              <a:ext uri="{FF2B5EF4-FFF2-40B4-BE49-F238E27FC236}">
-                <a16:creationId xmlns:a16="http://schemas.microsoft.com/office/drawing/2014/main" id="{64E585EA-75FD-4025-8270-F66A58A15CDA}"/>
-              </a:ext>
-              <a:ext uri="{C183D7F6-B498-43B3-948B-1728B52AA6E4}">
-                <adec:decorative xmlns:adec="http://schemas.microsoft.com/office/drawing/2017/decorative" val="1"/>
-              </a:ext>
-            </a:extLst>
-          </p:cNvPr>
-          <p:cNvSpPr>
-            <a:spLocks noGrp="1" noRot="1" noChangeAspect="1" noMove="1" noResize="1" noEditPoints="1" noAdjustHandles="1" noChangeArrowheads="1" noChangeShapeType="1" noTextEdit="1"/>
-          </p:cNvSpPr>
-          <p:nvPr>
-            <p:extLst>
-              <p:ext uri="{386F3935-93C4-4BCD-93E2-E3B085C9AB24}">
-                <p16:designElem xmlns:p16="http://schemas.microsoft.com/office/powerpoint/2015/main" val="1"/>
-              </p:ext>
-            </p:extLst>
-          </p:nvPr>
-        </p:nvSpPr>
-        <p:spPr>
-          <a:xfrm>
-            <a:off x="0" y="0"/>
-            <a:ext cx="3581400" cy="6858000"/>
-          </a:xfrm>
-          <a:custGeom>
-            <a:avLst/>
-            <a:gdLst>
-              <a:gd name="connsiteX0" fmla="*/ 0 w 3581400"/>
-              <a:gd name="connsiteY0" fmla="*/ 0 h 6858000"/>
-              <a:gd name="connsiteX1" fmla="*/ 405246 w 3581400"/>
-              <a:gd name="connsiteY1" fmla="*/ 0 h 6858000"/>
-              <a:gd name="connsiteX2" fmla="*/ 3581400 w 3581400"/>
-              <a:gd name="connsiteY2" fmla="*/ 6858000 h 6858000"/>
-              <a:gd name="connsiteX3" fmla="*/ 0 w 3581400"/>
-              <a:gd name="connsiteY3" fmla="*/ 6858000 h 6858000"/>
-            </a:gdLst>
-            <a:ahLst/>
-            <a:cxnLst>
-              <a:cxn ang="0">
-                <a:pos x="connsiteX0" y="connsiteY0"/>
-              </a:cxn>
-              <a:cxn ang="0">
-                <a:pos x="connsiteX1" y="connsiteY1"/>
-              </a:cxn>
-              <a:cxn ang="0">
-                <a:pos x="connsiteX2" y="connsiteY2"/>
-              </a:cxn>
-              <a:cxn ang="0">
-                <a:pos x="connsiteX3" y="connsiteY3"/>
-              </a:cxn>
-            </a:cxnLst>
-            <a:rect l="l" t="t" r="r" b="b"/>
-            <a:pathLst>
-              <a:path w="3581400" h="6858000">
-                <a:moveTo>
-                  <a:pt x="0" y="0"/>
-                </a:moveTo>
-                <a:lnTo>
-                  <a:pt x="405246" y="0"/>
-                </a:lnTo>
-                <a:lnTo>
-                  <a:pt x="3581400" y="6858000"/>
-                </a:lnTo>
-                <a:lnTo>
-                  <a:pt x="0" y="6858000"/>
-                </a:lnTo>
-                <a:close/>
-              </a:path>
-            </a:pathLst>
-          </a:custGeom>
-          <a:solidFill>
-            <a:srgbClr val="000000">
-              <a:alpha val="29804"/>
-            </a:srgbClr>
-          </a:solidFill>
-          <a:ln>
-            <a:noFill/>
-          </a:ln>
-        </p:spPr>
-        <p:style>
-          <a:lnRef idx="2">
-            <a:schemeClr val="accent1">
-              <a:shade val="50000"/>
-            </a:schemeClr>
-          </a:lnRef>
-          <a:fillRef idx="1">
-            <a:schemeClr val="accent1"/>
-          </a:fillRef>
-          <a:effectRef idx="0">
-            <a:schemeClr val="accent1"/>
-          </a:effectRef>
-          <a:fontRef idx="minor">
-            <a:schemeClr val="lt1"/>
-          </a:fontRef>
-        </p:style>
-        <p:txBody>
-          <a:bodyPr wrap="square" rtlCol="0" anchor="ctr">
-            <a:noAutofit/>
-          </a:bodyPr>
-          <a:lstStyle/>
-          <a:p>
-            <a:pPr algn="ctr"/>
-            <a:endParaRPr lang="en-US"/>
-          </a:p>
-        </p:txBody>
-      </p:sp>
-      <p:sp>
-        <p:nvSpPr>
           <p:cNvPr id="2" name="Título 1"/>
           <p:cNvSpPr txBox="1">
             <a:spLocks noGrp="1"/>
@@ -6027,14 +5727,6 @@
 <file path=ppt/slides/slide20.xml><?xml version="1.0" encoding="utf-8"?>
 <p:sld xmlns:a="http://schemas.openxmlformats.org/drawingml/2006/main" xmlns:r="http://schemas.openxmlformats.org/officeDocument/2006/relationships" xmlns:p="http://schemas.openxmlformats.org/presentationml/2006/main">
   <p:cSld>
-    <p:bg>
-      <p:bgPr>
-        <a:solidFill>
-          <a:schemeClr val="bg1"/>
-        </a:solidFill>
-        <a:effectLst/>
-      </p:bgPr>
-    </p:bg>
     <p:spTree>
       <p:nvGrpSpPr>
         <p:cNvPr id="1" name=""/>
@@ -6064,17 +5756,11 @@
             <a:avLst/>
           </a:prstGeom>
           <a:solidFill>
-            <a:schemeClr val="tx1">
-              <a:lumMod val="85000"/>
-              <a:lumOff val="15000"/>
-            </a:schemeClr>
+            <a:srgbClr val="262626"/>
           </a:solidFill>
           <a:ln w="174625" cmpd="thinThick">
             <a:solidFill>
-              <a:schemeClr val="tx1">
-                <a:lumMod val="85000"/>
-                <a:lumOff val="15000"/>
-              </a:schemeClr>
+              <a:srgbClr val="262626"/>
             </a:solidFill>
           </a:ln>
         </p:spPr>
@@ -6098,7 +5784,7 @@
             <a:r>
               <a:rPr lang="en-US" sz="2400" kern="1200">
                 <a:solidFill>
-                  <a:schemeClr val="bg1"/>
+                  <a:srgbClr val="FFFFFF"/>
                 </a:solidFill>
                 <a:latin typeface="+mj-lt"/>
                 <a:ea typeface="+mj-ea"/>
@@ -6122,7 +5808,7 @@
             <a:r>
               <a:rPr lang="en-US" sz="2400" kern="1200">
                 <a:solidFill>
-                  <a:schemeClr val="bg1"/>
+                  <a:srgbClr val="FFFFFF"/>
                 </a:solidFill>
                 <a:latin typeface="+mj-lt"/>
                 <a:ea typeface="+mj-ea"/>
@@ -6136,7 +5822,7 @@
     </p:spTree>
     <p:extLst>
       <p:ext uri="{BB962C8B-B14F-4D97-AF65-F5344CB8AC3E}">
-        <p14:creationId xmlns:p14="http://schemas.microsoft.com/office/powerpoint/2010/main" val="3042045896"/>
+        <p14:creationId xmlns:p14="http://schemas.microsoft.com/office/powerpoint/2010/main" val="3996308256"/>
       </p:ext>
     </p:extLst>
   </p:cSld>
@@ -6244,7 +5930,7 @@
     </p:spTree>
     <p:extLst>
       <p:ext uri="{BB962C8B-B14F-4D97-AF65-F5344CB8AC3E}">
-        <p14:creationId xmlns:p14="http://schemas.microsoft.com/office/powerpoint/2010/main" val="3996308256"/>
+        <p14:creationId xmlns:p14="http://schemas.microsoft.com/office/powerpoint/2010/main" val="3857162962"/>
       </p:ext>
     </p:extLst>
   </p:cSld>
@@ -6352,7 +6038,7 @@
     </p:spTree>
     <p:extLst>
       <p:ext uri="{BB962C8B-B14F-4D97-AF65-F5344CB8AC3E}">
-        <p14:creationId xmlns:p14="http://schemas.microsoft.com/office/powerpoint/2010/main" val="3857162962"/>
+        <p14:creationId xmlns:p14="http://schemas.microsoft.com/office/powerpoint/2010/main" val="4067803670"/>
       </p:ext>
     </p:extLst>
   </p:cSld>
@@ -6363,114 +6049,6 @@
 </file>
 
 <file path=ppt/slides/slide23.xml><?xml version="1.0" encoding="utf-8"?>
-<p:sld xmlns:a="http://schemas.openxmlformats.org/drawingml/2006/main" xmlns:r="http://schemas.openxmlformats.org/officeDocument/2006/relationships" xmlns:p="http://schemas.openxmlformats.org/presentationml/2006/main">
-  <p:cSld>
-    <p:spTree>
-      <p:nvGrpSpPr>
-        <p:cNvPr id="1" name=""/>
-        <p:cNvGrpSpPr/>
-        <p:nvPr/>
-      </p:nvGrpSpPr>
-      <p:grpSpPr>
-        <a:xfrm>
-          <a:off x="0" y="0"/>
-          <a:ext cx="0" cy="0"/>
-          <a:chOff x="0" y="0"/>
-          <a:chExt cx="0" cy="0"/>
-        </a:xfrm>
-      </p:grpSpPr>
-      <p:sp>
-        <p:nvSpPr>
-          <p:cNvPr id="3" name="CaixaDeTexto 2"/>
-          <p:cNvSpPr txBox="1"/>
-          <p:nvPr/>
-        </p:nvSpPr>
-        <p:spPr>
-          <a:xfrm>
-            <a:off x="640080" y="2074363"/>
-            <a:ext cx="2752354" cy="2709275"/>
-          </a:xfrm>
-          <a:prstGeom prst="ellipse">
-            <a:avLst/>
-          </a:prstGeom>
-          <a:solidFill>
-            <a:srgbClr val="262626"/>
-          </a:solidFill>
-          <a:ln w="174625" cmpd="thinThick">
-            <a:solidFill>
-              <a:srgbClr val="262626"/>
-            </a:solidFill>
-          </a:ln>
-        </p:spPr>
-        <p:txBody>
-          <a:bodyPr vert="horz" lIns="91440" tIns="45720" rIns="91440" bIns="45720" rtlCol="0" anchor="ctr">
-            <a:normAutofit/>
-          </a:bodyPr>
-          <a:lstStyle/>
-          <a:p>
-            <a:pPr algn="ctr">
-              <a:lnSpc>
-                <a:spcPct val="90000"/>
-              </a:lnSpc>
-              <a:spcBef>
-                <a:spcPct val="0"/>
-              </a:spcBef>
-              <a:spcAft>
-                <a:spcPts val="600"/>
-              </a:spcAft>
-            </a:pPr>
-            <a:r>
-              <a:rPr lang="en-US" sz="2400" kern="1200">
-                <a:solidFill>
-                  <a:srgbClr val="FFFFFF"/>
-                </a:solidFill>
-                <a:latin typeface="+mj-lt"/>
-                <a:ea typeface="+mj-ea"/>
-                <a:cs typeface="+mj-cs"/>
-              </a:rPr>
-              <a:t> Diagrama de </a:t>
-            </a:r>
-          </a:p>
-          <a:p>
-            <a:pPr algn="ctr">
-              <a:lnSpc>
-                <a:spcPct val="90000"/>
-              </a:lnSpc>
-              <a:spcBef>
-                <a:spcPct val="0"/>
-              </a:spcBef>
-              <a:spcAft>
-                <a:spcPts val="600"/>
-              </a:spcAft>
-            </a:pPr>
-            <a:r>
-              <a:rPr lang="en-US" sz="2400" kern="1200">
-                <a:solidFill>
-                  <a:srgbClr val="FFFFFF"/>
-                </a:solidFill>
-                <a:latin typeface="+mj-lt"/>
-                <a:ea typeface="+mj-ea"/>
-                <a:cs typeface="+mj-cs"/>
-              </a:rPr>
-              <a:t>Sequência para cadastrar no sistema</a:t>
-            </a:r>
-          </a:p>
-        </p:txBody>
-      </p:sp>
-    </p:spTree>
-    <p:extLst>
-      <p:ext uri="{BB962C8B-B14F-4D97-AF65-F5344CB8AC3E}">
-        <p14:creationId xmlns:p14="http://schemas.microsoft.com/office/powerpoint/2010/main" val="4067803670"/>
-      </p:ext>
-    </p:extLst>
-  </p:cSld>
-  <p:clrMapOvr>
-    <a:masterClrMapping/>
-  </p:clrMapOvr>
-</p:sld>
-</file>
-
-<file path=ppt/slides/slide24.xml><?xml version="1.0" encoding="utf-8"?>
 <p:sld xmlns:a="http://schemas.openxmlformats.org/drawingml/2006/main" xmlns:r="http://schemas.openxmlformats.org/officeDocument/2006/relationships" xmlns:p="http://schemas.openxmlformats.org/presentationml/2006/main">
   <p:cSld>
     <p:bg>
@@ -6941,7 +6519,7 @@
 </p:sld>
 </file>
 
-<file path=ppt/slides/slide25.xml><?xml version="1.0" encoding="utf-8"?>
+<file path=ppt/slides/slide24.xml><?xml version="1.0" encoding="utf-8"?>
 <p:sld xmlns:a="http://schemas.openxmlformats.org/drawingml/2006/main" xmlns:r="http://schemas.openxmlformats.org/officeDocument/2006/relationships" xmlns:p="http://schemas.openxmlformats.org/presentationml/2006/main">
   <p:cSld>
     <p:spTree>
@@ -7943,7 +7521,7 @@
 </p:sld>
 </file>
 
-<file path=ppt/slides/slide26.xml><?xml version="1.0" encoding="utf-8"?>
+<file path=ppt/slides/slide25.xml><?xml version="1.0" encoding="utf-8"?>
 <p:sld xmlns:a="http://schemas.openxmlformats.org/drawingml/2006/main" xmlns:r="http://schemas.openxmlformats.org/officeDocument/2006/relationships" xmlns:p="http://schemas.openxmlformats.org/presentationml/2006/main">
   <p:cSld>
     <p:bg>
@@ -7970,6 +7548,100 @@
       </p:grpSpPr>
       <p:sp>
         <p:nvSpPr>
+          <p:cNvPr id="71" name="Rectangle 70">
+            <a:extLst>
+              <a:ext uri="{FF2B5EF4-FFF2-40B4-BE49-F238E27FC236}">
+                <a16:creationId xmlns:a16="http://schemas.microsoft.com/office/drawing/2014/main" id="{823AC064-BC96-4F32-8AE1-B2FD38754823}"/>
+              </a:ext>
+              <a:ext uri="{C183D7F6-B498-43B3-948B-1728B52AA6E4}">
+                <adec:decorative xmlns:adec="http://schemas.microsoft.com/office/drawing/2017/decorative" val="1"/>
+              </a:ext>
+            </a:extLst>
+          </p:cNvPr>
+          <p:cNvSpPr>
+            <a:spLocks noGrp="1" noRot="1" noChangeAspect="1" noMove="1" noResize="1" noEditPoints="1" noAdjustHandles="1" noChangeArrowheads="1" noChangeShapeType="1" noTextEdit="1"/>
+          </p:cNvSpPr>
+          <p:nvPr>
+            <p:extLst>
+              <p:ext uri="{386F3935-93C4-4BCD-93E2-E3B085C9AB24}">
+                <p16:designElem xmlns:p16="http://schemas.microsoft.com/office/powerpoint/2015/main" val="1"/>
+              </p:ext>
+            </p:extLst>
+          </p:nvPr>
+        </p:nvSpPr>
+        <p:spPr bwMode="ltGray">
+          <a:xfrm>
+            <a:off x="378068" y="4633546"/>
+            <a:ext cx="11438793" cy="1844256"/>
+          </a:xfrm>
+          <a:prstGeom prst="rect">
+            <a:avLst/>
+          </a:prstGeom>
+          <a:solidFill>
+            <a:srgbClr val="404040"/>
+          </a:solidFill>
+          <a:ln w="127000" cap="sq" cmpd="thinThick">
+            <a:solidFill>
+              <a:srgbClr val="404040"/>
+            </a:solidFill>
+          </a:ln>
+        </p:spPr>
+        <p:style>
+          <a:lnRef idx="2">
+            <a:schemeClr val="accent1">
+              <a:shade val="50000"/>
+            </a:schemeClr>
+          </a:lnRef>
+          <a:fillRef idx="1">
+            <a:schemeClr val="accent1"/>
+          </a:fillRef>
+          <a:effectRef idx="0">
+            <a:schemeClr val="accent1"/>
+          </a:effectRef>
+          <a:fontRef idx="minor">
+            <a:schemeClr val="lt1"/>
+          </a:fontRef>
+        </p:style>
+        <p:txBody>
+          <a:bodyPr rtlCol="0" anchor="ctr"/>
+          <a:lstStyle/>
+          <a:p>
+            <a:pPr marL="0" marR="0" lvl="0" indent="0" algn="ctr" defTabSz="914400" rtl="0" eaLnBrk="1" fontAlgn="auto" latinLnBrk="0" hangingPunct="1">
+              <a:lnSpc>
+                <a:spcPct val="100000"/>
+              </a:lnSpc>
+              <a:spcBef>
+                <a:spcPts val="0"/>
+              </a:spcBef>
+              <a:spcAft>
+                <a:spcPts val="0"/>
+              </a:spcAft>
+              <a:buClrTx/>
+              <a:buSzTx/>
+              <a:buFontTx/>
+              <a:buNone/>
+              <a:tabLst/>
+              <a:defRPr/>
+            </a:pPr>
+            <a:endParaRPr kumimoji="0" lang="en-US" sz="1800" b="0" i="0" u="none" strike="noStrike" kern="1200" cap="none" spc="0" normalizeH="0" baseline="0" noProof="0">
+              <a:ln>
+                <a:noFill/>
+              </a:ln>
+              <a:solidFill>
+                <a:prstClr val="white"/>
+              </a:solidFill>
+              <a:effectLst/>
+              <a:uLnTx/>
+              <a:uFillTx/>
+              <a:latin typeface="Calibri" panose="020F0502020204030204"/>
+              <a:ea typeface="+mn-ea"/>
+              <a:cs typeface="+mn-cs"/>
+            </a:endParaRPr>
+          </a:p>
+        </p:txBody>
+      </p:sp>
+      <p:sp>
+        <p:nvSpPr>
           <p:cNvPr id="6" name="Título 1"/>
           <p:cNvSpPr>
             <a:spLocks noGrp="1"/>
@@ -7980,8 +7652,8 @@
         </p:nvSpPr>
         <p:spPr>
           <a:xfrm>
-            <a:off x="838199" y="291090"/>
-            <a:ext cx="10515599" cy="932688"/>
+            <a:off x="526073" y="4756638"/>
+            <a:ext cx="11139854" cy="930447"/>
           </a:xfrm>
         </p:spPr>
         <p:txBody>
@@ -7992,9 +7664,9 @@
           <a:p>
             <a:pPr algn="ctr"/>
             <a:r>
-              <a:rPr lang="en-US" sz="4800" b="1" i="1" kern="1200">
+              <a:rPr lang="en-US" sz="5400" b="1" i="1" kern="1200">
                 <a:solidFill>
-                  <a:schemeClr val="tx1"/>
+                  <a:srgbClr val="FFFFFF"/>
                 </a:solidFill>
                 <a:latin typeface="+mj-lt"/>
                 <a:ea typeface="+mj-ea"/>
@@ -8013,8 +7685,8 @@
         </p:nvSpPr>
         <p:spPr>
           <a:xfrm>
-            <a:off x="838199" y="1335726"/>
-            <a:ext cx="10515599" cy="420624"/>
+            <a:off x="1524000" y="5815698"/>
+            <a:ext cx="9144000" cy="420001"/>
           </a:xfrm>
           <a:prstGeom prst="rect">
             <a:avLst/>
@@ -8037,7 +7709,7 @@
             <a:r>
               <a:rPr lang="en-US" sz="2000" b="1" kern="1200">
                 <a:solidFill>
-                  <a:schemeClr val="tx1"/>
+                  <a:srgbClr val="1092FC"/>
                 </a:solidFill>
                 <a:latin typeface="+mn-lt"/>
                 <a:ea typeface="+mn-ea"/>
@@ -8057,7 +7729,7 @@
             </a:pPr>
             <a:endParaRPr lang="en-US" sz="2000" b="1" kern="1200">
               <a:solidFill>
-                <a:schemeClr val="tx1"/>
+                <a:srgbClr val="1092FC"/>
               </a:solidFill>
               <a:latin typeface="+mn-lt"/>
               <a:ea typeface="+mn-ea"/>
@@ -8088,8 +7760,8 @@
         </p:blipFill>
         <p:spPr bwMode="auto">
           <a:xfrm>
-            <a:off x="838200" y="2020487"/>
-            <a:ext cx="10515599" cy="4127373"/>
+            <a:off x="975920" y="307731"/>
+            <a:ext cx="10185061" cy="3997637"/>
           </a:xfrm>
           <a:prstGeom prst="rect">
             <a:avLst/>
@@ -8116,6 +7788,58 @@
           </a:extLst>
         </p:spPr>
       </p:pic>
+      <p:cxnSp>
+        <p:nvCxnSpPr>
+          <p:cNvPr id="73" name="Straight Connector 72">
+            <a:extLst>
+              <a:ext uri="{FF2B5EF4-FFF2-40B4-BE49-F238E27FC236}">
+                <a16:creationId xmlns:a16="http://schemas.microsoft.com/office/drawing/2014/main" id="{7E7C77BC-7138-40B1-A15B-20F57A494629}"/>
+              </a:ext>
+              <a:ext uri="{C183D7F6-B498-43B3-948B-1728B52AA6E4}">
+                <adec:decorative xmlns:adec="http://schemas.microsoft.com/office/drawing/2017/decorative" val="1"/>
+              </a:ext>
+            </a:extLst>
+          </p:cNvPr>
+          <p:cNvCxnSpPr>
+            <a:cxnSpLocks noGrp="1" noRot="1" noChangeAspect="1" noMove="1" noResize="1" noEditPoints="1" noAdjustHandles="1" noChangeArrowheads="1" noChangeShapeType="1"/>
+          </p:cNvCxnSpPr>
+          <p:nvPr>
+            <p:extLst>
+              <p:ext uri="{386F3935-93C4-4BCD-93E2-E3B085C9AB24}">
+                <p16:designElem xmlns:p16="http://schemas.microsoft.com/office/powerpoint/2015/main" val="1"/>
+              </p:ext>
+            </p:extLst>
+          </p:nvPr>
+        </p:nvCxnSpPr>
+        <p:spPr>
+          <a:xfrm>
+            <a:off x="2209800" y="5738691"/>
+            <a:ext cx="7772400" cy="0"/>
+          </a:xfrm>
+          <a:prstGeom prst="line">
+            <a:avLst/>
+          </a:prstGeom>
+          <a:ln w="22225">
+            <a:solidFill>
+              <a:srgbClr val="D9D9D9"/>
+            </a:solidFill>
+          </a:ln>
+        </p:spPr>
+        <p:style>
+          <a:lnRef idx="1">
+            <a:schemeClr val="accent1"/>
+          </a:lnRef>
+          <a:fillRef idx="0">
+            <a:schemeClr val="accent1"/>
+          </a:fillRef>
+          <a:effectRef idx="0">
+            <a:schemeClr val="accent1"/>
+          </a:effectRef>
+          <a:fontRef idx="minor">
+            <a:schemeClr val="tx1"/>
+          </a:fontRef>
+        </p:style>
+      </p:cxnSp>
     </p:spTree>
     <p:extLst>
       <p:ext uri="{BB962C8B-B14F-4D97-AF65-F5344CB8AC3E}">
@@ -8129,7 +7853,7 @@
 </p:sld>
 </file>
 
-<file path=ppt/slides/slide27.xml><?xml version="1.0" encoding="utf-8"?>
+<file path=ppt/slides/slide26.xml><?xml version="1.0" encoding="utf-8"?>
 <p:sld xmlns:a="http://schemas.openxmlformats.org/drawingml/2006/main" xmlns:r="http://schemas.openxmlformats.org/officeDocument/2006/relationships" xmlns:p="http://schemas.openxmlformats.org/presentationml/2006/main">
   <p:cSld>
     <p:spTree>
@@ -8469,6 +8193,271 @@
     <p:extLst>
       <p:ext uri="{BB962C8B-B14F-4D97-AF65-F5344CB8AC3E}">
         <p14:creationId xmlns:p14="http://schemas.microsoft.com/office/powerpoint/2010/main" val="1596023530"/>
+      </p:ext>
+    </p:extLst>
+  </p:cSld>
+  <p:clrMapOvr>
+    <a:masterClrMapping/>
+  </p:clrMapOvr>
+</p:sld>
+</file>
+
+<file path=ppt/slides/slide27.xml><?xml version="1.0" encoding="utf-8"?>
+<p:sld xmlns:a="http://schemas.openxmlformats.org/drawingml/2006/main" xmlns:r="http://schemas.openxmlformats.org/officeDocument/2006/relationships" xmlns:p="http://schemas.openxmlformats.org/presentationml/2006/main">
+  <p:cSld>
+    <p:bg>
+      <p:bgPr>
+        <a:solidFill>
+          <a:schemeClr val="bg1"/>
+        </a:solidFill>
+        <a:effectLst/>
+      </p:bgPr>
+    </p:bg>
+    <p:spTree>
+      <p:nvGrpSpPr>
+        <p:cNvPr id="1" name=""/>
+        <p:cNvGrpSpPr/>
+        <p:nvPr/>
+      </p:nvGrpSpPr>
+      <p:grpSpPr>
+        <a:xfrm>
+          <a:off x="0" y="0"/>
+          <a:ext cx="0" cy="0"/>
+          <a:chOff x="0" y="0"/>
+          <a:chExt cx="0" cy="0"/>
+        </a:xfrm>
+      </p:grpSpPr>
+      <p:sp>
+        <p:nvSpPr>
+          <p:cNvPr id="14" name="Rectangle 9">
+            <a:extLst>
+              <a:ext uri="{FF2B5EF4-FFF2-40B4-BE49-F238E27FC236}">
+                <a16:creationId xmlns:a16="http://schemas.microsoft.com/office/drawing/2014/main" id="{823AC064-BC96-4F32-8AE1-B2FD38754823}"/>
+              </a:ext>
+              <a:ext uri="{C183D7F6-B498-43B3-948B-1728B52AA6E4}">
+                <adec:decorative xmlns:adec="http://schemas.microsoft.com/office/drawing/2017/decorative" val="1"/>
+              </a:ext>
+            </a:extLst>
+          </p:cNvPr>
+          <p:cNvSpPr>
+            <a:spLocks noGrp="1" noRot="1" noChangeAspect="1" noMove="1" noResize="1" noEditPoints="1" noAdjustHandles="1" noChangeArrowheads="1" noChangeShapeType="1" noTextEdit="1"/>
+          </p:cNvSpPr>
+          <p:nvPr>
+            <p:extLst>
+              <p:ext uri="{386F3935-93C4-4BCD-93E2-E3B085C9AB24}">
+                <p16:designElem xmlns:p16="http://schemas.microsoft.com/office/powerpoint/2015/main" val="1"/>
+              </p:ext>
+            </p:extLst>
+          </p:nvPr>
+        </p:nvSpPr>
+        <p:spPr bwMode="ltGray">
+          <a:xfrm>
+            <a:off x="378068" y="343486"/>
+            <a:ext cx="11438793" cy="1844256"/>
+          </a:xfrm>
+          <a:prstGeom prst="rect">
+            <a:avLst/>
+          </a:prstGeom>
+          <a:solidFill>
+            <a:srgbClr val="404040"/>
+          </a:solidFill>
+          <a:ln w="127000" cap="sq" cmpd="thinThick">
+            <a:solidFill>
+              <a:srgbClr val="404040"/>
+            </a:solidFill>
+          </a:ln>
+        </p:spPr>
+        <p:style>
+          <a:lnRef idx="2">
+            <a:schemeClr val="accent1">
+              <a:shade val="50000"/>
+            </a:schemeClr>
+          </a:lnRef>
+          <a:fillRef idx="1">
+            <a:schemeClr val="accent1"/>
+          </a:fillRef>
+          <a:effectRef idx="0">
+            <a:schemeClr val="accent1"/>
+          </a:effectRef>
+          <a:fontRef idx="minor">
+            <a:schemeClr val="lt1"/>
+          </a:fontRef>
+        </p:style>
+        <p:txBody>
+          <a:bodyPr rtlCol="0" anchor="ctr"/>
+          <a:lstStyle/>
+          <a:p>
+            <a:pPr marL="0" marR="0" lvl="0" indent="0" algn="ctr" defTabSz="914400" rtl="0" eaLnBrk="1" fontAlgn="auto" latinLnBrk="0" hangingPunct="1">
+              <a:lnSpc>
+                <a:spcPct val="100000"/>
+              </a:lnSpc>
+              <a:spcBef>
+                <a:spcPts val="0"/>
+              </a:spcBef>
+              <a:spcAft>
+                <a:spcPts val="0"/>
+              </a:spcAft>
+              <a:buClrTx/>
+              <a:buSzTx/>
+              <a:buFontTx/>
+              <a:buNone/>
+              <a:tabLst/>
+              <a:defRPr/>
+            </a:pPr>
+            <a:endParaRPr kumimoji="0" lang="en-US" sz="1800" b="0" i="0" u="none" strike="noStrike" kern="1200" cap="none" spc="0" normalizeH="0" baseline="0" noProof="0">
+              <a:ln>
+                <a:noFill/>
+              </a:ln>
+              <a:solidFill>
+                <a:prstClr val="white"/>
+              </a:solidFill>
+              <a:effectLst/>
+              <a:uLnTx/>
+              <a:uFillTx/>
+              <a:latin typeface="Calibri" panose="020F0502020204030204"/>
+              <a:ea typeface="+mn-ea"/>
+              <a:cs typeface="+mn-cs"/>
+            </a:endParaRPr>
+          </a:p>
+        </p:txBody>
+      </p:sp>
+      <p:sp>
+        <p:nvSpPr>
+          <p:cNvPr id="2" name="Título 1">
+            <a:extLst>
+              <a:ext uri="{FF2B5EF4-FFF2-40B4-BE49-F238E27FC236}">
+                <a16:creationId xmlns:a16="http://schemas.microsoft.com/office/drawing/2014/main" id="{E9C04B00-6CB1-411A-B84B-E02B3BF7C729}"/>
+              </a:ext>
+            </a:extLst>
+          </p:cNvPr>
+          <p:cNvSpPr>
+            <a:spLocks noGrp="1"/>
+          </p:cNvSpPr>
+          <p:nvPr>
+            <p:ph type="title"/>
+          </p:nvPr>
+        </p:nvSpPr>
+        <p:spPr>
+          <a:xfrm>
+            <a:off x="526073" y="466578"/>
+            <a:ext cx="11139854" cy="930447"/>
+          </a:xfrm>
+        </p:spPr>
+        <p:txBody>
+          <a:bodyPr vert="horz" lIns="91440" tIns="45720" rIns="91440" bIns="45720" rtlCol="0" anchor="b">
+            <a:normAutofit/>
+          </a:bodyPr>
+          <a:lstStyle/>
+          <a:p>
+            <a:pPr algn="ctr"/>
+            <a:r>
+              <a:rPr lang="en-US" sz="5400" kern="1200">
+                <a:solidFill>
+                  <a:srgbClr val="FFFFFF"/>
+                </a:solidFill>
+                <a:latin typeface="+mj-lt"/>
+                <a:ea typeface="+mj-ea"/>
+                <a:cs typeface="+mj-cs"/>
+              </a:rPr>
+              <a:t>Marcar Reunião (CADI)</a:t>
+            </a:r>
+          </a:p>
+        </p:txBody>
+      </p:sp>
+      <p:cxnSp>
+        <p:nvCxnSpPr>
+          <p:cNvPr id="15" name="Straight Connector 11">
+            <a:extLst>
+              <a:ext uri="{FF2B5EF4-FFF2-40B4-BE49-F238E27FC236}">
+                <a16:creationId xmlns:a16="http://schemas.microsoft.com/office/drawing/2014/main" id="{7E7C77BC-7138-40B1-A15B-20F57A494629}"/>
+              </a:ext>
+              <a:ext uri="{C183D7F6-B498-43B3-948B-1728B52AA6E4}">
+                <adec:decorative xmlns:adec="http://schemas.microsoft.com/office/drawing/2017/decorative" val="1"/>
+              </a:ext>
+            </a:extLst>
+          </p:cNvPr>
+          <p:cNvCxnSpPr>
+            <a:cxnSpLocks noGrp="1" noRot="1" noChangeAspect="1" noMove="1" noResize="1" noEditPoints="1" noAdjustHandles="1" noChangeArrowheads="1" noChangeShapeType="1"/>
+          </p:cNvCxnSpPr>
+          <p:nvPr>
+            <p:extLst>
+              <p:ext uri="{386F3935-93C4-4BCD-93E2-E3B085C9AB24}">
+                <p16:designElem xmlns:p16="http://schemas.microsoft.com/office/powerpoint/2015/main" val="1"/>
+              </p:ext>
+            </p:extLst>
+          </p:nvPr>
+        </p:nvCxnSpPr>
+        <p:spPr>
+          <a:xfrm>
+            <a:off x="2209800" y="1448631"/>
+            <a:ext cx="7772400" cy="0"/>
+          </a:xfrm>
+          <a:prstGeom prst="line">
+            <a:avLst/>
+          </a:prstGeom>
+          <a:ln w="22225">
+            <a:solidFill>
+              <a:srgbClr val="D9D9D9"/>
+            </a:solidFill>
+          </a:ln>
+        </p:spPr>
+        <p:style>
+          <a:lnRef idx="1">
+            <a:schemeClr val="accent1"/>
+          </a:lnRef>
+          <a:fillRef idx="0">
+            <a:schemeClr val="accent1"/>
+          </a:fillRef>
+          <a:effectRef idx="0">
+            <a:schemeClr val="accent1"/>
+          </a:effectRef>
+          <a:fontRef idx="minor">
+            <a:schemeClr val="tx1"/>
+          </a:fontRef>
+        </p:style>
+      </p:cxnSp>
+      <p:pic>
+        <p:nvPicPr>
+          <p:cNvPr id="5" name="Espaço Reservado para Conteúdo 4">
+            <a:extLst>
+              <a:ext uri="{FF2B5EF4-FFF2-40B4-BE49-F238E27FC236}">
+                <a16:creationId xmlns:a16="http://schemas.microsoft.com/office/drawing/2014/main" id="{BBF032E3-150C-4A98-9359-B7943D44138A}"/>
+              </a:ext>
+            </a:extLst>
+          </p:cNvPr>
+          <p:cNvPicPr>
+            <a:picLocks noGrp="1" noChangeAspect="1"/>
+          </p:cNvPicPr>
+          <p:nvPr>
+            <p:ph idx="1"/>
+          </p:nvPr>
+        </p:nvPicPr>
+        <p:blipFill>
+          <a:blip r:embed="rId2">
+            <a:extLst>
+              <a:ext uri="{28A0092B-C50C-407E-A947-70E740481C1C}">
+                <a14:useLocalDpi xmlns:a14="http://schemas.microsoft.com/office/drawing/2010/main" val="0"/>
+              </a:ext>
+            </a:extLst>
+          </a:blip>
+          <a:stretch>
+            <a:fillRect/>
+          </a:stretch>
+        </p:blipFill>
+        <p:spPr>
+          <a:xfrm>
+            <a:off x="1838147" y="2509911"/>
+            <a:ext cx="8460607" cy="3997637"/>
+          </a:xfrm>
+          <a:prstGeom prst="rect">
+            <a:avLst/>
+          </a:prstGeom>
+        </p:spPr>
+      </p:pic>
+    </p:spTree>
+    <p:extLst>
+      <p:ext uri="{BB962C8B-B14F-4D97-AF65-F5344CB8AC3E}">
+        <p14:creationId xmlns:p14="http://schemas.microsoft.com/office/powerpoint/2010/main" val="1386667687"/>
       </p:ext>
     </p:extLst>
   </p:cSld>
@@ -8505,6 +8494,100 @@
       </p:grpSpPr>
       <p:sp>
         <p:nvSpPr>
+          <p:cNvPr id="10" name="Rectangle 9">
+            <a:extLst>
+              <a:ext uri="{FF2B5EF4-FFF2-40B4-BE49-F238E27FC236}">
+                <a16:creationId xmlns:a16="http://schemas.microsoft.com/office/drawing/2014/main" id="{823AC064-BC96-4F32-8AE1-B2FD38754823}"/>
+              </a:ext>
+              <a:ext uri="{C183D7F6-B498-43B3-948B-1728B52AA6E4}">
+                <adec:decorative xmlns:adec="http://schemas.microsoft.com/office/drawing/2017/decorative" val="1"/>
+              </a:ext>
+            </a:extLst>
+          </p:cNvPr>
+          <p:cNvSpPr>
+            <a:spLocks noGrp="1" noRot="1" noChangeAspect="1" noMove="1" noResize="1" noEditPoints="1" noAdjustHandles="1" noChangeArrowheads="1" noChangeShapeType="1" noTextEdit="1"/>
+          </p:cNvSpPr>
+          <p:nvPr>
+            <p:extLst>
+              <p:ext uri="{386F3935-93C4-4BCD-93E2-E3B085C9AB24}">
+                <p16:designElem xmlns:p16="http://schemas.microsoft.com/office/powerpoint/2015/main" val="1"/>
+              </p:ext>
+            </p:extLst>
+          </p:nvPr>
+        </p:nvSpPr>
+        <p:spPr bwMode="ltGray">
+          <a:xfrm>
+            <a:off x="378068" y="343486"/>
+            <a:ext cx="11438793" cy="1844256"/>
+          </a:xfrm>
+          <a:prstGeom prst="rect">
+            <a:avLst/>
+          </a:prstGeom>
+          <a:solidFill>
+            <a:srgbClr val="404040"/>
+          </a:solidFill>
+          <a:ln w="127000" cap="sq" cmpd="thinThick">
+            <a:solidFill>
+              <a:srgbClr val="404040"/>
+            </a:solidFill>
+          </a:ln>
+        </p:spPr>
+        <p:style>
+          <a:lnRef idx="2">
+            <a:schemeClr val="accent1">
+              <a:shade val="50000"/>
+            </a:schemeClr>
+          </a:lnRef>
+          <a:fillRef idx="1">
+            <a:schemeClr val="accent1"/>
+          </a:fillRef>
+          <a:effectRef idx="0">
+            <a:schemeClr val="accent1"/>
+          </a:effectRef>
+          <a:fontRef idx="minor">
+            <a:schemeClr val="lt1"/>
+          </a:fontRef>
+        </p:style>
+        <p:txBody>
+          <a:bodyPr rtlCol="0" anchor="ctr"/>
+          <a:lstStyle/>
+          <a:p>
+            <a:pPr marL="0" marR="0" lvl="0" indent="0" algn="ctr" defTabSz="914400" rtl="0" eaLnBrk="1" fontAlgn="auto" latinLnBrk="0" hangingPunct="1">
+              <a:lnSpc>
+                <a:spcPct val="100000"/>
+              </a:lnSpc>
+              <a:spcBef>
+                <a:spcPts val="0"/>
+              </a:spcBef>
+              <a:spcAft>
+                <a:spcPts val="0"/>
+              </a:spcAft>
+              <a:buClrTx/>
+              <a:buSzTx/>
+              <a:buFontTx/>
+              <a:buNone/>
+              <a:tabLst/>
+              <a:defRPr/>
+            </a:pPr>
+            <a:endParaRPr kumimoji="0" lang="en-US" sz="1800" b="0" i="0" u="none" strike="noStrike" kern="1200" cap="none" spc="0" normalizeH="0" baseline="0" noProof="0">
+              <a:ln>
+                <a:noFill/>
+              </a:ln>
+              <a:solidFill>
+                <a:prstClr val="white"/>
+              </a:solidFill>
+              <a:effectLst/>
+              <a:uLnTx/>
+              <a:uFillTx/>
+              <a:latin typeface="Calibri" panose="020F0502020204030204"/>
+              <a:ea typeface="+mn-ea"/>
+              <a:cs typeface="+mn-cs"/>
+            </a:endParaRPr>
+          </a:p>
+        </p:txBody>
+      </p:sp>
+      <p:sp>
+        <p:nvSpPr>
           <p:cNvPr id="2" name="Título 1">
             <a:extLst>
               <a:ext uri="{FF2B5EF4-FFF2-40B4-BE49-F238E27FC236}">
@@ -8521,8 +8604,8 @@
         </p:nvSpPr>
         <p:spPr>
           <a:xfrm>
-            <a:off x="838199" y="291090"/>
-            <a:ext cx="10515599" cy="932688"/>
+            <a:off x="526073" y="466578"/>
+            <a:ext cx="11139854" cy="930447"/>
           </a:xfrm>
         </p:spPr>
         <p:txBody>
@@ -8533,25 +8616,77 @@
           <a:p>
             <a:pPr algn="ctr"/>
             <a:r>
-              <a:rPr lang="en-US" sz="4800" kern="1200">
+              <a:rPr lang="en-US" sz="5400" kern="1200">
                 <a:solidFill>
-                  <a:schemeClr val="tx1"/>
+                  <a:srgbClr val="FFFFFF"/>
                 </a:solidFill>
                 <a:latin typeface="+mj-lt"/>
                 <a:ea typeface="+mj-ea"/>
                 <a:cs typeface="+mj-cs"/>
               </a:rPr>
-              <a:t>Marcar Reunião (CADI)</a:t>
-            </a:r>
-          </a:p>
-        </p:txBody>
-      </p:sp>
+              <a:t>Projetos (CADI)</a:t>
+            </a:r>
+          </a:p>
+        </p:txBody>
+      </p:sp>
+      <p:cxnSp>
+        <p:nvCxnSpPr>
+          <p:cNvPr id="12" name="Straight Connector 11">
+            <a:extLst>
+              <a:ext uri="{FF2B5EF4-FFF2-40B4-BE49-F238E27FC236}">
+                <a16:creationId xmlns:a16="http://schemas.microsoft.com/office/drawing/2014/main" id="{7E7C77BC-7138-40B1-A15B-20F57A494629}"/>
+              </a:ext>
+              <a:ext uri="{C183D7F6-B498-43B3-948B-1728B52AA6E4}">
+                <adec:decorative xmlns:adec="http://schemas.microsoft.com/office/drawing/2017/decorative" val="1"/>
+              </a:ext>
+            </a:extLst>
+          </p:cNvPr>
+          <p:cNvCxnSpPr>
+            <a:cxnSpLocks noGrp="1" noRot="1" noChangeAspect="1" noMove="1" noResize="1" noEditPoints="1" noAdjustHandles="1" noChangeArrowheads="1" noChangeShapeType="1"/>
+          </p:cNvCxnSpPr>
+          <p:nvPr>
+            <p:extLst>
+              <p:ext uri="{386F3935-93C4-4BCD-93E2-E3B085C9AB24}">
+                <p16:designElem xmlns:p16="http://schemas.microsoft.com/office/powerpoint/2015/main" val="1"/>
+              </p:ext>
+            </p:extLst>
+          </p:nvPr>
+        </p:nvCxnSpPr>
+        <p:spPr>
+          <a:xfrm>
+            <a:off x="2209800" y="1448631"/>
+            <a:ext cx="7772400" cy="0"/>
+          </a:xfrm>
+          <a:prstGeom prst="line">
+            <a:avLst/>
+          </a:prstGeom>
+          <a:ln w="22225">
+            <a:solidFill>
+              <a:srgbClr val="D9D9D9"/>
+            </a:solidFill>
+          </a:ln>
+        </p:spPr>
+        <p:style>
+          <a:lnRef idx="1">
+            <a:schemeClr val="accent1"/>
+          </a:lnRef>
+          <a:fillRef idx="0">
+            <a:schemeClr val="accent1"/>
+          </a:fillRef>
+          <a:effectRef idx="0">
+            <a:schemeClr val="accent1"/>
+          </a:effectRef>
+          <a:fontRef idx="minor">
+            <a:schemeClr val="tx1"/>
+          </a:fontRef>
+        </p:style>
+      </p:cxnSp>
       <p:pic>
         <p:nvPicPr>
           <p:cNvPr id="5" name="Espaço Reservado para Conteúdo 4">
             <a:extLst>
               <a:ext uri="{FF2B5EF4-FFF2-40B4-BE49-F238E27FC236}">
-                <a16:creationId xmlns:a16="http://schemas.microsoft.com/office/drawing/2014/main" id="{BBF032E3-150C-4A98-9359-B7943D44138A}"/>
+                <a16:creationId xmlns:a16="http://schemas.microsoft.com/office/drawing/2014/main" id="{990359B0-7A1D-4652-A65A-38D5F42426B4}"/>
               </a:ext>
             </a:extLst>
           </p:cNvPr>
@@ -8576,8 +8711,8 @@
         </p:blipFill>
         <p:spPr>
           <a:xfrm>
-            <a:off x="1396797" y="1863801"/>
-            <a:ext cx="9398404" cy="4440746"/>
+            <a:off x="1746681" y="2509911"/>
+            <a:ext cx="8643539" cy="3997637"/>
           </a:xfrm>
           <a:prstGeom prst="rect">
             <a:avLst/>
@@ -8587,7 +8722,7 @@
     </p:spTree>
     <p:extLst>
       <p:ext uri="{BB962C8B-B14F-4D97-AF65-F5344CB8AC3E}">
-        <p14:creationId xmlns:p14="http://schemas.microsoft.com/office/powerpoint/2010/main" val="1386667687"/>
+        <p14:creationId xmlns:p14="http://schemas.microsoft.com/office/powerpoint/2010/main" val="3123189131"/>
       </p:ext>
     </p:extLst>
   </p:cSld>
@@ -8624,6 +8759,100 @@
       </p:grpSpPr>
       <p:sp>
         <p:nvSpPr>
+          <p:cNvPr id="10" name="Rectangle 9">
+            <a:extLst>
+              <a:ext uri="{FF2B5EF4-FFF2-40B4-BE49-F238E27FC236}">
+                <a16:creationId xmlns:a16="http://schemas.microsoft.com/office/drawing/2014/main" id="{823AC064-BC96-4F32-8AE1-B2FD38754823}"/>
+              </a:ext>
+              <a:ext uri="{C183D7F6-B498-43B3-948B-1728B52AA6E4}">
+                <adec:decorative xmlns:adec="http://schemas.microsoft.com/office/drawing/2017/decorative" val="1"/>
+              </a:ext>
+            </a:extLst>
+          </p:cNvPr>
+          <p:cNvSpPr>
+            <a:spLocks noGrp="1" noRot="1" noChangeAspect="1" noMove="1" noResize="1" noEditPoints="1" noAdjustHandles="1" noChangeArrowheads="1" noChangeShapeType="1" noTextEdit="1"/>
+          </p:cNvSpPr>
+          <p:nvPr>
+            <p:extLst>
+              <p:ext uri="{386F3935-93C4-4BCD-93E2-E3B085C9AB24}">
+                <p16:designElem xmlns:p16="http://schemas.microsoft.com/office/powerpoint/2015/main" val="1"/>
+              </p:ext>
+            </p:extLst>
+          </p:nvPr>
+        </p:nvSpPr>
+        <p:spPr bwMode="ltGray">
+          <a:xfrm>
+            <a:off x="378068" y="343486"/>
+            <a:ext cx="11438793" cy="1844256"/>
+          </a:xfrm>
+          <a:prstGeom prst="rect">
+            <a:avLst/>
+          </a:prstGeom>
+          <a:solidFill>
+            <a:srgbClr val="404040"/>
+          </a:solidFill>
+          <a:ln w="127000" cap="sq" cmpd="thinThick">
+            <a:solidFill>
+              <a:srgbClr val="404040"/>
+            </a:solidFill>
+          </a:ln>
+        </p:spPr>
+        <p:style>
+          <a:lnRef idx="2">
+            <a:schemeClr val="accent1">
+              <a:shade val="50000"/>
+            </a:schemeClr>
+          </a:lnRef>
+          <a:fillRef idx="1">
+            <a:schemeClr val="accent1"/>
+          </a:fillRef>
+          <a:effectRef idx="0">
+            <a:schemeClr val="accent1"/>
+          </a:effectRef>
+          <a:fontRef idx="minor">
+            <a:schemeClr val="lt1"/>
+          </a:fontRef>
+        </p:style>
+        <p:txBody>
+          <a:bodyPr rtlCol="0" anchor="ctr"/>
+          <a:lstStyle/>
+          <a:p>
+            <a:pPr marL="0" marR="0" lvl="0" indent="0" algn="ctr" defTabSz="914400" rtl="0" eaLnBrk="1" fontAlgn="auto" latinLnBrk="0" hangingPunct="1">
+              <a:lnSpc>
+                <a:spcPct val="100000"/>
+              </a:lnSpc>
+              <a:spcBef>
+                <a:spcPts val="0"/>
+              </a:spcBef>
+              <a:spcAft>
+                <a:spcPts val="0"/>
+              </a:spcAft>
+              <a:buClrTx/>
+              <a:buSzTx/>
+              <a:buFontTx/>
+              <a:buNone/>
+              <a:tabLst/>
+              <a:defRPr/>
+            </a:pPr>
+            <a:endParaRPr kumimoji="0" lang="en-US" sz="1800" b="0" i="0" u="none" strike="noStrike" kern="1200" cap="none" spc="0" normalizeH="0" baseline="0" noProof="0">
+              <a:ln>
+                <a:noFill/>
+              </a:ln>
+              <a:solidFill>
+                <a:prstClr val="white"/>
+              </a:solidFill>
+              <a:effectLst/>
+              <a:uLnTx/>
+              <a:uFillTx/>
+              <a:latin typeface="Calibri" panose="020F0502020204030204"/>
+              <a:ea typeface="+mn-ea"/>
+              <a:cs typeface="+mn-cs"/>
+            </a:endParaRPr>
+          </a:p>
+        </p:txBody>
+      </p:sp>
+      <p:sp>
+        <p:nvSpPr>
           <p:cNvPr id="2" name="Título 1">
             <a:extLst>
               <a:ext uri="{FF2B5EF4-FFF2-40B4-BE49-F238E27FC236}">
@@ -8640,8 +8869,8 @@
         </p:nvSpPr>
         <p:spPr>
           <a:xfrm>
-            <a:off x="838199" y="291090"/>
-            <a:ext cx="10515599" cy="932688"/>
+            <a:off x="526073" y="466578"/>
+            <a:ext cx="11139854" cy="930447"/>
           </a:xfrm>
         </p:spPr>
         <p:txBody>
@@ -8652,25 +8881,77 @@
           <a:p>
             <a:pPr algn="ctr"/>
             <a:r>
-              <a:rPr lang="en-US" sz="4800" kern="1200">
+              <a:rPr lang="en-US" sz="5400" kern="1200">
                 <a:solidFill>
-                  <a:schemeClr val="tx1"/>
+                  <a:srgbClr val="FFFFFF"/>
                 </a:solidFill>
                 <a:latin typeface="+mj-lt"/>
                 <a:ea typeface="+mj-ea"/>
                 <a:cs typeface="+mj-cs"/>
               </a:rPr>
-              <a:t>Projetos (CADI)</a:t>
-            </a:r>
-          </a:p>
-        </p:txBody>
-      </p:sp>
+              <a:t>Entrada em um Projeto(Aluno)</a:t>
+            </a:r>
+          </a:p>
+        </p:txBody>
+      </p:sp>
+      <p:cxnSp>
+        <p:nvCxnSpPr>
+          <p:cNvPr id="12" name="Straight Connector 11">
+            <a:extLst>
+              <a:ext uri="{FF2B5EF4-FFF2-40B4-BE49-F238E27FC236}">
+                <a16:creationId xmlns:a16="http://schemas.microsoft.com/office/drawing/2014/main" id="{7E7C77BC-7138-40B1-A15B-20F57A494629}"/>
+              </a:ext>
+              <a:ext uri="{C183D7F6-B498-43B3-948B-1728B52AA6E4}">
+                <adec:decorative xmlns:adec="http://schemas.microsoft.com/office/drawing/2017/decorative" val="1"/>
+              </a:ext>
+            </a:extLst>
+          </p:cNvPr>
+          <p:cNvCxnSpPr>
+            <a:cxnSpLocks noGrp="1" noRot="1" noChangeAspect="1" noMove="1" noResize="1" noEditPoints="1" noAdjustHandles="1" noChangeArrowheads="1" noChangeShapeType="1"/>
+          </p:cNvCxnSpPr>
+          <p:nvPr>
+            <p:extLst>
+              <p:ext uri="{386F3935-93C4-4BCD-93E2-E3B085C9AB24}">
+                <p16:designElem xmlns:p16="http://schemas.microsoft.com/office/powerpoint/2015/main" val="1"/>
+              </p:ext>
+            </p:extLst>
+          </p:nvPr>
+        </p:nvCxnSpPr>
+        <p:spPr>
+          <a:xfrm>
+            <a:off x="2209800" y="1448631"/>
+            <a:ext cx="7772400" cy="0"/>
+          </a:xfrm>
+          <a:prstGeom prst="line">
+            <a:avLst/>
+          </a:prstGeom>
+          <a:ln w="22225">
+            <a:solidFill>
+              <a:srgbClr val="D9D9D9"/>
+            </a:solidFill>
+          </a:ln>
+        </p:spPr>
+        <p:style>
+          <a:lnRef idx="1">
+            <a:schemeClr val="accent1"/>
+          </a:lnRef>
+          <a:fillRef idx="0">
+            <a:schemeClr val="accent1"/>
+          </a:fillRef>
+          <a:effectRef idx="0">
+            <a:schemeClr val="accent1"/>
+          </a:effectRef>
+          <a:fontRef idx="minor">
+            <a:schemeClr val="tx1"/>
+          </a:fontRef>
+        </p:style>
+      </p:cxnSp>
       <p:pic>
         <p:nvPicPr>
           <p:cNvPr id="5" name="Espaço Reservado para Conteúdo 4">
             <a:extLst>
               <a:ext uri="{FF2B5EF4-FFF2-40B4-BE49-F238E27FC236}">
-                <a16:creationId xmlns:a16="http://schemas.microsoft.com/office/drawing/2014/main" id="{990359B0-7A1D-4652-A65A-38D5F42426B4}"/>
+                <a16:creationId xmlns:a16="http://schemas.microsoft.com/office/drawing/2014/main" id="{D079FCBE-A64B-4B22-BB50-6728FC72EE14}"/>
               </a:ext>
             </a:extLst>
           </p:cNvPr>
@@ -8681,7 +8962,7 @@
             <p:ph idx="1"/>
           </p:nvPr>
         </p:nvPicPr>
-        <p:blipFill>
+        <p:blipFill rotWithShape="1">
           <a:blip r:embed="rId2">
             <a:extLst>
               <a:ext uri="{28A0092B-C50C-407E-A947-70E740481C1C}">
@@ -8689,14 +8970,13 @@
               </a:ext>
             </a:extLst>
           </a:blip>
-          <a:stretch>
-            <a:fillRect/>
-          </a:stretch>
+          <a:srcRect t="137" b="29258"/>
+          <a:stretch/>
         </p:blipFill>
         <p:spPr>
           <a:xfrm>
-            <a:off x="1295193" y="1863801"/>
-            <a:ext cx="9601612" cy="4440746"/>
+            <a:off x="320255" y="2509911"/>
+            <a:ext cx="11496391" cy="3997637"/>
           </a:xfrm>
           <a:prstGeom prst="rect">
             <a:avLst/>
@@ -8706,7 +8986,7 @@
     </p:spTree>
     <p:extLst>
       <p:ext uri="{BB962C8B-B14F-4D97-AF65-F5344CB8AC3E}">
-        <p14:creationId xmlns:p14="http://schemas.microsoft.com/office/powerpoint/2010/main" val="3123189131"/>
+        <p14:creationId xmlns:p14="http://schemas.microsoft.com/office/powerpoint/2010/main" val="2770506129"/>
       </p:ext>
     </p:extLst>
   </p:cSld>
@@ -8745,7 +9025,7 @@
       </p:grpSpPr>
       <p:sp>
         <p:nvSpPr>
-          <p:cNvPr id="17" name="Rectangle 16">
+          <p:cNvPr id="14" name="Rectangle 16">
             <a:extLst>
               <a:ext uri="{FF2B5EF4-FFF2-40B4-BE49-F238E27FC236}">
                 <a16:creationId xmlns:a16="http://schemas.microsoft.com/office/drawing/2014/main" id="{23207CC6-EAA1-4BFF-A48A-DECAD8972717}"/>
@@ -8810,7 +9090,7 @@
       </p:sp>
       <p:sp>
         <p:nvSpPr>
-          <p:cNvPr id="19" name="Freeform 3">
+          <p:cNvPr id="15" name="Freeform 3">
             <a:extLst>
               <a:ext uri="{FF2B5EF4-FFF2-40B4-BE49-F238E27FC236}">
                 <a16:creationId xmlns:a16="http://schemas.microsoft.com/office/drawing/2014/main" id="{B234A3DD-923D-4166-8B19-7DD589908C68}"/>
@@ -8952,7 +9232,7 @@
       </p:sp>
       <p:sp>
         <p:nvSpPr>
-          <p:cNvPr id="21" name="Freeform 16">
+          <p:cNvPr id="16" name="Freeform 16">
             <a:extLst>
               <a:ext uri="{FF2B5EF4-FFF2-40B4-BE49-F238E27FC236}">
                 <a16:creationId xmlns:a16="http://schemas.microsoft.com/office/drawing/2014/main" id="{F6ACA5AC-3C5D-4994-B40F-FC8349E4D6F4}"/>
@@ -9132,7 +9412,7 @@
             <a:pPr algn="l"/>
             <a:r>
               <a:rPr lang="pt-BR" sz="5400"/>
-              <a:t>Atividade de Requisitos</a:t>
+              <a:t>Requisitos Funcionais</a:t>
             </a:r>
           </a:p>
         </p:txBody>
@@ -9170,7 +9450,7 @@
     </p:spTree>
     <p:extLst>
       <p:ext uri="{BB962C8B-B14F-4D97-AF65-F5344CB8AC3E}">
-        <p14:creationId xmlns:p14="http://schemas.microsoft.com/office/powerpoint/2010/main" val="532590300"/>
+        <p14:creationId xmlns:p14="http://schemas.microsoft.com/office/powerpoint/2010/main" val="1982178953"/>
       </p:ext>
     </p:extLst>
   </p:cSld>
@@ -9207,10 +9487,104 @@
       </p:grpSpPr>
       <p:sp>
         <p:nvSpPr>
+          <p:cNvPr id="14" name="Rectangle 13">
+            <a:extLst>
+              <a:ext uri="{FF2B5EF4-FFF2-40B4-BE49-F238E27FC236}">
+                <a16:creationId xmlns:a16="http://schemas.microsoft.com/office/drawing/2014/main" id="{823AC064-BC96-4F32-8AE1-B2FD38754823}"/>
+              </a:ext>
+              <a:ext uri="{C183D7F6-B498-43B3-948B-1728B52AA6E4}">
+                <adec:decorative xmlns:adec="http://schemas.microsoft.com/office/drawing/2017/decorative" val="1"/>
+              </a:ext>
+            </a:extLst>
+          </p:cNvPr>
+          <p:cNvSpPr>
+            <a:spLocks noGrp="1" noRot="1" noChangeAspect="1" noMove="1" noResize="1" noEditPoints="1" noAdjustHandles="1" noChangeArrowheads="1" noChangeShapeType="1" noTextEdit="1"/>
+          </p:cNvSpPr>
+          <p:nvPr>
+            <p:extLst>
+              <p:ext uri="{386F3935-93C4-4BCD-93E2-E3B085C9AB24}">
+                <p16:designElem xmlns:p16="http://schemas.microsoft.com/office/powerpoint/2015/main" val="1"/>
+              </p:ext>
+            </p:extLst>
+          </p:nvPr>
+        </p:nvSpPr>
+        <p:spPr bwMode="ltGray">
+          <a:xfrm>
+            <a:off x="378068" y="343486"/>
+            <a:ext cx="11438793" cy="1844256"/>
+          </a:xfrm>
+          <a:prstGeom prst="rect">
+            <a:avLst/>
+          </a:prstGeom>
+          <a:solidFill>
+            <a:srgbClr val="404040"/>
+          </a:solidFill>
+          <a:ln w="127000" cap="sq" cmpd="thinThick">
+            <a:solidFill>
+              <a:srgbClr val="404040"/>
+            </a:solidFill>
+          </a:ln>
+        </p:spPr>
+        <p:style>
+          <a:lnRef idx="2">
+            <a:schemeClr val="accent1">
+              <a:shade val="50000"/>
+            </a:schemeClr>
+          </a:lnRef>
+          <a:fillRef idx="1">
+            <a:schemeClr val="accent1"/>
+          </a:fillRef>
+          <a:effectRef idx="0">
+            <a:schemeClr val="accent1"/>
+          </a:effectRef>
+          <a:fontRef idx="minor">
+            <a:schemeClr val="lt1"/>
+          </a:fontRef>
+        </p:style>
+        <p:txBody>
+          <a:bodyPr rtlCol="0" anchor="ctr"/>
+          <a:lstStyle/>
+          <a:p>
+            <a:pPr marL="0" marR="0" lvl="0" indent="0" algn="ctr" defTabSz="914400" rtl="0" eaLnBrk="1" fontAlgn="auto" latinLnBrk="0" hangingPunct="1">
+              <a:lnSpc>
+                <a:spcPct val="100000"/>
+              </a:lnSpc>
+              <a:spcBef>
+                <a:spcPts val="0"/>
+              </a:spcBef>
+              <a:spcAft>
+                <a:spcPts val="0"/>
+              </a:spcAft>
+              <a:buClrTx/>
+              <a:buSzTx/>
+              <a:buFontTx/>
+              <a:buNone/>
+              <a:tabLst/>
+              <a:defRPr/>
+            </a:pPr>
+            <a:endParaRPr kumimoji="0" lang="en-US" sz="1800" b="0" i="0" u="none" strike="noStrike" kern="1200" cap="none" spc="0" normalizeH="0" baseline="0" noProof="0">
+              <a:ln>
+                <a:noFill/>
+              </a:ln>
+              <a:solidFill>
+                <a:prstClr val="white"/>
+              </a:solidFill>
+              <a:effectLst/>
+              <a:uLnTx/>
+              <a:uFillTx/>
+              <a:latin typeface="Calibri" panose="020F0502020204030204"/>
+              <a:ea typeface="+mn-ea"/>
+              <a:cs typeface="+mn-cs"/>
+            </a:endParaRPr>
+          </a:p>
+        </p:txBody>
+      </p:sp>
+      <p:sp>
+        <p:nvSpPr>
           <p:cNvPr id="2" name="Título 1">
             <a:extLst>
               <a:ext uri="{FF2B5EF4-FFF2-40B4-BE49-F238E27FC236}">
-                <a16:creationId xmlns:a16="http://schemas.microsoft.com/office/drawing/2014/main" id="{E9C04B00-6CB1-411A-B84B-E02B3BF7C729}"/>
+                <a16:creationId xmlns:a16="http://schemas.microsoft.com/office/drawing/2014/main" id="{0EAE05BF-177B-456B-8830-45B68A02826A}"/>
               </a:ext>
             </a:extLst>
           </p:cNvPr>
@@ -9223,31 +9597,89 @@
         </p:nvSpPr>
         <p:spPr>
           <a:xfrm>
-            <a:off x="838200" y="4559523"/>
-            <a:ext cx="10515600" cy="1236440"/>
-          </a:xfrm>
-          <a:noFill/>
-        </p:spPr>
-        <p:txBody>
-          <a:bodyPr vert="horz" lIns="91440" tIns="45720" rIns="91440" bIns="45720" rtlCol="0" anchor="ctr">
+            <a:off x="526073" y="466578"/>
+            <a:ext cx="11139854" cy="930447"/>
+          </a:xfrm>
+        </p:spPr>
+        <p:txBody>
+          <a:bodyPr vert="horz" lIns="91440" tIns="45720" rIns="91440" bIns="45720" rtlCol="0" anchor="b">
             <a:normAutofit/>
           </a:bodyPr>
           <a:lstStyle/>
           <a:p>
             <a:pPr algn="ctr"/>
             <a:r>
-              <a:rPr lang="en-US" sz="3200"/>
-              <a:t>Entrada em um Projeto(Aluno)</a:t>
-            </a:r>
-          </a:p>
-        </p:txBody>
-      </p:sp>
+              <a:rPr lang="en-US" sz="5400" kern="1200">
+                <a:solidFill>
+                  <a:srgbClr val="FFFFFF"/>
+                </a:solidFill>
+                <a:latin typeface="+mj-lt"/>
+                <a:ea typeface="+mj-ea"/>
+                <a:cs typeface="+mj-cs"/>
+              </a:rPr>
+              <a:t>Projetos (Professor)</a:t>
+            </a:r>
+          </a:p>
+        </p:txBody>
+      </p:sp>
+      <p:cxnSp>
+        <p:nvCxnSpPr>
+          <p:cNvPr id="16" name="Straight Connector 15">
+            <a:extLst>
+              <a:ext uri="{FF2B5EF4-FFF2-40B4-BE49-F238E27FC236}">
+                <a16:creationId xmlns:a16="http://schemas.microsoft.com/office/drawing/2014/main" id="{7E7C77BC-7138-40B1-A15B-20F57A494629}"/>
+              </a:ext>
+              <a:ext uri="{C183D7F6-B498-43B3-948B-1728B52AA6E4}">
+                <adec:decorative xmlns:adec="http://schemas.microsoft.com/office/drawing/2017/decorative" val="1"/>
+              </a:ext>
+            </a:extLst>
+          </p:cNvPr>
+          <p:cNvCxnSpPr>
+            <a:cxnSpLocks noGrp="1" noRot="1" noChangeAspect="1" noMove="1" noResize="1" noEditPoints="1" noAdjustHandles="1" noChangeArrowheads="1" noChangeShapeType="1"/>
+          </p:cNvCxnSpPr>
+          <p:nvPr>
+            <p:extLst>
+              <p:ext uri="{386F3935-93C4-4BCD-93E2-E3B085C9AB24}">
+                <p16:designElem xmlns:p16="http://schemas.microsoft.com/office/powerpoint/2015/main" val="1"/>
+              </p:ext>
+            </p:extLst>
+          </p:nvPr>
+        </p:nvCxnSpPr>
+        <p:spPr>
+          <a:xfrm>
+            <a:off x="2209800" y="1448631"/>
+            <a:ext cx="7772400" cy="0"/>
+          </a:xfrm>
+          <a:prstGeom prst="line">
+            <a:avLst/>
+          </a:prstGeom>
+          <a:ln w="22225">
+            <a:solidFill>
+              <a:srgbClr val="D9D9D9"/>
+            </a:solidFill>
+          </a:ln>
+        </p:spPr>
+        <p:style>
+          <a:lnRef idx="1">
+            <a:schemeClr val="accent1"/>
+          </a:lnRef>
+          <a:fillRef idx="0">
+            <a:schemeClr val="accent1"/>
+          </a:fillRef>
+          <a:effectRef idx="0">
+            <a:schemeClr val="accent1"/>
+          </a:effectRef>
+          <a:fontRef idx="minor">
+            <a:schemeClr val="tx1"/>
+          </a:fontRef>
+        </p:style>
+      </p:cxnSp>
       <p:pic>
         <p:nvPicPr>
-          <p:cNvPr id="5" name="Espaço Reservado para Conteúdo 4">
+          <p:cNvPr id="9" name="Espaço Reservado para Conteúdo 8">
             <a:extLst>
               <a:ext uri="{FF2B5EF4-FFF2-40B4-BE49-F238E27FC236}">
-                <a16:creationId xmlns:a16="http://schemas.microsoft.com/office/drawing/2014/main" id="{D079FCBE-A64B-4B22-BB50-6728FC72EE14}"/>
+                <a16:creationId xmlns:a16="http://schemas.microsoft.com/office/drawing/2014/main" id="{26D680FE-4448-4DC5-BB45-A068961CA652}"/>
               </a:ext>
             </a:extLst>
           </p:cNvPr>
@@ -9258,7 +9690,7 @@
             <p:ph idx="1"/>
           </p:nvPr>
         </p:nvPicPr>
-        <p:blipFill rotWithShape="1">
+        <p:blipFill>
           <a:blip r:embed="rId2">
             <a:extLst>
               <a:ext uri="{28A0092B-C50C-407E-A947-70E740481C1C}">
@@ -9266,13 +9698,14 @@
               </a:ext>
             </a:extLst>
           </a:blip>
-          <a:srcRect t="137" b="29258"/>
-          <a:stretch/>
+          <a:stretch>
+            <a:fillRect/>
+          </a:stretch>
         </p:blipFill>
         <p:spPr>
           <a:xfrm>
-            <a:off x="20" y="1"/>
-            <a:ext cx="12191979" cy="4239482"/>
+            <a:off x="1968311" y="2509911"/>
+            <a:ext cx="8200279" cy="3997637"/>
           </a:xfrm>
           <a:prstGeom prst="rect">
             <a:avLst/>
@@ -9282,7 +9715,7 @@
     </p:spTree>
     <p:extLst>
       <p:ext uri="{BB962C8B-B14F-4D97-AF65-F5344CB8AC3E}">
-        <p14:creationId xmlns:p14="http://schemas.microsoft.com/office/powerpoint/2010/main" val="2770506129"/>
+        <p14:creationId xmlns:p14="http://schemas.microsoft.com/office/powerpoint/2010/main" val="2799222716"/>
       </p:ext>
     </p:extLst>
   </p:cSld>
@@ -9319,10 +9752,104 @@
       </p:grpSpPr>
       <p:sp>
         <p:nvSpPr>
+          <p:cNvPr id="12" name="Rectangle 11">
+            <a:extLst>
+              <a:ext uri="{FF2B5EF4-FFF2-40B4-BE49-F238E27FC236}">
+                <a16:creationId xmlns:a16="http://schemas.microsoft.com/office/drawing/2014/main" id="{823AC064-BC96-4F32-8AE1-B2FD38754823}"/>
+              </a:ext>
+              <a:ext uri="{C183D7F6-B498-43B3-948B-1728B52AA6E4}">
+                <adec:decorative xmlns:adec="http://schemas.microsoft.com/office/drawing/2017/decorative" val="1"/>
+              </a:ext>
+            </a:extLst>
+          </p:cNvPr>
+          <p:cNvSpPr>
+            <a:spLocks noGrp="1" noRot="1" noChangeAspect="1" noMove="1" noResize="1" noEditPoints="1" noAdjustHandles="1" noChangeArrowheads="1" noChangeShapeType="1" noTextEdit="1"/>
+          </p:cNvSpPr>
+          <p:nvPr>
+            <p:extLst>
+              <p:ext uri="{386F3935-93C4-4BCD-93E2-E3B085C9AB24}">
+                <p16:designElem xmlns:p16="http://schemas.microsoft.com/office/powerpoint/2015/main" val="1"/>
+              </p:ext>
+            </p:extLst>
+          </p:nvPr>
+        </p:nvSpPr>
+        <p:spPr bwMode="ltGray">
+          <a:xfrm>
+            <a:off x="378068" y="343486"/>
+            <a:ext cx="11438793" cy="1844256"/>
+          </a:xfrm>
+          <a:prstGeom prst="rect">
+            <a:avLst/>
+          </a:prstGeom>
+          <a:solidFill>
+            <a:srgbClr val="404040"/>
+          </a:solidFill>
+          <a:ln w="127000" cap="sq" cmpd="thinThick">
+            <a:solidFill>
+              <a:srgbClr val="404040"/>
+            </a:solidFill>
+          </a:ln>
+        </p:spPr>
+        <p:style>
+          <a:lnRef idx="2">
+            <a:schemeClr val="accent1">
+              <a:shade val="50000"/>
+            </a:schemeClr>
+          </a:lnRef>
+          <a:fillRef idx="1">
+            <a:schemeClr val="accent1"/>
+          </a:fillRef>
+          <a:effectRef idx="0">
+            <a:schemeClr val="accent1"/>
+          </a:effectRef>
+          <a:fontRef idx="minor">
+            <a:schemeClr val="lt1"/>
+          </a:fontRef>
+        </p:style>
+        <p:txBody>
+          <a:bodyPr rtlCol="0" anchor="ctr"/>
+          <a:lstStyle/>
+          <a:p>
+            <a:pPr marL="0" marR="0" lvl="0" indent="0" algn="ctr" defTabSz="914400" rtl="0" eaLnBrk="1" fontAlgn="auto" latinLnBrk="0" hangingPunct="1">
+              <a:lnSpc>
+                <a:spcPct val="100000"/>
+              </a:lnSpc>
+              <a:spcBef>
+                <a:spcPts val="0"/>
+              </a:spcBef>
+              <a:spcAft>
+                <a:spcPts val="0"/>
+              </a:spcAft>
+              <a:buClrTx/>
+              <a:buSzTx/>
+              <a:buFontTx/>
+              <a:buNone/>
+              <a:tabLst/>
+              <a:defRPr/>
+            </a:pPr>
+            <a:endParaRPr kumimoji="0" lang="en-US" sz="1800" b="0" i="0" u="none" strike="noStrike" kern="1200" cap="none" spc="0" normalizeH="0" baseline="0" noProof="0">
+              <a:ln>
+                <a:noFill/>
+              </a:ln>
+              <a:solidFill>
+                <a:prstClr val="white"/>
+              </a:solidFill>
+              <a:effectLst/>
+              <a:uLnTx/>
+              <a:uFillTx/>
+              <a:latin typeface="Calibri" panose="020F0502020204030204"/>
+              <a:ea typeface="+mn-ea"/>
+              <a:cs typeface="+mn-cs"/>
+            </a:endParaRPr>
+          </a:p>
+        </p:txBody>
+      </p:sp>
+      <p:sp>
+        <p:nvSpPr>
           <p:cNvPr id="2" name="Título 1">
             <a:extLst>
               <a:ext uri="{FF2B5EF4-FFF2-40B4-BE49-F238E27FC236}">
-                <a16:creationId xmlns:a16="http://schemas.microsoft.com/office/drawing/2014/main" id="{0EAE05BF-177B-456B-8830-45B68A02826A}"/>
+                <a16:creationId xmlns:a16="http://schemas.microsoft.com/office/drawing/2014/main" id="{E9C04B00-6CB1-411A-B84B-E02B3BF7C729}"/>
               </a:ext>
             </a:extLst>
           </p:cNvPr>
@@ -9335,8 +9862,8 @@
         </p:nvSpPr>
         <p:spPr>
           <a:xfrm>
-            <a:off x="838199" y="291090"/>
-            <a:ext cx="10515599" cy="932688"/>
+            <a:off x="526073" y="466578"/>
+            <a:ext cx="11139854" cy="930447"/>
           </a:xfrm>
         </p:spPr>
         <p:txBody>
@@ -9347,25 +9874,77 @@
           <a:p>
             <a:pPr algn="ctr"/>
             <a:r>
-              <a:rPr lang="en-US" sz="4800" kern="1200">
+              <a:rPr lang="en-US" sz="5400" kern="1200">
                 <a:solidFill>
-                  <a:schemeClr val="tx1"/>
+                  <a:srgbClr val="FFFFFF"/>
                 </a:solidFill>
                 <a:latin typeface="+mj-lt"/>
                 <a:ea typeface="+mj-ea"/>
                 <a:cs typeface="+mj-cs"/>
               </a:rPr>
-              <a:t>Projetos (Professor)</a:t>
-            </a:r>
-          </a:p>
-        </p:txBody>
-      </p:sp>
+              <a:t>Projetos(Aluno)</a:t>
+            </a:r>
+          </a:p>
+        </p:txBody>
+      </p:sp>
+      <p:cxnSp>
+        <p:nvCxnSpPr>
+          <p:cNvPr id="14" name="Straight Connector 13">
+            <a:extLst>
+              <a:ext uri="{FF2B5EF4-FFF2-40B4-BE49-F238E27FC236}">
+                <a16:creationId xmlns:a16="http://schemas.microsoft.com/office/drawing/2014/main" id="{7E7C77BC-7138-40B1-A15B-20F57A494629}"/>
+              </a:ext>
+              <a:ext uri="{C183D7F6-B498-43B3-948B-1728B52AA6E4}">
+                <adec:decorative xmlns:adec="http://schemas.microsoft.com/office/drawing/2017/decorative" val="1"/>
+              </a:ext>
+            </a:extLst>
+          </p:cNvPr>
+          <p:cNvCxnSpPr>
+            <a:cxnSpLocks noGrp="1" noRot="1" noChangeAspect="1" noMove="1" noResize="1" noEditPoints="1" noAdjustHandles="1" noChangeArrowheads="1" noChangeShapeType="1"/>
+          </p:cNvCxnSpPr>
+          <p:nvPr>
+            <p:extLst>
+              <p:ext uri="{386F3935-93C4-4BCD-93E2-E3B085C9AB24}">
+                <p16:designElem xmlns:p16="http://schemas.microsoft.com/office/powerpoint/2015/main" val="1"/>
+              </p:ext>
+            </p:extLst>
+          </p:nvPr>
+        </p:nvCxnSpPr>
+        <p:spPr>
+          <a:xfrm>
+            <a:off x="2209800" y="1448631"/>
+            <a:ext cx="7772400" cy="0"/>
+          </a:xfrm>
+          <a:prstGeom prst="line">
+            <a:avLst/>
+          </a:prstGeom>
+          <a:ln w="22225">
+            <a:solidFill>
+              <a:srgbClr val="D9D9D9"/>
+            </a:solidFill>
+          </a:ln>
+        </p:spPr>
+        <p:style>
+          <a:lnRef idx="1">
+            <a:schemeClr val="accent1"/>
+          </a:lnRef>
+          <a:fillRef idx="0">
+            <a:schemeClr val="accent1"/>
+          </a:fillRef>
+          <a:effectRef idx="0">
+            <a:schemeClr val="accent1"/>
+          </a:effectRef>
+          <a:fontRef idx="minor">
+            <a:schemeClr val="tx1"/>
+          </a:fontRef>
+        </p:style>
+      </p:cxnSp>
       <p:pic>
         <p:nvPicPr>
-          <p:cNvPr id="9" name="Espaço Reservado para Conteúdo 8">
+          <p:cNvPr id="7" name="Espaço Reservado para Conteúdo 6">
             <a:extLst>
               <a:ext uri="{FF2B5EF4-FFF2-40B4-BE49-F238E27FC236}">
-                <a16:creationId xmlns:a16="http://schemas.microsoft.com/office/drawing/2014/main" id="{26D680FE-4448-4DC5-BB45-A068961CA652}"/>
+                <a16:creationId xmlns:a16="http://schemas.microsoft.com/office/drawing/2014/main" id="{22266D6C-DAB4-45B3-A2AD-1EB75B497EAD}"/>
               </a:ext>
             </a:extLst>
           </p:cNvPr>
@@ -9390,8 +9969,8 @@
         </p:blipFill>
         <p:spPr>
           <a:xfrm>
-            <a:off x="1541389" y="1863801"/>
-            <a:ext cx="9109220" cy="4440746"/>
+            <a:off x="2030434" y="2509911"/>
+            <a:ext cx="8076032" cy="3997637"/>
           </a:xfrm>
           <a:prstGeom prst="rect">
             <a:avLst/>
@@ -9401,7 +9980,7 @@
     </p:spTree>
     <p:extLst>
       <p:ext uri="{BB962C8B-B14F-4D97-AF65-F5344CB8AC3E}">
-        <p14:creationId xmlns:p14="http://schemas.microsoft.com/office/powerpoint/2010/main" val="2799222716"/>
+        <p14:creationId xmlns:p14="http://schemas.microsoft.com/office/powerpoint/2010/main" val="1153675042"/>
       </p:ext>
     </p:extLst>
   </p:cSld>
@@ -9438,6 +10017,100 @@
       </p:grpSpPr>
       <p:sp>
         <p:nvSpPr>
+          <p:cNvPr id="11" name="Rectangle 10">
+            <a:extLst>
+              <a:ext uri="{FF2B5EF4-FFF2-40B4-BE49-F238E27FC236}">
+                <a16:creationId xmlns:a16="http://schemas.microsoft.com/office/drawing/2014/main" id="{823AC064-BC96-4F32-8AE1-B2FD38754823}"/>
+              </a:ext>
+              <a:ext uri="{C183D7F6-B498-43B3-948B-1728B52AA6E4}">
+                <adec:decorative xmlns:adec="http://schemas.microsoft.com/office/drawing/2017/decorative" val="1"/>
+              </a:ext>
+            </a:extLst>
+          </p:cNvPr>
+          <p:cNvSpPr>
+            <a:spLocks noGrp="1" noRot="1" noChangeAspect="1" noMove="1" noResize="1" noEditPoints="1" noAdjustHandles="1" noChangeArrowheads="1" noChangeShapeType="1" noTextEdit="1"/>
+          </p:cNvSpPr>
+          <p:nvPr>
+            <p:extLst>
+              <p:ext uri="{386F3935-93C4-4BCD-93E2-E3B085C9AB24}">
+                <p16:designElem xmlns:p16="http://schemas.microsoft.com/office/powerpoint/2015/main" val="1"/>
+              </p:ext>
+            </p:extLst>
+          </p:nvPr>
+        </p:nvSpPr>
+        <p:spPr bwMode="ltGray">
+          <a:xfrm>
+            <a:off x="378068" y="343486"/>
+            <a:ext cx="11438793" cy="1844256"/>
+          </a:xfrm>
+          <a:prstGeom prst="rect">
+            <a:avLst/>
+          </a:prstGeom>
+          <a:solidFill>
+            <a:srgbClr val="404040"/>
+          </a:solidFill>
+          <a:ln w="127000" cap="sq" cmpd="thinThick">
+            <a:solidFill>
+              <a:srgbClr val="404040"/>
+            </a:solidFill>
+          </a:ln>
+        </p:spPr>
+        <p:style>
+          <a:lnRef idx="2">
+            <a:schemeClr val="accent1">
+              <a:shade val="50000"/>
+            </a:schemeClr>
+          </a:lnRef>
+          <a:fillRef idx="1">
+            <a:schemeClr val="accent1"/>
+          </a:fillRef>
+          <a:effectRef idx="0">
+            <a:schemeClr val="accent1"/>
+          </a:effectRef>
+          <a:fontRef idx="minor">
+            <a:schemeClr val="lt1"/>
+          </a:fontRef>
+        </p:style>
+        <p:txBody>
+          <a:bodyPr rtlCol="0" anchor="ctr"/>
+          <a:lstStyle/>
+          <a:p>
+            <a:pPr marL="0" marR="0" lvl="0" indent="0" algn="ctr" defTabSz="914400" rtl="0" eaLnBrk="1" fontAlgn="auto" latinLnBrk="0" hangingPunct="1">
+              <a:lnSpc>
+                <a:spcPct val="100000"/>
+              </a:lnSpc>
+              <a:spcBef>
+                <a:spcPts val="0"/>
+              </a:spcBef>
+              <a:spcAft>
+                <a:spcPts val="0"/>
+              </a:spcAft>
+              <a:buClrTx/>
+              <a:buSzTx/>
+              <a:buFontTx/>
+              <a:buNone/>
+              <a:tabLst/>
+              <a:defRPr/>
+            </a:pPr>
+            <a:endParaRPr kumimoji="0" lang="en-US" sz="1800" b="0" i="0" u="none" strike="noStrike" kern="1200" cap="none" spc="0" normalizeH="0" baseline="0" noProof="0">
+              <a:ln>
+                <a:noFill/>
+              </a:ln>
+              <a:solidFill>
+                <a:prstClr val="white"/>
+              </a:solidFill>
+              <a:effectLst/>
+              <a:uLnTx/>
+              <a:uFillTx/>
+              <a:latin typeface="Calibri" panose="020F0502020204030204"/>
+              <a:ea typeface="+mn-ea"/>
+              <a:cs typeface="+mn-cs"/>
+            </a:endParaRPr>
+          </a:p>
+        </p:txBody>
+      </p:sp>
+      <p:sp>
+        <p:nvSpPr>
           <p:cNvPr id="2" name="Título 1">
             <a:extLst>
               <a:ext uri="{FF2B5EF4-FFF2-40B4-BE49-F238E27FC236}">
@@ -9454,8 +10127,8 @@
         </p:nvSpPr>
         <p:spPr>
           <a:xfrm>
-            <a:off x="838199" y="291090"/>
-            <a:ext cx="10515599" cy="932688"/>
+            <a:off x="526073" y="466578"/>
+            <a:ext cx="11139854" cy="930447"/>
           </a:xfrm>
         </p:spPr>
         <p:txBody>
@@ -9466,25 +10139,77 @@
           <a:p>
             <a:pPr algn="ctr"/>
             <a:r>
-              <a:rPr lang="en-US" sz="4800" kern="1200">
+              <a:rPr lang="en-US" sz="5400" kern="1200">
                 <a:solidFill>
-                  <a:schemeClr val="tx1"/>
+                  <a:srgbClr val="FFFFFF"/>
                 </a:solidFill>
                 <a:latin typeface="+mj-lt"/>
                 <a:ea typeface="+mj-ea"/>
                 <a:cs typeface="+mj-cs"/>
               </a:rPr>
-              <a:t>Projetos(Aluno)</a:t>
-            </a:r>
-          </a:p>
-        </p:txBody>
-      </p:sp>
+              <a:t>Entrega(Aluno)</a:t>
+            </a:r>
+          </a:p>
+        </p:txBody>
+      </p:sp>
+      <p:cxnSp>
+        <p:nvCxnSpPr>
+          <p:cNvPr id="13" name="Straight Connector 12">
+            <a:extLst>
+              <a:ext uri="{FF2B5EF4-FFF2-40B4-BE49-F238E27FC236}">
+                <a16:creationId xmlns:a16="http://schemas.microsoft.com/office/drawing/2014/main" id="{7E7C77BC-7138-40B1-A15B-20F57A494629}"/>
+              </a:ext>
+              <a:ext uri="{C183D7F6-B498-43B3-948B-1728B52AA6E4}">
+                <adec:decorative xmlns:adec="http://schemas.microsoft.com/office/drawing/2017/decorative" val="1"/>
+              </a:ext>
+            </a:extLst>
+          </p:cNvPr>
+          <p:cNvCxnSpPr>
+            <a:cxnSpLocks noGrp="1" noRot="1" noChangeAspect="1" noMove="1" noResize="1" noEditPoints="1" noAdjustHandles="1" noChangeArrowheads="1" noChangeShapeType="1"/>
+          </p:cNvCxnSpPr>
+          <p:nvPr>
+            <p:extLst>
+              <p:ext uri="{386F3935-93C4-4BCD-93E2-E3B085C9AB24}">
+                <p16:designElem xmlns:p16="http://schemas.microsoft.com/office/powerpoint/2015/main" val="1"/>
+              </p:ext>
+            </p:extLst>
+          </p:nvPr>
+        </p:nvCxnSpPr>
+        <p:spPr>
+          <a:xfrm>
+            <a:off x="2209800" y="1448631"/>
+            <a:ext cx="7772400" cy="0"/>
+          </a:xfrm>
+          <a:prstGeom prst="line">
+            <a:avLst/>
+          </a:prstGeom>
+          <a:ln w="22225">
+            <a:solidFill>
+              <a:srgbClr val="D9D9D9"/>
+            </a:solidFill>
+          </a:ln>
+        </p:spPr>
+        <p:style>
+          <a:lnRef idx="1">
+            <a:schemeClr val="accent1"/>
+          </a:lnRef>
+          <a:fillRef idx="0">
+            <a:schemeClr val="accent1"/>
+          </a:fillRef>
+          <a:effectRef idx="0">
+            <a:schemeClr val="accent1"/>
+          </a:effectRef>
+          <a:fontRef idx="minor">
+            <a:schemeClr val="tx1"/>
+          </a:fontRef>
+        </p:style>
+      </p:cxnSp>
       <p:pic>
         <p:nvPicPr>
-          <p:cNvPr id="7" name="Espaço Reservado para Conteúdo 6">
+          <p:cNvPr id="6" name="Espaço Reservado para Conteúdo 5">
             <a:extLst>
               <a:ext uri="{FF2B5EF4-FFF2-40B4-BE49-F238E27FC236}">
-                <a16:creationId xmlns:a16="http://schemas.microsoft.com/office/drawing/2014/main" id="{22266D6C-DAB4-45B3-A2AD-1EB75B497EAD}"/>
+                <a16:creationId xmlns:a16="http://schemas.microsoft.com/office/drawing/2014/main" id="{65554438-66FC-424D-9B9B-9B01CB620F15}"/>
               </a:ext>
             </a:extLst>
           </p:cNvPr>
@@ -9509,8 +10234,8 @@
         </p:blipFill>
         <p:spPr>
           <a:xfrm>
-            <a:off x="1610398" y="1863801"/>
-            <a:ext cx="8971202" cy="4440746"/>
+            <a:off x="1989228" y="2509911"/>
+            <a:ext cx="8158444" cy="3997637"/>
           </a:xfrm>
           <a:prstGeom prst="rect">
             <a:avLst/>
@@ -9520,7 +10245,7 @@
     </p:spTree>
     <p:extLst>
       <p:ext uri="{BB962C8B-B14F-4D97-AF65-F5344CB8AC3E}">
-        <p14:creationId xmlns:p14="http://schemas.microsoft.com/office/powerpoint/2010/main" val="1153675042"/>
+        <p14:creationId xmlns:p14="http://schemas.microsoft.com/office/powerpoint/2010/main" val="2293987839"/>
       </p:ext>
     </p:extLst>
   </p:cSld>
@@ -9557,10 +10282,104 @@
       </p:grpSpPr>
       <p:sp>
         <p:nvSpPr>
+          <p:cNvPr id="16" name="Rectangle 15">
+            <a:extLst>
+              <a:ext uri="{FF2B5EF4-FFF2-40B4-BE49-F238E27FC236}">
+                <a16:creationId xmlns:a16="http://schemas.microsoft.com/office/drawing/2014/main" id="{823AC064-BC96-4F32-8AE1-B2FD38754823}"/>
+              </a:ext>
+              <a:ext uri="{C183D7F6-B498-43B3-948B-1728B52AA6E4}">
+                <adec:decorative xmlns:adec="http://schemas.microsoft.com/office/drawing/2017/decorative" val="1"/>
+              </a:ext>
+            </a:extLst>
+          </p:cNvPr>
+          <p:cNvSpPr>
+            <a:spLocks noGrp="1" noRot="1" noChangeAspect="1" noMove="1" noResize="1" noEditPoints="1" noAdjustHandles="1" noChangeArrowheads="1" noChangeShapeType="1" noTextEdit="1"/>
+          </p:cNvSpPr>
+          <p:nvPr>
+            <p:extLst>
+              <p:ext uri="{386F3935-93C4-4BCD-93E2-E3B085C9AB24}">
+                <p16:designElem xmlns:p16="http://schemas.microsoft.com/office/powerpoint/2015/main" val="1"/>
+              </p:ext>
+            </p:extLst>
+          </p:nvPr>
+        </p:nvSpPr>
+        <p:spPr bwMode="ltGray">
+          <a:xfrm>
+            <a:off x="378068" y="343486"/>
+            <a:ext cx="11438793" cy="1844256"/>
+          </a:xfrm>
+          <a:prstGeom prst="rect">
+            <a:avLst/>
+          </a:prstGeom>
+          <a:solidFill>
+            <a:srgbClr val="404040"/>
+          </a:solidFill>
+          <a:ln w="127000" cap="sq" cmpd="thinThick">
+            <a:solidFill>
+              <a:srgbClr val="404040"/>
+            </a:solidFill>
+          </a:ln>
+        </p:spPr>
+        <p:style>
+          <a:lnRef idx="2">
+            <a:schemeClr val="accent1">
+              <a:shade val="50000"/>
+            </a:schemeClr>
+          </a:lnRef>
+          <a:fillRef idx="1">
+            <a:schemeClr val="accent1"/>
+          </a:fillRef>
+          <a:effectRef idx="0">
+            <a:schemeClr val="accent1"/>
+          </a:effectRef>
+          <a:fontRef idx="minor">
+            <a:schemeClr val="lt1"/>
+          </a:fontRef>
+        </p:style>
+        <p:txBody>
+          <a:bodyPr rtlCol="0" anchor="ctr"/>
+          <a:lstStyle/>
+          <a:p>
+            <a:pPr marL="0" marR="0" lvl="0" indent="0" algn="ctr" defTabSz="914400" rtl="0" eaLnBrk="1" fontAlgn="auto" latinLnBrk="0" hangingPunct="1">
+              <a:lnSpc>
+                <a:spcPct val="100000"/>
+              </a:lnSpc>
+              <a:spcBef>
+                <a:spcPts val="0"/>
+              </a:spcBef>
+              <a:spcAft>
+                <a:spcPts val="0"/>
+              </a:spcAft>
+              <a:buClrTx/>
+              <a:buSzTx/>
+              <a:buFontTx/>
+              <a:buNone/>
+              <a:tabLst/>
+              <a:defRPr/>
+            </a:pPr>
+            <a:endParaRPr kumimoji="0" lang="en-US" sz="1800" b="0" i="0" u="none" strike="noStrike" kern="1200" cap="none" spc="0" normalizeH="0" baseline="0" noProof="0">
+              <a:ln>
+                <a:noFill/>
+              </a:ln>
+              <a:solidFill>
+                <a:prstClr val="white"/>
+              </a:solidFill>
+              <a:effectLst/>
+              <a:uLnTx/>
+              <a:uFillTx/>
+              <a:latin typeface="Calibri" panose="020F0502020204030204"/>
+              <a:ea typeface="+mn-ea"/>
+              <a:cs typeface="+mn-cs"/>
+            </a:endParaRPr>
+          </a:p>
+        </p:txBody>
+      </p:sp>
+      <p:sp>
+        <p:nvSpPr>
           <p:cNvPr id="2" name="Título 1">
             <a:extLst>
               <a:ext uri="{FF2B5EF4-FFF2-40B4-BE49-F238E27FC236}">
-                <a16:creationId xmlns:a16="http://schemas.microsoft.com/office/drawing/2014/main" id="{E9C04B00-6CB1-411A-B84B-E02B3BF7C729}"/>
+                <a16:creationId xmlns:a16="http://schemas.microsoft.com/office/drawing/2014/main" id="{0EAE05BF-177B-456B-8830-45B68A02826A}"/>
               </a:ext>
             </a:extLst>
           </p:cNvPr>
@@ -9573,8 +10392,8 @@
         </p:nvSpPr>
         <p:spPr>
           <a:xfrm>
-            <a:off x="838199" y="291090"/>
-            <a:ext cx="10515599" cy="932688"/>
+            <a:off x="526073" y="466578"/>
+            <a:ext cx="11139854" cy="930447"/>
           </a:xfrm>
         </p:spPr>
         <p:txBody>
@@ -9585,58 +10404,77 @@
           <a:p>
             <a:pPr algn="ctr"/>
             <a:r>
-              <a:rPr lang="en-US" sz="4800" kern="1200" dirty="0" err="1">
+              <a:rPr lang="en-US" sz="5400" kern="1200">
                 <a:solidFill>
-                  <a:schemeClr val="tx1"/>
+                  <a:srgbClr val="FFFFFF"/>
                 </a:solidFill>
                 <a:latin typeface="+mj-lt"/>
                 <a:ea typeface="+mj-ea"/>
                 <a:cs typeface="+mj-cs"/>
               </a:rPr>
-              <a:t>Entrega</a:t>
-            </a:r>
-            <a:r>
-              <a:rPr lang="en-US" sz="4800" kern="1200" dirty="0">
-                <a:solidFill>
-                  <a:schemeClr val="tx1"/>
-                </a:solidFill>
-                <a:latin typeface="+mj-lt"/>
-                <a:ea typeface="+mj-ea"/>
-                <a:cs typeface="+mj-cs"/>
-              </a:rPr>
-              <a:t>(</a:t>
-            </a:r>
-            <a:r>
-              <a:rPr lang="en-US" sz="4800" kern="1200" dirty="0" err="1">
-                <a:solidFill>
-                  <a:schemeClr val="tx1"/>
-                </a:solidFill>
-                <a:latin typeface="+mj-lt"/>
-                <a:ea typeface="+mj-ea"/>
-                <a:cs typeface="+mj-cs"/>
-              </a:rPr>
-              <a:t>Aluno</a:t>
-            </a:r>
-            <a:r>
-              <a:rPr lang="en-US" sz="4800" kern="1200" dirty="0">
-                <a:solidFill>
-                  <a:schemeClr val="tx1"/>
-                </a:solidFill>
-                <a:latin typeface="+mj-lt"/>
-                <a:ea typeface="+mj-ea"/>
-                <a:cs typeface="+mj-cs"/>
-              </a:rPr>
-              <a:t>)</a:t>
-            </a:r>
-          </a:p>
-        </p:txBody>
-      </p:sp>
+              <a:t>Projetos (Professor)</a:t>
+            </a:r>
+          </a:p>
+        </p:txBody>
+      </p:sp>
+      <p:cxnSp>
+        <p:nvCxnSpPr>
+          <p:cNvPr id="18" name="Straight Connector 17">
+            <a:extLst>
+              <a:ext uri="{FF2B5EF4-FFF2-40B4-BE49-F238E27FC236}">
+                <a16:creationId xmlns:a16="http://schemas.microsoft.com/office/drawing/2014/main" id="{7E7C77BC-7138-40B1-A15B-20F57A494629}"/>
+              </a:ext>
+              <a:ext uri="{C183D7F6-B498-43B3-948B-1728B52AA6E4}">
+                <adec:decorative xmlns:adec="http://schemas.microsoft.com/office/drawing/2017/decorative" val="1"/>
+              </a:ext>
+            </a:extLst>
+          </p:cNvPr>
+          <p:cNvCxnSpPr>
+            <a:cxnSpLocks noGrp="1" noRot="1" noChangeAspect="1" noMove="1" noResize="1" noEditPoints="1" noAdjustHandles="1" noChangeArrowheads="1" noChangeShapeType="1"/>
+          </p:cNvCxnSpPr>
+          <p:nvPr>
+            <p:extLst>
+              <p:ext uri="{386F3935-93C4-4BCD-93E2-E3B085C9AB24}">
+                <p16:designElem xmlns:p16="http://schemas.microsoft.com/office/powerpoint/2015/main" val="1"/>
+              </p:ext>
+            </p:extLst>
+          </p:nvPr>
+        </p:nvCxnSpPr>
+        <p:spPr>
+          <a:xfrm>
+            <a:off x="2209800" y="1448631"/>
+            <a:ext cx="7772400" cy="0"/>
+          </a:xfrm>
+          <a:prstGeom prst="line">
+            <a:avLst/>
+          </a:prstGeom>
+          <a:ln w="22225">
+            <a:solidFill>
+              <a:srgbClr val="D9D9D9"/>
+            </a:solidFill>
+          </a:ln>
+        </p:spPr>
+        <p:style>
+          <a:lnRef idx="1">
+            <a:schemeClr val="accent1"/>
+          </a:lnRef>
+          <a:fillRef idx="0">
+            <a:schemeClr val="accent1"/>
+          </a:fillRef>
+          <a:effectRef idx="0">
+            <a:schemeClr val="accent1"/>
+          </a:effectRef>
+          <a:fontRef idx="minor">
+            <a:schemeClr val="tx1"/>
+          </a:fontRef>
+        </p:style>
+      </p:cxnSp>
       <p:pic>
         <p:nvPicPr>
-          <p:cNvPr id="6" name="Espaço Reservado para Conteúdo 5">
+          <p:cNvPr id="11" name="Espaço Reservado para Conteúdo 10">
             <a:extLst>
               <a:ext uri="{FF2B5EF4-FFF2-40B4-BE49-F238E27FC236}">
-                <a16:creationId xmlns:a16="http://schemas.microsoft.com/office/drawing/2014/main" id="{65554438-66FC-424D-9B9B-9B01CB620F15}"/>
+                <a16:creationId xmlns:a16="http://schemas.microsoft.com/office/drawing/2014/main" id="{B6ABC297-9C06-4C83-A386-F02F5B3D8819}"/>
               </a:ext>
             </a:extLst>
           </p:cNvPr>
@@ -9661,127 +10499,8 @@
         </p:blipFill>
         <p:spPr>
           <a:xfrm>
-            <a:off x="1564625" y="1863801"/>
-            <a:ext cx="9062749" cy="4440746"/>
-          </a:xfrm>
-          <a:prstGeom prst="rect">
-            <a:avLst/>
-          </a:prstGeom>
-        </p:spPr>
-      </p:pic>
-    </p:spTree>
-    <p:extLst>
-      <p:ext uri="{BB962C8B-B14F-4D97-AF65-F5344CB8AC3E}">
-        <p14:creationId xmlns:p14="http://schemas.microsoft.com/office/powerpoint/2010/main" val="2293987839"/>
-      </p:ext>
-    </p:extLst>
-  </p:cSld>
-  <p:clrMapOvr>
-    <a:masterClrMapping/>
-  </p:clrMapOvr>
-</p:sld>
-</file>
-
-<file path=ppt/slides/slide34.xml><?xml version="1.0" encoding="utf-8"?>
-<p:sld xmlns:a="http://schemas.openxmlformats.org/drawingml/2006/main" xmlns:r="http://schemas.openxmlformats.org/officeDocument/2006/relationships" xmlns:p="http://schemas.openxmlformats.org/presentationml/2006/main">
-  <p:cSld>
-    <p:bg>
-      <p:bgPr>
-        <a:solidFill>
-          <a:schemeClr val="bg1"/>
-        </a:solidFill>
-        <a:effectLst/>
-      </p:bgPr>
-    </p:bg>
-    <p:spTree>
-      <p:nvGrpSpPr>
-        <p:cNvPr id="1" name=""/>
-        <p:cNvGrpSpPr/>
-        <p:nvPr/>
-      </p:nvGrpSpPr>
-      <p:grpSpPr>
-        <a:xfrm>
-          <a:off x="0" y="0"/>
-          <a:ext cx="0" cy="0"/>
-          <a:chOff x="0" y="0"/>
-          <a:chExt cx="0" cy="0"/>
-        </a:xfrm>
-      </p:grpSpPr>
-      <p:sp>
-        <p:nvSpPr>
-          <p:cNvPr id="2" name="Título 1">
-            <a:extLst>
-              <a:ext uri="{FF2B5EF4-FFF2-40B4-BE49-F238E27FC236}">
-                <a16:creationId xmlns:a16="http://schemas.microsoft.com/office/drawing/2014/main" id="{0EAE05BF-177B-456B-8830-45B68A02826A}"/>
-              </a:ext>
-            </a:extLst>
-          </p:cNvPr>
-          <p:cNvSpPr>
-            <a:spLocks noGrp="1"/>
-          </p:cNvSpPr>
-          <p:nvPr>
-            <p:ph type="title"/>
-          </p:nvPr>
-        </p:nvSpPr>
-        <p:spPr>
-          <a:xfrm>
-            <a:off x="838199" y="291090"/>
-            <a:ext cx="10515599" cy="932688"/>
-          </a:xfrm>
-        </p:spPr>
-        <p:txBody>
-          <a:bodyPr vert="horz" lIns="91440" tIns="45720" rIns="91440" bIns="45720" rtlCol="0" anchor="b">
-            <a:normAutofit/>
-          </a:bodyPr>
-          <a:lstStyle/>
-          <a:p>
-            <a:pPr algn="ctr"/>
-            <a:r>
-              <a:rPr lang="en-US" sz="4800" kern="1200">
-                <a:solidFill>
-                  <a:schemeClr val="tx1"/>
-                </a:solidFill>
-                <a:latin typeface="+mj-lt"/>
-                <a:ea typeface="+mj-ea"/>
-                <a:cs typeface="+mj-cs"/>
-              </a:rPr>
-              <a:t>Projetos (Professor)</a:t>
-            </a:r>
-          </a:p>
-        </p:txBody>
-      </p:sp>
-      <p:pic>
-        <p:nvPicPr>
-          <p:cNvPr id="11" name="Espaço Reservado para Conteúdo 10">
-            <a:extLst>
-              <a:ext uri="{FF2B5EF4-FFF2-40B4-BE49-F238E27FC236}">
-                <a16:creationId xmlns:a16="http://schemas.microsoft.com/office/drawing/2014/main" id="{B6ABC297-9C06-4C83-A386-F02F5B3D8819}"/>
-              </a:ext>
-            </a:extLst>
-          </p:cNvPr>
-          <p:cNvPicPr>
-            <a:picLocks noGrp="1" noChangeAspect="1"/>
-          </p:cNvPicPr>
-          <p:nvPr>
-            <p:ph idx="1"/>
-          </p:nvPr>
-        </p:nvPicPr>
-        <p:blipFill>
-          <a:blip r:embed="rId2">
-            <a:extLst>
-              <a:ext uri="{28A0092B-C50C-407E-A947-70E740481C1C}">
-                <a14:useLocalDpi xmlns:a14="http://schemas.microsoft.com/office/drawing/2010/main" val="0"/>
-              </a:ext>
-            </a:extLst>
-          </a:blip>
-          <a:stretch>
-            <a:fillRect/>
-          </a:stretch>
-        </p:blipFill>
-        <p:spPr>
-          <a:xfrm>
-            <a:off x="1610398" y="1863801"/>
-            <a:ext cx="8971202" cy="4440746"/>
+            <a:off x="2030434" y="2509911"/>
+            <a:ext cx="8076032" cy="3997637"/>
           </a:xfrm>
           <a:prstGeom prst="rect">
             <a:avLst/>
@@ -9801,7 +10520,7 @@
 </p:sld>
 </file>
 
-<file path=ppt/slides/slide35.xml><?xml version="1.0" encoding="utf-8"?>
+<file path=ppt/slides/slide34.xml><?xml version="1.0" encoding="utf-8"?>
 <p:sld xmlns:a="http://schemas.openxmlformats.org/drawingml/2006/main" xmlns:r="http://schemas.openxmlformats.org/officeDocument/2006/relationships" xmlns:p="http://schemas.openxmlformats.org/presentationml/2006/main">
   <p:cSld>
     <p:bg>
@@ -10265,6 +10984,261 @@
 </p:sld>
 </file>
 
+<file path=ppt/slides/slide35.xml><?xml version="1.0" encoding="utf-8"?>
+<p:sld xmlns:a="http://schemas.openxmlformats.org/drawingml/2006/main" xmlns:r="http://schemas.openxmlformats.org/officeDocument/2006/relationships" xmlns:p="http://schemas.openxmlformats.org/presentationml/2006/main">
+  <p:cSld>
+    <p:bg>
+      <p:bgPr>
+        <a:solidFill>
+          <a:schemeClr val="bg1"/>
+        </a:solidFill>
+        <a:effectLst/>
+      </p:bgPr>
+    </p:bg>
+    <p:spTree>
+      <p:nvGrpSpPr>
+        <p:cNvPr id="1" name=""/>
+        <p:cNvGrpSpPr/>
+        <p:nvPr/>
+      </p:nvGrpSpPr>
+      <p:grpSpPr>
+        <a:xfrm>
+          <a:off x="0" y="0"/>
+          <a:ext cx="0" cy="0"/>
+          <a:chOff x="0" y="0"/>
+          <a:chExt cx="0" cy="0"/>
+        </a:xfrm>
+      </p:grpSpPr>
+      <p:sp>
+        <p:nvSpPr>
+          <p:cNvPr id="19" name="Rectangle 18">
+            <a:extLst>
+              <a:ext uri="{FF2B5EF4-FFF2-40B4-BE49-F238E27FC236}">
+                <a16:creationId xmlns:a16="http://schemas.microsoft.com/office/drawing/2014/main" id="{AB45A142-4255-493C-8284-5D566C121B10}"/>
+              </a:ext>
+              <a:ext uri="{C183D7F6-B498-43B3-948B-1728B52AA6E4}">
+                <adec:decorative xmlns:adec="http://schemas.microsoft.com/office/drawing/2017/decorative" val="1"/>
+              </a:ext>
+            </a:extLst>
+          </p:cNvPr>
+          <p:cNvSpPr>
+            <a:spLocks noGrp="1" noRot="1" noChangeAspect="1" noMove="1" noResize="1" noEditPoints="1" noAdjustHandles="1" noChangeArrowheads="1" noChangeShapeType="1" noTextEdit="1"/>
+          </p:cNvSpPr>
+          <p:nvPr>
+            <p:extLst>
+              <p:ext uri="{386F3935-93C4-4BCD-93E2-E3B085C9AB24}">
+                <p16:designElem xmlns:p16="http://schemas.microsoft.com/office/powerpoint/2015/main" val="1"/>
+              </p:ext>
+            </p:extLst>
+          </p:nvPr>
+        </p:nvSpPr>
+        <p:spPr bwMode="ltGray">
+          <a:xfrm>
+            <a:off x="7423484" y="321177"/>
+            <a:ext cx="4332307" cy="6179552"/>
+          </a:xfrm>
+          <a:prstGeom prst="rect">
+            <a:avLst/>
+          </a:prstGeom>
+          <a:solidFill>
+            <a:srgbClr val="404040">
+              <a:alpha val="89804"/>
+            </a:srgbClr>
+          </a:solidFill>
+          <a:ln w="127000" cap="sq" cmpd="thinThick">
+            <a:solidFill>
+              <a:srgbClr val="595959">
+                <a:alpha val="80000"/>
+              </a:srgbClr>
+            </a:solidFill>
+          </a:ln>
+        </p:spPr>
+        <p:style>
+          <a:lnRef idx="2">
+            <a:schemeClr val="accent1">
+              <a:shade val="50000"/>
+            </a:schemeClr>
+          </a:lnRef>
+          <a:fillRef idx="1">
+            <a:schemeClr val="accent1"/>
+          </a:fillRef>
+          <a:effectRef idx="0">
+            <a:schemeClr val="accent1"/>
+          </a:effectRef>
+          <a:fontRef idx="minor">
+            <a:schemeClr val="lt1"/>
+          </a:fontRef>
+        </p:style>
+        <p:txBody>
+          <a:bodyPr rtlCol="0" anchor="ctr"/>
+          <a:lstStyle/>
+          <a:p>
+            <a:pPr algn="ctr"/>
+            <a:endParaRPr lang="en-US"/>
+          </a:p>
+        </p:txBody>
+      </p:sp>
+      <p:sp>
+        <p:nvSpPr>
+          <p:cNvPr id="2" name="Título 1"/>
+          <p:cNvSpPr>
+            <a:spLocks noGrp="1"/>
+          </p:cNvSpPr>
+          <p:nvPr>
+            <p:ph type="ctrTitle"/>
+          </p:nvPr>
+        </p:nvSpPr>
+        <p:spPr>
+          <a:xfrm>
+            <a:off x="7760837" y="914400"/>
+            <a:ext cx="3657600" cy="2887579"/>
+          </a:xfrm>
+        </p:spPr>
+        <p:txBody>
+          <a:bodyPr>
+            <a:normAutofit/>
+          </a:bodyPr>
+          <a:lstStyle/>
+          <a:p>
+            <a:r>
+              <a:rPr lang="pt-BR" sz="4800">
+                <a:solidFill>
+                  <a:srgbClr val="FFFFFF"/>
+                </a:solidFill>
+              </a:rPr>
+              <a:t>Diagrama de Classe</a:t>
+            </a:r>
+          </a:p>
+        </p:txBody>
+      </p:sp>
+      <p:sp>
+        <p:nvSpPr>
+          <p:cNvPr id="3" name="Subtítulo 2"/>
+          <p:cNvSpPr>
+            <a:spLocks noGrp="1"/>
+          </p:cNvSpPr>
+          <p:nvPr>
+            <p:ph type="subTitle" idx="1"/>
+          </p:nvPr>
+        </p:nvSpPr>
+        <p:spPr>
+          <a:xfrm>
+            <a:off x="7760837" y="4170501"/>
+            <a:ext cx="3657600" cy="1525597"/>
+          </a:xfrm>
+        </p:spPr>
+        <p:txBody>
+          <a:bodyPr>
+            <a:normAutofit/>
+          </a:bodyPr>
+          <a:lstStyle/>
+          <a:p>
+            <a:r>
+              <a:rPr lang="pt-BR" sz="2000">
+                <a:solidFill>
+                  <a:srgbClr val="FFFFFF"/>
+                </a:solidFill>
+              </a:rPr>
+              <a:t>“Antenas”</a:t>
+            </a:r>
+          </a:p>
+        </p:txBody>
+      </p:sp>
+      <p:pic>
+        <p:nvPicPr>
+          <p:cNvPr id="4" name="Imagem 3">
+            <a:extLst>
+              <a:ext uri="{FF2B5EF4-FFF2-40B4-BE49-F238E27FC236}">
+                <a16:creationId xmlns:a16="http://schemas.microsoft.com/office/drawing/2014/main" id="{E43B408B-F353-4EB4-8C07-607D09AC444C}"/>
+              </a:ext>
+            </a:extLst>
+          </p:cNvPr>
+          <p:cNvPicPr>
+            <a:picLocks noChangeAspect="1"/>
+          </p:cNvPicPr>
+          <p:nvPr/>
+        </p:nvPicPr>
+        <p:blipFill>
+          <a:blip r:embed="rId2"/>
+          <a:stretch>
+            <a:fillRect/>
+          </a:stretch>
+        </p:blipFill>
+        <p:spPr>
+          <a:xfrm>
+            <a:off x="444662" y="836129"/>
+            <a:ext cx="6553545" cy="5193683"/>
+          </a:xfrm>
+          <a:prstGeom prst="rect">
+            <a:avLst/>
+          </a:prstGeom>
+        </p:spPr>
+      </p:pic>
+      <p:cxnSp>
+        <p:nvCxnSpPr>
+          <p:cNvPr id="21" name="Straight Connector 20">
+            <a:extLst>
+              <a:ext uri="{FF2B5EF4-FFF2-40B4-BE49-F238E27FC236}">
+                <a16:creationId xmlns:a16="http://schemas.microsoft.com/office/drawing/2014/main" id="{38FB9660-F42F-4313-BBC4-47C007FE484C}"/>
+              </a:ext>
+              <a:ext uri="{C183D7F6-B498-43B3-948B-1728B52AA6E4}">
+                <adec:decorative xmlns:adec="http://schemas.microsoft.com/office/drawing/2017/decorative" val="1"/>
+              </a:ext>
+            </a:extLst>
+          </p:cNvPr>
+          <p:cNvCxnSpPr>
+            <a:cxnSpLocks noGrp="1" noRot="1" noChangeAspect="1" noMove="1" noResize="1" noEditPoints="1" noAdjustHandles="1" noChangeArrowheads="1" noChangeShapeType="1"/>
+          </p:cNvCxnSpPr>
+          <p:nvPr>
+            <p:extLst>
+              <p:ext uri="{386F3935-93C4-4BCD-93E2-E3B085C9AB24}">
+                <p16:designElem xmlns:p16="http://schemas.microsoft.com/office/powerpoint/2015/main" val="1"/>
+              </p:ext>
+            </p:extLst>
+          </p:nvPr>
+        </p:nvCxnSpPr>
+        <p:spPr>
+          <a:xfrm>
+            <a:off x="8277726" y="3910267"/>
+            <a:ext cx="2586790" cy="0"/>
+          </a:xfrm>
+          <a:prstGeom prst="line">
+            <a:avLst/>
+          </a:prstGeom>
+          <a:ln w="22225">
+            <a:solidFill>
+              <a:srgbClr val="D9D9D9"/>
+            </a:solidFill>
+          </a:ln>
+        </p:spPr>
+        <p:style>
+          <a:lnRef idx="1">
+            <a:schemeClr val="accent1"/>
+          </a:lnRef>
+          <a:fillRef idx="0">
+            <a:schemeClr val="accent1"/>
+          </a:fillRef>
+          <a:effectRef idx="0">
+            <a:schemeClr val="accent1"/>
+          </a:effectRef>
+          <a:fontRef idx="minor">
+            <a:schemeClr val="tx1"/>
+          </a:fontRef>
+        </p:style>
+      </p:cxnSp>
+    </p:spTree>
+    <p:extLst>
+      <p:ext uri="{BB962C8B-B14F-4D97-AF65-F5344CB8AC3E}">
+        <p14:creationId xmlns:p14="http://schemas.microsoft.com/office/powerpoint/2010/main" val="808373120"/>
+      </p:ext>
+    </p:extLst>
+  </p:cSld>
+  <p:clrMapOvr>
+    <a:overrideClrMapping bg1="lt1" tx1="dk1" bg2="lt2" tx2="dk2" accent1="accent1" accent2="accent2" accent3="accent3" accent4="accent4" accent5="accent5" accent6="accent6" hlink="hlink" folHlink="folHlink"/>
+  </p:clrMapOvr>
+</p:sld>
+</file>
+
 <file path=ppt/slides/slide36.xml><?xml version="1.0" encoding="utf-8"?>
 <p:sld xmlns:a="http://schemas.openxmlformats.org/drawingml/2006/main" xmlns:r="http://schemas.openxmlformats.org/officeDocument/2006/relationships" xmlns:p="http://schemas.openxmlformats.org/presentationml/2006/main">
   <p:cSld>
@@ -10344,10 +11318,10 @@
       </p:sp>
       <p:sp>
         <p:nvSpPr>
-          <p:cNvPr id="13" name="Rectangle 12">
+          <p:cNvPr id="47" name="Rectangle 36">
             <a:extLst>
               <a:ext uri="{FF2B5EF4-FFF2-40B4-BE49-F238E27FC236}">
-                <a16:creationId xmlns:a16="http://schemas.microsoft.com/office/drawing/2014/main" id="{82B0BD37-87F5-4DDB-B767-20FA06048900}"/>
+                <a16:creationId xmlns:a16="http://schemas.microsoft.com/office/drawing/2014/main" id="{2BE2D1B8-0887-4D2B-8C42-999040132B03}"/>
               </a:ext>
               <a:ext uri="{C183D7F6-B498-43B3-948B-1728B52AA6E4}">
                 <adec:decorative xmlns:adec="http://schemas.microsoft.com/office/drawing/2017/decorative" val="1"/>
@@ -10407,12 +11381,77 @@
           </a:p>
         </p:txBody>
       </p:sp>
+      <p:sp>
+        <p:nvSpPr>
+          <p:cNvPr id="48" name="Rectangle 38">
+            <a:extLst>
+              <a:ext uri="{FF2B5EF4-FFF2-40B4-BE49-F238E27FC236}">
+                <a16:creationId xmlns:a16="http://schemas.microsoft.com/office/drawing/2014/main" id="{FA085277-BAF7-40CC-A608-B030CA969FE9}"/>
+              </a:ext>
+              <a:ext uri="{C183D7F6-B498-43B3-948B-1728B52AA6E4}">
+                <adec:decorative xmlns:adec="http://schemas.microsoft.com/office/drawing/2017/decorative" val="1"/>
+              </a:ext>
+            </a:extLst>
+          </p:cNvPr>
+          <p:cNvSpPr>
+            <a:spLocks noGrp="1" noRot="1" noChangeAspect="1" noMove="1" noResize="1" noEditPoints="1" noAdjustHandles="1" noChangeArrowheads="1" noChangeShapeType="1" noTextEdit="1"/>
+          </p:cNvSpPr>
+          <p:nvPr>
+            <p:extLst>
+              <p:ext uri="{386F3935-93C4-4BCD-93E2-E3B085C9AB24}">
+                <p16:designElem xmlns:p16="http://schemas.microsoft.com/office/powerpoint/2015/main" val="1"/>
+              </p:ext>
+            </p:extLst>
+          </p:nvPr>
+        </p:nvSpPr>
+        <p:spPr bwMode="ltGray">
+          <a:xfrm>
+            <a:off x="4811469" y="321733"/>
+            <a:ext cx="3375479" cy="3259667"/>
+          </a:xfrm>
+          <a:prstGeom prst="rect">
+            <a:avLst/>
+          </a:prstGeom>
+          <a:solidFill>
+            <a:srgbClr val="FFFFFF"/>
+          </a:solidFill>
+          <a:ln w="127000" cap="sq" cmpd="thinThick">
+            <a:solidFill>
+              <a:srgbClr val="FFFFFF"/>
+            </a:solidFill>
+          </a:ln>
+        </p:spPr>
+        <p:style>
+          <a:lnRef idx="2">
+            <a:schemeClr val="accent1">
+              <a:shade val="50000"/>
+            </a:schemeClr>
+          </a:lnRef>
+          <a:fillRef idx="1">
+            <a:schemeClr val="accent1"/>
+          </a:fillRef>
+          <a:effectRef idx="0">
+            <a:schemeClr val="accent1"/>
+          </a:effectRef>
+          <a:fontRef idx="minor">
+            <a:schemeClr val="lt1"/>
+          </a:fontRef>
+        </p:style>
+        <p:txBody>
+          <a:bodyPr rtlCol="0" anchor="ctr"/>
+          <a:lstStyle/>
+          <a:p>
+            <a:pPr algn="ctr"/>
+            <a:endParaRPr lang="en-US" dirty="0"/>
+          </a:p>
+        </p:txBody>
+      </p:sp>
       <p:pic>
         <p:nvPicPr>
-          <p:cNvPr id="8" name="Imagem 7" descr="Tela de computador com texto preto sobre fundo branco&#10;&#10;Descrição gerada automaticamente">
+          <p:cNvPr id="6" name="Imagem 5" descr="Tela de celular com texto preto sobre fundo branco&#10;&#10;Descrição gerada automaticamente">
             <a:extLst>
               <a:ext uri="{FF2B5EF4-FFF2-40B4-BE49-F238E27FC236}">
-                <a16:creationId xmlns:a16="http://schemas.microsoft.com/office/drawing/2014/main" id="{87B23421-0919-4A5D-A69A-E1781AE0C1B9}"/>
+                <a16:creationId xmlns:a16="http://schemas.microsoft.com/office/drawing/2014/main" id="{8BAC6AED-A9D5-4105-A234-D377CBB8AC5A}"/>
               </a:ext>
             </a:extLst>
           </p:cNvPr>
@@ -10429,8 +11468,8 @@
         </p:blipFill>
         <p:spPr>
           <a:xfrm>
-            <a:off x="639366" y="1023213"/>
-            <a:ext cx="3483526" cy="4660234"/>
+            <a:off x="5048003" y="321733"/>
+            <a:ext cx="2902410" cy="3259667"/>
           </a:xfrm>
           <a:prstGeom prst="rect">
             <a:avLst/>
@@ -10439,10 +11478,10 @@
       </p:pic>
       <p:sp>
         <p:nvSpPr>
-          <p:cNvPr id="15" name="Rectangle 14">
+          <p:cNvPr id="49" name="Rectangle 40">
             <a:extLst>
               <a:ext uri="{FF2B5EF4-FFF2-40B4-BE49-F238E27FC236}">
-                <a16:creationId xmlns:a16="http://schemas.microsoft.com/office/drawing/2014/main" id="{ADFE5C4E-0B5D-4AB5-9877-3993F84A3D4D}"/>
+                <a16:creationId xmlns:a16="http://schemas.microsoft.com/office/drawing/2014/main" id="{64009F90-86BF-44AE-B0EB-D68140E0E0DA}"/>
               </a:ext>
               <a:ext uri="{C183D7F6-B498-43B3-948B-1728B52AA6E4}">
                 <adec:decorative xmlns:adec="http://schemas.microsoft.com/office/drawing/2017/decorative" val="1"/>
@@ -10462,8 +11501,8 @@
         </p:nvSpPr>
         <p:spPr bwMode="ltGray">
           <a:xfrm>
-            <a:off x="4811469" y="321733"/>
-            <a:ext cx="3375479" cy="3259667"/>
+            <a:off x="8508682" y="321733"/>
+            <a:ext cx="3375478" cy="3259667"/>
           </a:xfrm>
           <a:prstGeom prst="rect">
             <a:avLst/>
@@ -10504,10 +11543,10 @@
       </p:sp>
       <p:pic>
         <p:nvPicPr>
-          <p:cNvPr id="7" name="Imagem 6">
+          <p:cNvPr id="8" name="Imagem 7" descr="Tela de computador com texto preto sobre fundo branco&#10;&#10;Descrição gerada automaticamente">
             <a:extLst>
               <a:ext uri="{FF2B5EF4-FFF2-40B4-BE49-F238E27FC236}">
-                <a16:creationId xmlns:a16="http://schemas.microsoft.com/office/drawing/2014/main" id="{790BFE21-41AD-406A-A6A1-6B96AFEA4FD0}"/>
+                <a16:creationId xmlns:a16="http://schemas.microsoft.com/office/drawing/2014/main" id="{87B23421-0919-4A5D-A69A-E1781AE0C1B9}"/>
               </a:ext>
             </a:extLst>
           </p:cNvPr>
@@ -10524,29 +11563,58 @@
         </p:blipFill>
         <p:spPr>
           <a:xfrm>
-            <a:off x="5090338" y="1618886"/>
-            <a:ext cx="2804299" cy="659010"/>
+            <a:off x="401420" y="476250"/>
+            <a:ext cx="3961664" cy="5746130"/>
           </a:xfrm>
           <a:prstGeom prst="rect">
             <a:avLst/>
           </a:prstGeom>
         </p:spPr>
       </p:pic>
-      <p:sp>
-        <p:nvSpPr>
-          <p:cNvPr id="17" name="Rectangle 16">
+      <p:pic>
+        <p:nvPicPr>
+          <p:cNvPr id="2" name="Imagem 1">
             <a:extLst>
               <a:ext uri="{FF2B5EF4-FFF2-40B4-BE49-F238E27FC236}">
-                <a16:creationId xmlns:a16="http://schemas.microsoft.com/office/drawing/2014/main" id="{06048CCE-094B-4948-B61B-DE627F176712}"/>
+                <a16:creationId xmlns:a16="http://schemas.microsoft.com/office/drawing/2014/main" id="{982C940D-6271-46FE-B475-BBDB52C4041D}"/>
+              </a:ext>
+            </a:extLst>
+          </p:cNvPr>
+          <p:cNvPicPr>
+            <a:picLocks noChangeAspect="1"/>
+          </p:cNvPicPr>
+          <p:nvPr/>
+        </p:nvPicPr>
+        <p:blipFill rotWithShape="1">
+          <a:blip r:embed="rId4"/>
+          <a:srcRect l="2560" t="3047" r="4368" b="2367"/>
+          <a:stretch/>
+        </p:blipFill>
+        <p:spPr>
+          <a:xfrm>
+            <a:off x="9029366" y="3687394"/>
+            <a:ext cx="2845000" cy="2956660"/>
+          </a:xfrm>
+          <a:prstGeom prst="rect">
+            <a:avLst/>
+          </a:prstGeom>
+        </p:spPr>
+      </p:pic>
+      <p:cxnSp>
+        <p:nvCxnSpPr>
+          <p:cNvPr id="50" name="Straight Connector 42">
+            <a:extLst>
+              <a:ext uri="{FF2B5EF4-FFF2-40B4-BE49-F238E27FC236}">
+                <a16:creationId xmlns:a16="http://schemas.microsoft.com/office/drawing/2014/main" id="{14254369-4B26-4D6A-A4CD-BE3438297C30}"/>
               </a:ext>
               <a:ext uri="{C183D7F6-B498-43B3-948B-1728B52AA6E4}">
                 <adec:decorative xmlns:adec="http://schemas.microsoft.com/office/drawing/2017/decorative" val="1"/>
               </a:ext>
             </a:extLst>
           </p:cNvPr>
-          <p:cNvSpPr>
-            <a:spLocks noGrp="1" noRot="1" noChangeAspect="1" noMove="1" noResize="1" noEditPoints="1" noAdjustHandles="1" noChangeArrowheads="1" noChangeShapeType="1" noTextEdit="1"/>
-          </p:cNvSpPr>
+          <p:cNvCxnSpPr>
+            <a:cxnSpLocks noGrp="1" noRot="1" noChangeAspect="1" noMove="1" noResize="1" noEditPoints="1" noAdjustHandles="1" noChangeArrowheads="1" noChangeShapeType="1"/>
+          </p:cNvCxnSpPr>
           <p:nvPr>
             <p:extLst>
               <p:ext uri="{386F3935-93C4-4BCD-93E2-E3B085C9AB24}">
@@ -10554,55 +11622,44 @@
               </p:ext>
             </p:extLst>
           </p:nvPr>
-        </p:nvSpPr>
-        <p:spPr bwMode="ltGray">
-          <a:xfrm>
-            <a:off x="8508682" y="321733"/>
-            <a:ext cx="3375478" cy="3259667"/>
-          </a:xfrm>
-          <a:prstGeom prst="rect">
+        </p:nvCxnSpPr>
+        <p:spPr>
+          <a:xfrm>
+            <a:off x="5138287" y="5443086"/>
+            <a:ext cx="6400800" cy="0"/>
+          </a:xfrm>
+          <a:prstGeom prst="line">
             <a:avLst/>
           </a:prstGeom>
-          <a:solidFill>
-            <a:srgbClr val="FFFFFF"/>
-          </a:solidFill>
-          <a:ln w="127000" cap="sq" cmpd="thinThick">
+          <a:ln w="22225">
             <a:solidFill>
-              <a:srgbClr val="FFFFFF"/>
+              <a:schemeClr val="tx1">
+                <a:lumMod val="75000"/>
+              </a:schemeClr>
             </a:solidFill>
           </a:ln>
         </p:spPr>
         <p:style>
-          <a:lnRef idx="2">
-            <a:schemeClr val="accent1">
-              <a:shade val="50000"/>
-            </a:schemeClr>
+          <a:lnRef idx="1">
+            <a:schemeClr val="accent1"/>
           </a:lnRef>
-          <a:fillRef idx="1">
+          <a:fillRef idx="0">
             <a:schemeClr val="accent1"/>
           </a:fillRef>
           <a:effectRef idx="0">
             <a:schemeClr val="accent1"/>
           </a:effectRef>
           <a:fontRef idx="minor">
-            <a:schemeClr val="lt1"/>
+            <a:schemeClr val="tx1"/>
           </a:fontRef>
         </p:style>
-        <p:txBody>
-          <a:bodyPr rtlCol="0" anchor="ctr"/>
-          <a:lstStyle/>
-          <a:p>
-            <a:pPr algn="ctr"/>
-            <a:endParaRPr lang="en-US" dirty="0"/>
-          </a:p>
-        </p:txBody>
-      </p:sp>
+      </p:cxnSp>
       <p:pic>
         <p:nvPicPr>
-          <p:cNvPr id="6" name="Imagem 5" descr="Tela de celular com texto preto sobre fundo branco&#10;&#10;Descrição gerada automaticamente">
+          <p:cNvPr id="7" name="Imagem 6">
             <a:extLst>
               <a:ext uri="{FF2B5EF4-FFF2-40B4-BE49-F238E27FC236}">
-                <a16:creationId xmlns:a16="http://schemas.microsoft.com/office/drawing/2014/main" id="{8BAC6AED-A9D5-4105-A234-D377CBB8AC5A}"/>
+                <a16:creationId xmlns:a16="http://schemas.microsoft.com/office/drawing/2014/main" id="{790BFE21-41AD-406A-A6A1-6B96AFEA4FD0}"/>
               </a:ext>
             </a:extLst>
           </p:cNvPr>
@@ -10612,75 +11669,21 @@
           <p:nvPr/>
         </p:nvPicPr>
         <p:blipFill>
-          <a:blip r:embed="rId4"/>
+          <a:blip r:embed="rId5"/>
           <a:stretch>
             <a:fillRect/>
           </a:stretch>
         </p:blipFill>
         <p:spPr>
           <a:xfrm>
-            <a:off x="9228276" y="628649"/>
-            <a:ext cx="1979613" cy="2639484"/>
+            <a:off x="8551546" y="515590"/>
+            <a:ext cx="3332614" cy="899323"/>
           </a:xfrm>
           <a:prstGeom prst="rect">
             <a:avLst/>
           </a:prstGeom>
         </p:spPr>
       </p:pic>
-      <p:cxnSp>
-        <p:nvCxnSpPr>
-          <p:cNvPr id="19" name="Straight Connector 18">
-            <a:extLst>
-              <a:ext uri="{FF2B5EF4-FFF2-40B4-BE49-F238E27FC236}">
-                <a16:creationId xmlns:a16="http://schemas.microsoft.com/office/drawing/2014/main" id="{5BB48934-4796-4249-B64C-EE2375977B5E}"/>
-              </a:ext>
-              <a:ext uri="{C183D7F6-B498-43B3-948B-1728B52AA6E4}">
-                <adec:decorative xmlns:adec="http://schemas.microsoft.com/office/drawing/2017/decorative" val="1"/>
-              </a:ext>
-            </a:extLst>
-          </p:cNvPr>
-          <p:cNvCxnSpPr>
-            <a:cxnSpLocks noGrp="1" noRot="1" noChangeAspect="1" noMove="1" noResize="1" noEditPoints="1" noAdjustHandles="1" noChangeArrowheads="1" noChangeShapeType="1"/>
-          </p:cNvCxnSpPr>
-          <p:nvPr>
-            <p:extLst>
-              <p:ext uri="{386F3935-93C4-4BCD-93E2-E3B085C9AB24}">
-                <p16:designElem xmlns:p16="http://schemas.microsoft.com/office/powerpoint/2015/main" val="1"/>
-              </p:ext>
-            </p:extLst>
-          </p:nvPr>
-        </p:nvCxnSpPr>
-        <p:spPr>
-          <a:xfrm>
-            <a:off x="5138287" y="5443086"/>
-            <a:ext cx="6400800" cy="0"/>
-          </a:xfrm>
-          <a:prstGeom prst="line">
-            <a:avLst/>
-          </a:prstGeom>
-          <a:ln w="22225">
-            <a:solidFill>
-              <a:schemeClr val="tx1">
-                <a:lumMod val="65000"/>
-              </a:schemeClr>
-            </a:solidFill>
-          </a:ln>
-        </p:spPr>
-        <p:style>
-          <a:lnRef idx="1">
-            <a:schemeClr val="accent1"/>
-          </a:lnRef>
-          <a:fillRef idx="0">
-            <a:schemeClr val="accent1"/>
-          </a:fillRef>
-          <a:effectRef idx="0">
-            <a:schemeClr val="accent1"/>
-          </a:effectRef>
-          <a:fontRef idx="minor">
-            <a:schemeClr val="tx1"/>
-          </a:fontRef>
-        </p:style>
-      </p:cxnSp>
     </p:spTree>
     <p:extLst>
       <p:ext uri="{BB962C8B-B14F-4D97-AF65-F5344CB8AC3E}">
@@ -10700,7 +11703,10 @@
     <p:bg>
       <p:bgPr>
         <a:solidFill>
-          <a:schemeClr val="bg1"/>
+          <a:schemeClr val="bg1">
+            <a:tint val="95000"/>
+            <a:satMod val="170000"/>
+          </a:schemeClr>
         </a:solidFill>
         <a:effectLst/>
       </p:bgPr>
@@ -10721,10 +11727,10 @@
       </p:grpSpPr>
       <p:sp>
         <p:nvSpPr>
-          <p:cNvPr id="5" name="CaixaDeTexto 4">
+          <p:cNvPr id="3" name="CaixaDeTexto 2">
             <a:extLst>
               <a:ext uri="{FF2B5EF4-FFF2-40B4-BE49-F238E27FC236}">
-                <a16:creationId xmlns:a16="http://schemas.microsoft.com/office/drawing/2014/main" id="{655F36D6-C3B9-4CC5-8B82-E32A2732653D}"/>
+                <a16:creationId xmlns:a16="http://schemas.microsoft.com/office/drawing/2014/main" id="{411D0817-95CE-486B-A250-B4490619A0E6}"/>
               </a:ext>
             </a:extLst>
           </p:cNvPr>
@@ -10733,34 +11739,20 @@
         </p:nvSpPr>
         <p:spPr>
           <a:xfrm>
-            <a:off x="640080" y="2074363"/>
-            <a:ext cx="2752354" cy="2709275"/>
+            <a:off x="5021821" y="4004732"/>
+            <a:ext cx="6465287" cy="1324235"/>
           </a:xfrm>
           <a:prstGeom prst="ellipse">
             <a:avLst/>
           </a:prstGeom>
-          <a:solidFill>
-            <a:schemeClr val="tx1">
-              <a:lumMod val="85000"/>
-              <a:lumOff val="15000"/>
-            </a:schemeClr>
-          </a:solidFill>
-          <a:ln w="174625" cmpd="thinThick">
-            <a:solidFill>
-              <a:schemeClr val="tx1">
-                <a:lumMod val="85000"/>
-                <a:lumOff val="15000"/>
-              </a:schemeClr>
-            </a:solidFill>
-          </a:ln>
-        </p:spPr>
-        <p:txBody>
-          <a:bodyPr vert="horz" lIns="91440" tIns="45720" rIns="91440" bIns="45720" rtlCol="0" anchor="ctr">
+        </p:spPr>
+        <p:txBody>
+          <a:bodyPr vert="horz" lIns="91440" tIns="45720" rIns="91440" bIns="45720" rtlCol="0" anchor="b">
             <a:normAutofit/>
           </a:bodyPr>
           <a:lstStyle/>
           <a:p>
-            <a:pPr algn="ctr">
+            <a:pPr>
               <a:lnSpc>
                 <a:spcPct val="90000"/>
               </a:lnSpc>
@@ -10772,33 +11764,87 @@
               </a:spcAft>
             </a:pPr>
             <a:r>
-              <a:rPr lang="en-US" sz="2600" kern="1200">
-                <a:solidFill>
-                  <a:schemeClr val="bg1"/>
-                </a:solidFill>
+              <a:rPr lang="en-US" sz="4800">
                 <a:latin typeface="+mj-lt"/>
                 <a:ea typeface="+mj-ea"/>
                 <a:cs typeface="+mj-cs"/>
               </a:rPr>
-              <a:t>DadosLogin</a:t>
-            </a:r>
-            <a:endParaRPr lang="en-US" sz="2600" kern="1200" dirty="0">
-              <a:solidFill>
-                <a:schemeClr val="bg1"/>
-              </a:solidFill>
-              <a:latin typeface="+mj-lt"/>
-              <a:ea typeface="+mj-ea"/>
-              <a:cs typeface="+mj-cs"/>
-            </a:endParaRPr>
+              <a:t>Projeto</a:t>
+            </a:r>
+          </a:p>
+        </p:txBody>
+      </p:sp>
+      <p:sp>
+        <p:nvSpPr>
+          <p:cNvPr id="24" name="Rectangle 15">
+            <a:extLst>
+              <a:ext uri="{FF2B5EF4-FFF2-40B4-BE49-F238E27FC236}">
+                <a16:creationId xmlns:a16="http://schemas.microsoft.com/office/drawing/2014/main" id="{82B0BD37-87F5-4DDB-B767-20FA06048900}"/>
+              </a:ext>
+              <a:ext uri="{C183D7F6-B498-43B3-948B-1728B52AA6E4}">
+                <adec:decorative xmlns:adec="http://schemas.microsoft.com/office/drawing/2017/decorative" val="1"/>
+              </a:ext>
+            </a:extLst>
+          </p:cNvPr>
+          <p:cNvSpPr>
+            <a:spLocks noGrp="1" noRot="1" noChangeAspect="1" noMove="1" noResize="1" noEditPoints="1" noAdjustHandles="1" noChangeArrowheads="1" noChangeShapeType="1" noTextEdit="1"/>
+          </p:cNvSpPr>
+          <p:nvPr>
+            <p:extLst>
+              <p:ext uri="{386F3935-93C4-4BCD-93E2-E3B085C9AB24}">
+                <p16:designElem xmlns:p16="http://schemas.microsoft.com/office/powerpoint/2015/main" val="1"/>
+              </p:ext>
+            </p:extLst>
+          </p:nvPr>
+        </p:nvSpPr>
+        <p:spPr bwMode="ltGray">
+          <a:xfrm>
+            <a:off x="317634" y="321733"/>
+            <a:ext cx="4129237" cy="6060017"/>
+          </a:xfrm>
+          <a:prstGeom prst="rect">
+            <a:avLst/>
+          </a:prstGeom>
+          <a:solidFill>
+            <a:srgbClr val="FFFFFF"/>
+          </a:solidFill>
+          <a:ln w="127000" cap="sq" cmpd="thinThick">
+            <a:solidFill>
+              <a:srgbClr val="FFFFFF"/>
+            </a:solidFill>
+          </a:ln>
+        </p:spPr>
+        <p:style>
+          <a:lnRef idx="2">
+            <a:schemeClr val="accent1">
+              <a:shade val="50000"/>
+            </a:schemeClr>
+          </a:lnRef>
+          <a:fillRef idx="1">
+            <a:schemeClr val="accent1"/>
+          </a:fillRef>
+          <a:effectRef idx="0">
+            <a:schemeClr val="accent1"/>
+          </a:effectRef>
+          <a:fontRef idx="minor">
+            <a:schemeClr val="lt1"/>
+          </a:fontRef>
+        </p:style>
+        <p:txBody>
+          <a:bodyPr rtlCol="0" anchor="ctr"/>
+          <a:lstStyle/>
+          <a:p>
+            <a:pPr algn="ctr"/>
+            <a:endParaRPr lang="en-US" dirty="0"/>
           </a:p>
         </p:txBody>
       </p:sp>
       <p:pic>
         <p:nvPicPr>
-          <p:cNvPr id="8" name="Imagem 7">
+          <p:cNvPr id="11" name="Imagem 10" descr="Tela de computador com texto preto sobre fundo branco&#10;&#10;Descrição gerada automaticamente">
             <a:extLst>
               <a:ext uri="{FF2B5EF4-FFF2-40B4-BE49-F238E27FC236}">
-                <a16:creationId xmlns:a16="http://schemas.microsoft.com/office/drawing/2014/main" id="{75DD36C1-CC42-4F02-A056-42D8A485ED2B}"/>
+                <a16:creationId xmlns:a16="http://schemas.microsoft.com/office/drawing/2014/main" id="{904314AC-224B-489B-99BB-C82300DC4711}"/>
               </a:ext>
             </a:extLst>
           </p:cNvPr>
@@ -10815,23 +11861,267 @@
         </p:blipFill>
         <p:spPr>
           <a:xfrm>
-            <a:off x="5139917" y="375992"/>
-            <a:ext cx="4655835" cy="6106016"/>
+            <a:off x="1032413" y="628650"/>
+            <a:ext cx="2697432" cy="5449360"/>
           </a:xfrm>
           <a:prstGeom prst="rect">
             <a:avLst/>
           </a:prstGeom>
         </p:spPr>
       </p:pic>
+      <p:sp>
+        <p:nvSpPr>
+          <p:cNvPr id="25" name="Rectangle 17">
+            <a:extLst>
+              <a:ext uri="{FF2B5EF4-FFF2-40B4-BE49-F238E27FC236}">
+                <a16:creationId xmlns:a16="http://schemas.microsoft.com/office/drawing/2014/main" id="{ADFE5C4E-0B5D-4AB5-9877-3993F84A3D4D}"/>
+              </a:ext>
+              <a:ext uri="{C183D7F6-B498-43B3-948B-1728B52AA6E4}">
+                <adec:decorative xmlns:adec="http://schemas.microsoft.com/office/drawing/2017/decorative" val="1"/>
+              </a:ext>
+            </a:extLst>
+          </p:cNvPr>
+          <p:cNvSpPr>
+            <a:spLocks noGrp="1" noRot="1" noChangeAspect="1" noMove="1" noResize="1" noEditPoints="1" noAdjustHandles="1" noChangeArrowheads="1" noChangeShapeType="1" noTextEdit="1"/>
+          </p:cNvSpPr>
+          <p:nvPr>
+            <p:extLst>
+              <p:ext uri="{386F3935-93C4-4BCD-93E2-E3B085C9AB24}">
+                <p16:designElem xmlns:p16="http://schemas.microsoft.com/office/powerpoint/2015/main" val="1"/>
+              </p:ext>
+            </p:extLst>
+          </p:nvPr>
+        </p:nvSpPr>
+        <p:spPr bwMode="ltGray">
+          <a:xfrm>
+            <a:off x="4811469" y="321733"/>
+            <a:ext cx="3375479" cy="3259667"/>
+          </a:xfrm>
+          <a:prstGeom prst="rect">
+            <a:avLst/>
+          </a:prstGeom>
+          <a:solidFill>
+            <a:srgbClr val="FFFFFF"/>
+          </a:solidFill>
+          <a:ln w="127000" cap="sq" cmpd="thinThick">
+            <a:solidFill>
+              <a:srgbClr val="FFFFFF"/>
+            </a:solidFill>
+          </a:ln>
+        </p:spPr>
+        <p:style>
+          <a:lnRef idx="2">
+            <a:schemeClr val="accent1">
+              <a:shade val="50000"/>
+            </a:schemeClr>
+          </a:lnRef>
+          <a:fillRef idx="1">
+            <a:schemeClr val="accent1"/>
+          </a:fillRef>
+          <a:effectRef idx="0">
+            <a:schemeClr val="accent1"/>
+          </a:effectRef>
+          <a:fontRef idx="minor">
+            <a:schemeClr val="lt1"/>
+          </a:fontRef>
+        </p:style>
+        <p:txBody>
+          <a:bodyPr rtlCol="0" anchor="ctr"/>
+          <a:lstStyle/>
+          <a:p>
+            <a:pPr algn="ctr"/>
+            <a:endParaRPr lang="en-US" dirty="0"/>
+          </a:p>
+        </p:txBody>
+      </p:sp>
+      <p:pic>
+        <p:nvPicPr>
+          <p:cNvPr id="10" name="Imagem 9" descr="Tela de celular com texto preto sobre fundo branco&#10;&#10;Descrição gerada automaticamente">
+            <a:extLst>
+              <a:ext uri="{FF2B5EF4-FFF2-40B4-BE49-F238E27FC236}">
+                <a16:creationId xmlns:a16="http://schemas.microsoft.com/office/drawing/2014/main" id="{1D47F859-C29B-4C27-8348-73BA8DFD8DB0}"/>
+              </a:ext>
+            </a:extLst>
+          </p:cNvPr>
+          <p:cNvPicPr>
+            <a:picLocks noChangeAspect="1"/>
+          </p:cNvPicPr>
+          <p:nvPr/>
+        </p:nvPicPr>
+        <p:blipFill>
+          <a:blip r:embed="rId3"/>
+          <a:stretch>
+            <a:fillRect/>
+          </a:stretch>
+        </p:blipFill>
+        <p:spPr>
+          <a:xfrm>
+            <a:off x="5156040" y="628649"/>
+            <a:ext cx="2672895" cy="2639484"/>
+          </a:xfrm>
+          <a:prstGeom prst="rect">
+            <a:avLst/>
+          </a:prstGeom>
+        </p:spPr>
+      </p:pic>
+      <p:sp>
+        <p:nvSpPr>
+          <p:cNvPr id="26" name="Rectangle 19">
+            <a:extLst>
+              <a:ext uri="{FF2B5EF4-FFF2-40B4-BE49-F238E27FC236}">
+                <a16:creationId xmlns:a16="http://schemas.microsoft.com/office/drawing/2014/main" id="{06048CCE-094B-4948-B61B-DE627F176712}"/>
+              </a:ext>
+              <a:ext uri="{C183D7F6-B498-43B3-948B-1728B52AA6E4}">
+                <adec:decorative xmlns:adec="http://schemas.microsoft.com/office/drawing/2017/decorative" val="1"/>
+              </a:ext>
+            </a:extLst>
+          </p:cNvPr>
+          <p:cNvSpPr>
+            <a:spLocks noGrp="1" noRot="1" noChangeAspect="1" noMove="1" noResize="1" noEditPoints="1" noAdjustHandles="1" noChangeArrowheads="1" noChangeShapeType="1" noTextEdit="1"/>
+          </p:cNvSpPr>
+          <p:nvPr>
+            <p:extLst>
+              <p:ext uri="{386F3935-93C4-4BCD-93E2-E3B085C9AB24}">
+                <p16:designElem xmlns:p16="http://schemas.microsoft.com/office/powerpoint/2015/main" val="1"/>
+              </p:ext>
+            </p:extLst>
+          </p:nvPr>
+        </p:nvSpPr>
+        <p:spPr bwMode="ltGray">
+          <a:xfrm>
+            <a:off x="8508682" y="321733"/>
+            <a:ext cx="3375478" cy="3259667"/>
+          </a:xfrm>
+          <a:prstGeom prst="rect">
+            <a:avLst/>
+          </a:prstGeom>
+          <a:solidFill>
+            <a:srgbClr val="FFFFFF"/>
+          </a:solidFill>
+          <a:ln w="127000" cap="sq" cmpd="thinThick">
+            <a:solidFill>
+              <a:srgbClr val="FFFFFF"/>
+            </a:solidFill>
+          </a:ln>
+        </p:spPr>
+        <p:style>
+          <a:lnRef idx="2">
+            <a:schemeClr val="accent1">
+              <a:shade val="50000"/>
+            </a:schemeClr>
+          </a:lnRef>
+          <a:fillRef idx="1">
+            <a:schemeClr val="accent1"/>
+          </a:fillRef>
+          <a:effectRef idx="0">
+            <a:schemeClr val="accent1"/>
+          </a:effectRef>
+          <a:fontRef idx="minor">
+            <a:schemeClr val="lt1"/>
+          </a:fontRef>
+        </p:style>
+        <p:txBody>
+          <a:bodyPr rtlCol="0" anchor="ctr"/>
+          <a:lstStyle/>
+          <a:p>
+            <a:pPr algn="ctr"/>
+            <a:endParaRPr lang="en-US" dirty="0"/>
+          </a:p>
+        </p:txBody>
+      </p:sp>
+      <p:pic>
+        <p:nvPicPr>
+          <p:cNvPr id="2" name="Imagem 1" descr="Tela de celular com texto preto sobre fundo branco&#10;&#10;Descrição gerada automaticamente">
+            <a:extLst>
+              <a:ext uri="{FF2B5EF4-FFF2-40B4-BE49-F238E27FC236}">
+                <a16:creationId xmlns:a16="http://schemas.microsoft.com/office/drawing/2014/main" id="{3BA61D95-6FEE-4E9F-8802-E7BBBFB13472}"/>
+              </a:ext>
+            </a:extLst>
+          </p:cNvPr>
+          <p:cNvPicPr>
+            <a:picLocks noChangeAspect="1"/>
+          </p:cNvPicPr>
+          <p:nvPr/>
+        </p:nvPicPr>
+        <p:blipFill>
+          <a:blip r:embed="rId4"/>
+          <a:stretch>
+            <a:fillRect/>
+          </a:stretch>
+        </p:blipFill>
+        <p:spPr>
+          <a:xfrm>
+            <a:off x="9162289" y="628649"/>
+            <a:ext cx="2111587" cy="2639484"/>
+          </a:xfrm>
+          <a:prstGeom prst="rect">
+            <a:avLst/>
+          </a:prstGeom>
+        </p:spPr>
+      </p:pic>
+      <p:cxnSp>
+        <p:nvCxnSpPr>
+          <p:cNvPr id="27" name="Straight Connector 21">
+            <a:extLst>
+              <a:ext uri="{FF2B5EF4-FFF2-40B4-BE49-F238E27FC236}">
+                <a16:creationId xmlns:a16="http://schemas.microsoft.com/office/drawing/2014/main" id="{5BB48934-4796-4249-B64C-EE2375977B5E}"/>
+              </a:ext>
+              <a:ext uri="{C183D7F6-B498-43B3-948B-1728B52AA6E4}">
+                <adec:decorative xmlns:adec="http://schemas.microsoft.com/office/drawing/2017/decorative" val="1"/>
+              </a:ext>
+            </a:extLst>
+          </p:cNvPr>
+          <p:cNvCxnSpPr>
+            <a:cxnSpLocks noGrp="1" noRot="1" noChangeAspect="1" noMove="1" noResize="1" noEditPoints="1" noAdjustHandles="1" noChangeArrowheads="1" noChangeShapeType="1"/>
+          </p:cNvCxnSpPr>
+          <p:nvPr>
+            <p:extLst>
+              <p:ext uri="{386F3935-93C4-4BCD-93E2-E3B085C9AB24}">
+                <p16:designElem xmlns:p16="http://schemas.microsoft.com/office/powerpoint/2015/main" val="1"/>
+              </p:ext>
+            </p:extLst>
+          </p:nvPr>
+        </p:nvCxnSpPr>
+        <p:spPr>
+          <a:xfrm>
+            <a:off x="5138287" y="5443086"/>
+            <a:ext cx="6400800" cy="0"/>
+          </a:xfrm>
+          <a:prstGeom prst="line">
+            <a:avLst/>
+          </a:prstGeom>
+          <a:ln w="22225">
+            <a:solidFill>
+              <a:schemeClr val="tx1">
+                <a:lumMod val="65000"/>
+              </a:schemeClr>
+            </a:solidFill>
+          </a:ln>
+        </p:spPr>
+        <p:style>
+          <a:lnRef idx="1">
+            <a:schemeClr val="accent1"/>
+          </a:lnRef>
+          <a:fillRef idx="0">
+            <a:schemeClr val="accent1"/>
+          </a:fillRef>
+          <a:effectRef idx="0">
+            <a:schemeClr val="accent1"/>
+          </a:effectRef>
+          <a:fontRef idx="minor">
+            <a:schemeClr val="tx1"/>
+          </a:fontRef>
+        </p:style>
+      </p:cxnSp>
     </p:spTree>
     <p:extLst>
       <p:ext uri="{BB962C8B-B14F-4D97-AF65-F5344CB8AC3E}">
-        <p14:creationId xmlns:p14="http://schemas.microsoft.com/office/powerpoint/2010/main" val="3199899830"/>
+        <p14:creationId xmlns:p14="http://schemas.microsoft.com/office/powerpoint/2010/main" val="2463256261"/>
       </p:ext>
     </p:extLst>
   </p:cSld>
   <p:clrMapOvr>
-    <a:masterClrMapping/>
+    <a:overrideClrMapping bg1="dk1" tx1="lt1" bg2="dk2" tx2="lt2" accent1="accent1" accent2="accent2" accent3="accent3" accent4="accent4" accent5="accent5" accent6="accent6" hlink="hlink" folHlink="folHlink"/>
   </p:clrMapOvr>
 </p:sld>
 </file>
@@ -10861,6 +12151,123 @@
           <a:chExt cx="0" cy="0"/>
         </a:xfrm>
       </p:grpSpPr>
+      <p:cxnSp>
+        <p:nvCxnSpPr>
+          <p:cNvPr id="13" name="Straight Connector 12">
+            <a:extLst>
+              <a:ext uri="{FF2B5EF4-FFF2-40B4-BE49-F238E27FC236}">
+                <a16:creationId xmlns:a16="http://schemas.microsoft.com/office/drawing/2014/main" id="{DB146403-F3D6-484B-B2ED-97F9565D0370}"/>
+              </a:ext>
+              <a:ext uri="{C183D7F6-B498-43B3-948B-1728B52AA6E4}">
+                <adec:decorative xmlns:adec="http://schemas.microsoft.com/office/drawing/2017/decorative" val="1"/>
+              </a:ext>
+            </a:extLst>
+          </p:cNvPr>
+          <p:cNvCxnSpPr>
+            <a:cxnSpLocks noGrp="1" noRot="1" noChangeAspect="1" noMove="1" noResize="1" noEditPoints="1" noAdjustHandles="1" noChangeArrowheads="1" noChangeShapeType="1"/>
+          </p:cNvCxnSpPr>
+          <p:nvPr>
+            <p:extLst>
+              <p:ext uri="{386F3935-93C4-4BCD-93E2-E3B085C9AB24}">
+                <p16:designElem xmlns:p16="http://schemas.microsoft.com/office/powerpoint/2015/main" val="1"/>
+              </p:ext>
+            </p:extLst>
+          </p:nvPr>
+        </p:nvCxnSpPr>
+        <p:spPr>
+          <a:xfrm>
+            <a:off x="6096000" y="477749"/>
+            <a:ext cx="0" cy="3657600"/>
+          </a:xfrm>
+          <a:prstGeom prst="line">
+            <a:avLst/>
+          </a:prstGeom>
+          <a:ln w="101600" cmpd="dbl">
+            <a:solidFill>
+              <a:srgbClr val="595959"/>
+            </a:solidFill>
+          </a:ln>
+        </p:spPr>
+        <p:style>
+          <a:lnRef idx="1">
+            <a:schemeClr val="accent1"/>
+          </a:lnRef>
+          <a:fillRef idx="0">
+            <a:schemeClr val="accent1"/>
+          </a:fillRef>
+          <a:effectRef idx="0">
+            <a:schemeClr val="accent1"/>
+          </a:effectRef>
+          <a:fontRef idx="minor">
+            <a:schemeClr val="tx1"/>
+          </a:fontRef>
+        </p:style>
+      </p:cxnSp>
+      <p:sp>
+        <p:nvSpPr>
+          <p:cNvPr id="15" name="Rectangle 14">
+            <a:extLst>
+              <a:ext uri="{FF2B5EF4-FFF2-40B4-BE49-F238E27FC236}">
+                <a16:creationId xmlns:a16="http://schemas.microsoft.com/office/drawing/2014/main" id="{823AC064-BC96-4F32-8AE1-B2FD38754823}"/>
+              </a:ext>
+              <a:ext uri="{C183D7F6-B498-43B3-948B-1728B52AA6E4}">
+                <adec:decorative xmlns:adec="http://schemas.microsoft.com/office/drawing/2017/decorative" val="1"/>
+              </a:ext>
+            </a:extLst>
+          </p:cNvPr>
+          <p:cNvSpPr>
+            <a:spLocks noGrp="1" noRot="1" noChangeAspect="1" noMove="1" noResize="1" noEditPoints="1" noAdjustHandles="1" noChangeArrowheads="1" noChangeShapeType="1" noTextEdit="1"/>
+          </p:cNvSpPr>
+          <p:nvPr>
+            <p:extLst>
+              <p:ext uri="{386F3935-93C4-4BCD-93E2-E3B085C9AB24}">
+                <p16:designElem xmlns:p16="http://schemas.microsoft.com/office/powerpoint/2015/main" val="1"/>
+              </p:ext>
+            </p:extLst>
+          </p:nvPr>
+        </p:nvSpPr>
+        <p:spPr bwMode="ltGray">
+          <a:xfrm>
+            <a:off x="378068" y="4633546"/>
+            <a:ext cx="11438793" cy="1844256"/>
+          </a:xfrm>
+          <a:prstGeom prst="rect">
+            <a:avLst/>
+          </a:prstGeom>
+          <a:solidFill>
+            <a:srgbClr val="404040"/>
+          </a:solidFill>
+          <a:ln w="127000" cap="sq" cmpd="thinThick">
+            <a:solidFill>
+              <a:srgbClr val="404040"/>
+            </a:solidFill>
+          </a:ln>
+        </p:spPr>
+        <p:style>
+          <a:lnRef idx="2">
+            <a:schemeClr val="accent1">
+              <a:shade val="50000"/>
+            </a:schemeClr>
+          </a:lnRef>
+          <a:fillRef idx="1">
+            <a:schemeClr val="accent1"/>
+          </a:fillRef>
+          <a:effectRef idx="0">
+            <a:schemeClr val="accent1"/>
+          </a:effectRef>
+          <a:fontRef idx="minor">
+            <a:schemeClr val="lt1"/>
+          </a:fontRef>
+        </p:style>
+        <p:txBody>
+          <a:bodyPr rtlCol="0" anchor="ctr"/>
+          <a:lstStyle/>
+          <a:p>
+            <a:pPr algn="ctr"/>
+            <a:endParaRPr lang="en-US"/>
+          </a:p>
+        </p:txBody>
+      </p:sp>
       <p:sp>
         <p:nvSpPr>
           <p:cNvPr id="5" name="CaixaDeTexto 4">
@@ -10875,29 +12282,15 @@
         </p:nvSpPr>
         <p:spPr>
           <a:xfrm>
-            <a:off x="640080" y="2074363"/>
-            <a:ext cx="2752354" cy="2709275"/>
+            <a:off x="527538" y="4756638"/>
+            <a:ext cx="11139854" cy="930447"/>
           </a:xfrm>
           <a:prstGeom prst="ellipse">
             <a:avLst/>
           </a:prstGeom>
-          <a:solidFill>
-            <a:schemeClr val="tx1">
-              <a:lumMod val="85000"/>
-              <a:lumOff val="15000"/>
-            </a:schemeClr>
-          </a:solidFill>
-          <a:ln w="174625" cmpd="thinThick">
-            <a:solidFill>
-              <a:schemeClr val="tx1">
-                <a:lumMod val="85000"/>
-                <a:lumOff val="15000"/>
-              </a:schemeClr>
-            </a:solidFill>
-          </a:ln>
-        </p:spPr>
-        <p:txBody>
-          <a:bodyPr vert="horz" lIns="91440" tIns="45720" rIns="91440" bIns="45720" rtlCol="0" anchor="ctr">
+        </p:spPr>
+        <p:txBody>
+          <a:bodyPr vert="horz" lIns="91440" tIns="45720" rIns="91440" bIns="45720" rtlCol="0" anchor="b">
             <a:normAutofit/>
           </a:bodyPr>
           <a:lstStyle/>
@@ -10914,33 +12307,25 @@
               </a:spcAft>
             </a:pPr>
             <a:r>
-              <a:rPr lang="en-US" sz="2600" kern="1200">
+              <a:rPr lang="en-US" sz="3800">
                 <a:solidFill>
-                  <a:schemeClr val="bg1"/>
+                  <a:srgbClr val="FFFFFF"/>
                 </a:solidFill>
                 <a:latin typeface="+mj-lt"/>
                 <a:ea typeface="+mj-ea"/>
                 <a:cs typeface="+mj-cs"/>
               </a:rPr>
-              <a:t>Aluno</a:t>
-            </a:r>
-            <a:endParaRPr lang="en-US" sz="2600" kern="1200" dirty="0">
-              <a:solidFill>
-                <a:schemeClr val="bg1"/>
-              </a:solidFill>
-              <a:latin typeface="+mj-lt"/>
-              <a:ea typeface="+mj-ea"/>
-              <a:cs typeface="+mj-cs"/>
-            </a:endParaRPr>
+              <a:t>DadosLogin</a:t>
+            </a:r>
           </a:p>
         </p:txBody>
       </p:sp>
       <p:pic>
         <p:nvPicPr>
-          <p:cNvPr id="4" name="Imagem 3">
+          <p:cNvPr id="8" name="Imagem 7">
             <a:extLst>
               <a:ext uri="{FF2B5EF4-FFF2-40B4-BE49-F238E27FC236}">
-                <a16:creationId xmlns:a16="http://schemas.microsoft.com/office/drawing/2014/main" id="{AED311C9-6A27-4F13-BC78-AA1704C2A69B}"/>
+                <a16:creationId xmlns:a16="http://schemas.microsoft.com/office/drawing/2014/main" id="{75DD36C1-CC42-4F02-A056-42D8A485ED2B}"/>
               </a:ext>
             </a:extLst>
           </p:cNvPr>
@@ -10957,18 +12342,100 @@
         </p:blipFill>
         <p:spPr>
           <a:xfrm>
-            <a:off x="4250090" y="961812"/>
-            <a:ext cx="6765218" cy="4930987"/>
+            <a:off x="1523900" y="307731"/>
+            <a:ext cx="3048197" cy="3997637"/>
           </a:xfrm>
           <a:prstGeom prst="rect">
             <a:avLst/>
           </a:prstGeom>
         </p:spPr>
       </p:pic>
+      <p:pic>
+        <p:nvPicPr>
+          <p:cNvPr id="2" name="Imagem 1">
+            <a:extLst>
+              <a:ext uri="{FF2B5EF4-FFF2-40B4-BE49-F238E27FC236}">
+                <a16:creationId xmlns:a16="http://schemas.microsoft.com/office/drawing/2014/main" id="{372D1919-565A-49B9-AA2E-FCCE7C0A3C21}"/>
+              </a:ext>
+            </a:extLst>
+          </p:cNvPr>
+          <p:cNvPicPr>
+            <a:picLocks noChangeAspect="1"/>
+          </p:cNvPicPr>
+          <p:nvPr/>
+        </p:nvPicPr>
+        <p:blipFill>
+          <a:blip r:embed="rId3"/>
+          <a:stretch>
+            <a:fillRect/>
+          </a:stretch>
+        </p:blipFill>
+        <p:spPr>
+          <a:xfrm>
+            <a:off x="6416043" y="862336"/>
+            <a:ext cx="5455917" cy="2888426"/>
+          </a:xfrm>
+          <a:prstGeom prst="rect">
+            <a:avLst/>
+          </a:prstGeom>
+        </p:spPr>
+      </p:pic>
+      <p:cxnSp>
+        <p:nvCxnSpPr>
+          <p:cNvPr id="17" name="Straight Connector 16">
+            <a:extLst>
+              <a:ext uri="{FF2B5EF4-FFF2-40B4-BE49-F238E27FC236}">
+                <a16:creationId xmlns:a16="http://schemas.microsoft.com/office/drawing/2014/main" id="{7E7C77BC-7138-40B1-A15B-20F57A494629}"/>
+              </a:ext>
+              <a:ext uri="{C183D7F6-B498-43B3-948B-1728B52AA6E4}">
+                <adec:decorative xmlns:adec="http://schemas.microsoft.com/office/drawing/2017/decorative" val="1"/>
+              </a:ext>
+            </a:extLst>
+          </p:cNvPr>
+          <p:cNvCxnSpPr>
+            <a:cxnSpLocks noGrp="1" noRot="1" noChangeAspect="1" noMove="1" noResize="1" noEditPoints="1" noAdjustHandles="1" noChangeArrowheads="1" noChangeShapeType="1"/>
+          </p:cNvCxnSpPr>
+          <p:nvPr>
+            <p:extLst>
+              <p:ext uri="{386F3935-93C4-4BCD-93E2-E3B085C9AB24}">
+                <p16:designElem xmlns:p16="http://schemas.microsoft.com/office/powerpoint/2015/main" val="1"/>
+              </p:ext>
+            </p:extLst>
+          </p:nvPr>
+        </p:nvCxnSpPr>
+        <p:spPr>
+          <a:xfrm>
+            <a:off x="2209800" y="5738691"/>
+            <a:ext cx="7772400" cy="0"/>
+          </a:xfrm>
+          <a:prstGeom prst="line">
+            <a:avLst/>
+          </a:prstGeom>
+          <a:ln w="22225">
+            <a:solidFill>
+              <a:srgbClr val="D9D9D9"/>
+            </a:solidFill>
+          </a:ln>
+        </p:spPr>
+        <p:style>
+          <a:lnRef idx="1">
+            <a:schemeClr val="accent1"/>
+          </a:lnRef>
+          <a:fillRef idx="0">
+            <a:schemeClr val="accent1"/>
+          </a:fillRef>
+          <a:effectRef idx="0">
+            <a:schemeClr val="accent1"/>
+          </a:effectRef>
+          <a:fontRef idx="minor">
+            <a:schemeClr val="tx1"/>
+          </a:fontRef>
+        </p:style>
+      </p:cxnSp>
     </p:spTree>
     <p:extLst>
       <p:ext uri="{BB962C8B-B14F-4D97-AF65-F5344CB8AC3E}">
-        <p14:creationId xmlns:p14="http://schemas.microsoft.com/office/powerpoint/2010/main" val="1569150416"/>
+        <p14:creationId xmlns:p14="http://schemas.microsoft.com/office/powerpoint/2010/main" val="3199899830"/>
       </p:ext>
     </p:extLst>
   </p:cSld>
@@ -11005,10 +12472,10 @@
       </p:grpSpPr>
       <p:sp>
         <p:nvSpPr>
-          <p:cNvPr id="3" name="CaixaDeTexto 2">
+          <p:cNvPr id="5" name="CaixaDeTexto 4">
             <a:extLst>
               <a:ext uri="{FF2B5EF4-FFF2-40B4-BE49-F238E27FC236}">
-                <a16:creationId xmlns:a16="http://schemas.microsoft.com/office/drawing/2014/main" id="{411D0817-95CE-486B-A250-B4490619A0E6}"/>
+                <a16:creationId xmlns:a16="http://schemas.microsoft.com/office/drawing/2014/main" id="{655F36D6-C3B9-4CC5-8B82-E32A2732653D}"/>
               </a:ext>
             </a:extLst>
           </p:cNvPr>
@@ -11056,7 +12523,7 @@
               </a:spcAft>
             </a:pPr>
             <a:r>
-              <a:rPr lang="en-US" sz="2600" kern="1200" dirty="0">
+              <a:rPr lang="en-US" sz="2600" kern="1200">
                 <a:solidFill>
                   <a:schemeClr val="bg1"/>
                 </a:solidFill>
@@ -11064,17 +12531,25 @@
                 <a:ea typeface="+mj-ea"/>
                 <a:cs typeface="+mj-cs"/>
               </a:rPr>
-              <a:t>CADI</a:t>
-            </a:r>
+              <a:t>Aluno</a:t>
+            </a:r>
+            <a:endParaRPr lang="en-US" sz="2600" kern="1200" dirty="0">
+              <a:solidFill>
+                <a:schemeClr val="bg1"/>
+              </a:solidFill>
+              <a:latin typeface="+mj-lt"/>
+              <a:ea typeface="+mj-ea"/>
+              <a:cs typeface="+mj-cs"/>
+            </a:endParaRPr>
           </a:p>
         </p:txBody>
       </p:sp>
       <p:pic>
         <p:nvPicPr>
-          <p:cNvPr id="2" name="Imagem 1">
+          <p:cNvPr id="4" name="Imagem 3">
             <a:extLst>
               <a:ext uri="{FF2B5EF4-FFF2-40B4-BE49-F238E27FC236}">
-                <a16:creationId xmlns:a16="http://schemas.microsoft.com/office/drawing/2014/main" id="{1596D68A-5853-4FDC-87D9-DEC2E0662B56}"/>
+                <a16:creationId xmlns:a16="http://schemas.microsoft.com/office/drawing/2014/main" id="{AED311C9-6A27-4F13-BC78-AA1704C2A69B}"/>
               </a:ext>
             </a:extLst>
           </p:cNvPr>
@@ -11091,8 +12566,38 @@
         </p:blipFill>
         <p:spPr>
           <a:xfrm>
-            <a:off x="4038600" y="1429788"/>
-            <a:ext cx="7188199" cy="3995034"/>
+            <a:off x="3703680" y="1162534"/>
+            <a:ext cx="5559614" cy="4167749"/>
+          </a:xfrm>
+          <a:prstGeom prst="rect">
+            <a:avLst/>
+          </a:prstGeom>
+        </p:spPr>
+      </p:pic>
+      <p:pic>
+        <p:nvPicPr>
+          <p:cNvPr id="2" name="Imagem 1">
+            <a:extLst>
+              <a:ext uri="{FF2B5EF4-FFF2-40B4-BE49-F238E27FC236}">
+                <a16:creationId xmlns:a16="http://schemas.microsoft.com/office/drawing/2014/main" id="{B013E013-1ED4-4E1B-A6AD-A99B75B3EB1B}"/>
+              </a:ext>
+            </a:extLst>
+          </p:cNvPr>
+          <p:cNvPicPr>
+            <a:picLocks noChangeAspect="1"/>
+          </p:cNvPicPr>
+          <p:nvPr/>
+        </p:nvPicPr>
+        <p:blipFill>
+          <a:blip r:embed="rId3"/>
+          <a:stretch>
+            <a:fillRect/>
+          </a:stretch>
+        </p:blipFill>
+        <p:spPr>
+          <a:xfrm>
+            <a:off x="8798019" y="2436783"/>
+            <a:ext cx="2333625" cy="809625"/>
           </a:xfrm>
           <a:prstGeom prst="rect">
             <a:avLst/>
@@ -11102,7 +12607,7 @@
     </p:spTree>
     <p:extLst>
       <p:ext uri="{BB962C8B-B14F-4D97-AF65-F5344CB8AC3E}">
-        <p14:creationId xmlns:p14="http://schemas.microsoft.com/office/powerpoint/2010/main" val="1044510344"/>
+        <p14:creationId xmlns:p14="http://schemas.microsoft.com/office/powerpoint/2010/main" val="1569150416"/>
       </p:ext>
     </p:extLst>
   </p:cSld>
@@ -11141,7 +12646,7 @@
       </p:grpSpPr>
       <p:sp>
         <p:nvSpPr>
-          <p:cNvPr id="14" name="Rectangle 16">
+          <p:cNvPr id="8" name="Rectangle 7">
             <a:extLst>
               <a:ext uri="{FF2B5EF4-FFF2-40B4-BE49-F238E27FC236}">
                 <a16:creationId xmlns:a16="http://schemas.microsoft.com/office/drawing/2014/main" id="{23207CC6-EAA1-4BFF-A48A-DECAD8972717}"/>
@@ -11206,7 +12711,7 @@
       </p:sp>
       <p:sp>
         <p:nvSpPr>
-          <p:cNvPr id="15" name="Freeform 3">
+          <p:cNvPr id="10" name="Freeform 3">
             <a:extLst>
               <a:ext uri="{FF2B5EF4-FFF2-40B4-BE49-F238E27FC236}">
                 <a16:creationId xmlns:a16="http://schemas.microsoft.com/office/drawing/2014/main" id="{B234A3DD-923D-4166-8B19-7DD589908C68}"/>
@@ -11348,7 +12853,7 @@
       </p:sp>
       <p:sp>
         <p:nvSpPr>
-          <p:cNvPr id="16" name="Freeform 16">
+          <p:cNvPr id="12" name="Freeform 16">
             <a:extLst>
               <a:ext uri="{FF2B5EF4-FFF2-40B4-BE49-F238E27FC236}">
                 <a16:creationId xmlns:a16="http://schemas.microsoft.com/office/drawing/2014/main" id="{F6ACA5AC-3C5D-4994-B40F-FC8349E4D6F4}"/>
@@ -11527,8 +13032,8 @@
           <a:p>
             <a:pPr algn="l"/>
             <a:r>
-              <a:rPr lang="pt-BR" sz="5400"/>
-              <a:t>Requisitos Funcionais</a:t>
+              <a:rPr lang="pt-BR" sz="5400" dirty="0"/>
+              <a:t>Estórias</a:t>
             </a:r>
           </a:p>
         </p:txBody>
@@ -11566,7 +13071,7 @@
     </p:spTree>
     <p:extLst>
       <p:ext uri="{BB962C8B-B14F-4D97-AF65-F5344CB8AC3E}">
-        <p14:creationId xmlns:p14="http://schemas.microsoft.com/office/powerpoint/2010/main" val="1982178953"/>
+        <p14:creationId xmlns:p14="http://schemas.microsoft.com/office/powerpoint/2010/main" val="666335851"/>
       </p:ext>
     </p:extLst>
   </p:cSld>
@@ -11603,6 +13108,100 @@
       </p:grpSpPr>
       <p:sp>
         <p:nvSpPr>
+          <p:cNvPr id="9" name="Rectangle 8">
+            <a:extLst>
+              <a:ext uri="{FF2B5EF4-FFF2-40B4-BE49-F238E27FC236}">
+                <a16:creationId xmlns:a16="http://schemas.microsoft.com/office/drawing/2014/main" id="{0700D48D-C9AA-4000-A912-29A4FEA98A9F}"/>
+              </a:ext>
+              <a:ext uri="{C183D7F6-B498-43B3-948B-1728B52AA6E4}">
+                <adec:decorative xmlns:adec="http://schemas.microsoft.com/office/drawing/2017/decorative" val="1"/>
+              </a:ext>
+            </a:extLst>
+          </p:cNvPr>
+          <p:cNvSpPr>
+            <a:spLocks noGrp="1" noRot="1" noChangeAspect="1" noMove="1" noResize="1" noEditPoints="1" noAdjustHandles="1" noChangeArrowheads="1" noChangeShapeType="1" noTextEdit="1"/>
+          </p:cNvSpPr>
+          <p:nvPr>
+            <p:extLst>
+              <p:ext uri="{386F3935-93C4-4BCD-93E2-E3B085C9AB24}">
+                <p16:designElem xmlns:p16="http://schemas.microsoft.com/office/powerpoint/2015/main" val="1"/>
+              </p:ext>
+            </p:extLst>
+          </p:nvPr>
+        </p:nvSpPr>
+        <p:spPr bwMode="ltGray">
+          <a:xfrm>
+            <a:off x="375138" y="394887"/>
+            <a:ext cx="5720862" cy="6068226"/>
+          </a:xfrm>
+          <a:prstGeom prst="rect">
+            <a:avLst/>
+          </a:prstGeom>
+          <a:solidFill>
+            <a:srgbClr val="404040"/>
+          </a:solidFill>
+          <a:ln w="127000" cap="sq" cmpd="thinThick">
+            <a:solidFill>
+              <a:srgbClr val="404040"/>
+            </a:solidFill>
+          </a:ln>
+        </p:spPr>
+        <p:style>
+          <a:lnRef idx="2">
+            <a:schemeClr val="accent1">
+              <a:shade val="50000"/>
+            </a:schemeClr>
+          </a:lnRef>
+          <a:fillRef idx="1">
+            <a:schemeClr val="accent1"/>
+          </a:fillRef>
+          <a:effectRef idx="0">
+            <a:schemeClr val="accent1"/>
+          </a:effectRef>
+          <a:fontRef idx="minor">
+            <a:schemeClr val="lt1"/>
+          </a:fontRef>
+        </p:style>
+        <p:txBody>
+          <a:bodyPr rtlCol="0" anchor="ctr"/>
+          <a:lstStyle/>
+          <a:p>
+            <a:pPr marL="0" marR="0" lvl="0" indent="0" algn="ctr" defTabSz="914400" rtl="0" eaLnBrk="1" fontAlgn="auto" latinLnBrk="0" hangingPunct="1">
+              <a:lnSpc>
+                <a:spcPct val="100000"/>
+              </a:lnSpc>
+              <a:spcBef>
+                <a:spcPts val="0"/>
+              </a:spcBef>
+              <a:spcAft>
+                <a:spcPts val="0"/>
+              </a:spcAft>
+              <a:buClrTx/>
+              <a:buSzTx/>
+              <a:buFontTx/>
+              <a:buNone/>
+              <a:tabLst/>
+              <a:defRPr/>
+            </a:pPr>
+            <a:endParaRPr kumimoji="0" lang="en-US" sz="1800" b="0" i="0" u="none" strike="noStrike" kern="1200" cap="none" spc="0" normalizeH="0" baseline="0" noProof="0">
+              <a:ln>
+                <a:noFill/>
+              </a:ln>
+              <a:solidFill>
+                <a:prstClr val="white"/>
+              </a:solidFill>
+              <a:effectLst/>
+              <a:uLnTx/>
+              <a:uFillTx/>
+              <a:latin typeface="Calibri" panose="020F0502020204030204"/>
+              <a:ea typeface="+mn-ea"/>
+              <a:cs typeface="+mn-cs"/>
+            </a:endParaRPr>
+          </a:p>
+        </p:txBody>
+      </p:sp>
+      <p:sp>
+        <p:nvSpPr>
           <p:cNvPr id="3" name="CaixaDeTexto 2">
             <a:extLst>
               <a:ext uri="{FF2B5EF4-FFF2-40B4-BE49-F238E27FC236}">
@@ -11615,34 +13214,20 @@
         </p:nvSpPr>
         <p:spPr>
           <a:xfrm>
-            <a:off x="640080" y="2074363"/>
-            <a:ext cx="2752354" cy="2709275"/>
+            <a:off x="1018604" y="1053042"/>
+            <a:ext cx="4458424" cy="3068357"/>
           </a:xfrm>
           <a:prstGeom prst="ellipse">
             <a:avLst/>
           </a:prstGeom>
-          <a:solidFill>
-            <a:schemeClr val="tx1">
-              <a:lumMod val="85000"/>
-              <a:lumOff val="15000"/>
-            </a:schemeClr>
-          </a:solidFill>
-          <a:ln w="174625" cmpd="thinThick">
-            <a:solidFill>
-              <a:schemeClr val="tx1">
-                <a:lumMod val="85000"/>
-                <a:lumOff val="15000"/>
-              </a:schemeClr>
-            </a:solidFill>
-          </a:ln>
-        </p:spPr>
-        <p:txBody>
-          <a:bodyPr vert="horz" lIns="91440" tIns="45720" rIns="91440" bIns="45720" rtlCol="0" anchor="ctr">
+        </p:spPr>
+        <p:txBody>
+          <a:bodyPr vert="horz" lIns="91440" tIns="45720" rIns="91440" bIns="45720" rtlCol="0" anchor="b">
             <a:normAutofit/>
           </a:bodyPr>
           <a:lstStyle/>
           <a:p>
-            <a:pPr algn="ctr">
+            <a:pPr>
               <a:lnSpc>
                 <a:spcPct val="90000"/>
               </a:lnSpc>
@@ -11654,15 +13239,15 @@
               </a:spcAft>
             </a:pPr>
             <a:r>
-              <a:rPr lang="en-US" sz="2600" kern="1200" dirty="0">
+              <a:rPr lang="en-US" sz="6000">
                 <a:solidFill>
-                  <a:schemeClr val="bg1"/>
+                  <a:srgbClr val="FFFFFF"/>
                 </a:solidFill>
                 <a:latin typeface="+mj-lt"/>
                 <a:ea typeface="+mj-ea"/>
                 <a:cs typeface="+mj-cs"/>
               </a:rPr>
-              <a:t>Professor</a:t>
+              <a:t>CADI</a:t>
             </a:r>
           </a:p>
         </p:txBody>
@@ -11672,7 +13257,7 @@
           <p:cNvPr id="4" name="Imagem 3">
             <a:extLst>
               <a:ext uri="{FF2B5EF4-FFF2-40B4-BE49-F238E27FC236}">
-                <a16:creationId xmlns:a16="http://schemas.microsoft.com/office/drawing/2014/main" id="{FDE4D485-1DD5-4003-A493-55414D440EC7}"/>
+                <a16:creationId xmlns:a16="http://schemas.microsoft.com/office/drawing/2014/main" id="{74C5986F-4F6D-425C-A065-3B707A515C6D}"/>
               </a:ext>
             </a:extLst>
           </p:cNvPr>
@@ -11689,8 +13274,142 @@
         </p:blipFill>
         <p:spPr>
           <a:xfrm>
-            <a:off x="4116476" y="961812"/>
-            <a:ext cx="7032447" cy="4930987"/>
+            <a:off x="6479229" y="561065"/>
+            <a:ext cx="5390093" cy="2306871"/>
+          </a:xfrm>
+          <a:prstGeom prst="rect">
+            <a:avLst/>
+          </a:prstGeom>
+        </p:spPr>
+      </p:pic>
+      <p:cxnSp>
+        <p:nvCxnSpPr>
+          <p:cNvPr id="11" name="Straight Connector 10">
+            <a:extLst>
+              <a:ext uri="{FF2B5EF4-FFF2-40B4-BE49-F238E27FC236}">
+                <a16:creationId xmlns:a16="http://schemas.microsoft.com/office/drawing/2014/main" id="{805E69BC-D844-4AB5-9E35-ED458EE29655}"/>
+              </a:ext>
+              <a:ext uri="{C183D7F6-B498-43B3-948B-1728B52AA6E4}">
+                <adec:decorative xmlns:adec="http://schemas.microsoft.com/office/drawing/2017/decorative" val="1"/>
+              </a:ext>
+            </a:extLst>
+          </p:cNvPr>
+          <p:cNvCxnSpPr>
+            <a:cxnSpLocks noGrp="1" noRot="1" noChangeAspect="1" noMove="1" noResize="1" noEditPoints="1" noAdjustHandles="1" noChangeArrowheads="1" noChangeShapeType="1"/>
+          </p:cNvCxnSpPr>
+          <p:nvPr>
+            <p:extLst>
+              <p:ext uri="{386F3935-93C4-4BCD-93E2-E3B085C9AB24}">
+                <p16:designElem xmlns:p16="http://schemas.microsoft.com/office/powerpoint/2015/main" val="1"/>
+              </p:ext>
+            </p:extLst>
+          </p:nvPr>
+        </p:nvCxnSpPr>
+        <p:spPr>
+          <a:xfrm rot="16200000">
+            <a:off x="9184178" y="1874520"/>
+            <a:ext cx="0" cy="3108960"/>
+          </a:xfrm>
+          <a:prstGeom prst="line">
+            <a:avLst/>
+          </a:prstGeom>
+          <a:ln w="101600" cmpd="dbl">
+            <a:solidFill>
+              <a:srgbClr val="595959"/>
+            </a:solidFill>
+          </a:ln>
+        </p:spPr>
+        <p:style>
+          <a:lnRef idx="1">
+            <a:schemeClr val="accent1"/>
+          </a:lnRef>
+          <a:fillRef idx="0">
+            <a:schemeClr val="accent1"/>
+          </a:fillRef>
+          <a:effectRef idx="0">
+            <a:schemeClr val="accent1"/>
+          </a:effectRef>
+          <a:fontRef idx="minor">
+            <a:schemeClr val="tx1"/>
+          </a:fontRef>
+        </p:style>
+      </p:cxnSp>
+      <p:cxnSp>
+        <p:nvCxnSpPr>
+          <p:cNvPr id="13" name="Straight Connector 12">
+            <a:extLst>
+              <a:ext uri="{FF2B5EF4-FFF2-40B4-BE49-F238E27FC236}">
+                <a16:creationId xmlns:a16="http://schemas.microsoft.com/office/drawing/2014/main" id="{4312C673-8179-457E-AD2A-D1FAE4CC961A}"/>
+              </a:ext>
+              <a:ext uri="{C183D7F6-B498-43B3-948B-1728B52AA6E4}">
+                <adec:decorative xmlns:adec="http://schemas.microsoft.com/office/drawing/2017/decorative" val="1"/>
+              </a:ext>
+            </a:extLst>
+          </p:cNvPr>
+          <p:cNvCxnSpPr>
+            <a:cxnSpLocks noGrp="1" noRot="1" noChangeAspect="1" noMove="1" noResize="1" noEditPoints="1" noAdjustHandles="1" noChangeArrowheads="1" noChangeShapeType="1"/>
+          </p:cNvCxnSpPr>
+          <p:nvPr>
+            <p:extLst>
+              <p:ext uri="{386F3935-93C4-4BCD-93E2-E3B085C9AB24}">
+                <p16:designElem xmlns:p16="http://schemas.microsoft.com/office/powerpoint/2015/main" val="1"/>
+              </p:ext>
+            </p:extLst>
+          </p:nvPr>
+        </p:nvCxnSpPr>
+        <p:spPr>
+          <a:xfrm>
+            <a:off x="1114009" y="4201833"/>
+            <a:ext cx="3400425" cy="0"/>
+          </a:xfrm>
+          <a:prstGeom prst="line">
+            <a:avLst/>
+          </a:prstGeom>
+          <a:ln w="22225">
+            <a:solidFill>
+              <a:srgbClr val="D9D9D9"/>
+            </a:solidFill>
+          </a:ln>
+        </p:spPr>
+        <p:style>
+          <a:lnRef idx="1">
+            <a:schemeClr val="accent1"/>
+          </a:lnRef>
+          <a:fillRef idx="0">
+            <a:schemeClr val="accent1"/>
+          </a:fillRef>
+          <a:effectRef idx="0">
+            <a:schemeClr val="accent1"/>
+          </a:effectRef>
+          <a:fontRef idx="minor">
+            <a:schemeClr val="tx1"/>
+          </a:fontRef>
+        </p:style>
+      </p:cxnSp>
+      <p:pic>
+        <p:nvPicPr>
+          <p:cNvPr id="2" name="Imagem 1">
+            <a:extLst>
+              <a:ext uri="{FF2B5EF4-FFF2-40B4-BE49-F238E27FC236}">
+                <a16:creationId xmlns:a16="http://schemas.microsoft.com/office/drawing/2014/main" id="{1596D68A-5853-4FDC-87D9-DEC2E0662B56}"/>
+              </a:ext>
+            </a:extLst>
+          </p:cNvPr>
+          <p:cNvPicPr>
+            <a:picLocks noChangeAspect="1"/>
+          </p:cNvPicPr>
+          <p:nvPr/>
+        </p:nvPicPr>
+        <p:blipFill>
+          <a:blip r:embed="rId3"/>
+          <a:stretch>
+            <a:fillRect/>
+          </a:stretch>
+        </p:blipFill>
+        <p:spPr>
+          <a:xfrm>
+            <a:off x="6659951" y="3750733"/>
+            <a:ext cx="5028649" cy="2794807"/>
           </a:xfrm>
           <a:prstGeom prst="rect">
             <a:avLst/>
@@ -11700,7 +13419,7 @@
     </p:spTree>
     <p:extLst>
       <p:ext uri="{BB962C8B-B14F-4D97-AF65-F5344CB8AC3E}">
-        <p14:creationId xmlns:p14="http://schemas.microsoft.com/office/powerpoint/2010/main" val="725012413"/>
+        <p14:creationId xmlns:p14="http://schemas.microsoft.com/office/powerpoint/2010/main" val="1044510344"/>
       </p:ext>
     </p:extLst>
   </p:cSld>
@@ -11737,6 +13456,100 @@
       </p:grpSpPr>
       <p:sp>
         <p:nvSpPr>
+          <p:cNvPr id="9" name="Rectangle 8">
+            <a:extLst>
+              <a:ext uri="{FF2B5EF4-FFF2-40B4-BE49-F238E27FC236}">
+                <a16:creationId xmlns:a16="http://schemas.microsoft.com/office/drawing/2014/main" id="{0700D48D-C9AA-4000-A912-29A4FEA98A9F}"/>
+              </a:ext>
+              <a:ext uri="{C183D7F6-B498-43B3-948B-1728B52AA6E4}">
+                <adec:decorative xmlns:adec="http://schemas.microsoft.com/office/drawing/2017/decorative" val="1"/>
+              </a:ext>
+            </a:extLst>
+          </p:cNvPr>
+          <p:cNvSpPr>
+            <a:spLocks noGrp="1" noRot="1" noChangeAspect="1" noMove="1" noResize="1" noEditPoints="1" noAdjustHandles="1" noChangeArrowheads="1" noChangeShapeType="1" noTextEdit="1"/>
+          </p:cNvSpPr>
+          <p:nvPr>
+            <p:extLst>
+              <p:ext uri="{386F3935-93C4-4BCD-93E2-E3B085C9AB24}">
+                <p16:designElem xmlns:p16="http://schemas.microsoft.com/office/powerpoint/2015/main" val="1"/>
+              </p:ext>
+            </p:extLst>
+          </p:nvPr>
+        </p:nvSpPr>
+        <p:spPr bwMode="ltGray">
+          <a:xfrm>
+            <a:off x="375138" y="394887"/>
+            <a:ext cx="5720862" cy="6068226"/>
+          </a:xfrm>
+          <a:prstGeom prst="rect">
+            <a:avLst/>
+          </a:prstGeom>
+          <a:solidFill>
+            <a:srgbClr val="404040"/>
+          </a:solidFill>
+          <a:ln w="127000" cap="sq" cmpd="thinThick">
+            <a:solidFill>
+              <a:srgbClr val="404040"/>
+            </a:solidFill>
+          </a:ln>
+        </p:spPr>
+        <p:style>
+          <a:lnRef idx="2">
+            <a:schemeClr val="accent1">
+              <a:shade val="50000"/>
+            </a:schemeClr>
+          </a:lnRef>
+          <a:fillRef idx="1">
+            <a:schemeClr val="accent1"/>
+          </a:fillRef>
+          <a:effectRef idx="0">
+            <a:schemeClr val="accent1"/>
+          </a:effectRef>
+          <a:fontRef idx="minor">
+            <a:schemeClr val="lt1"/>
+          </a:fontRef>
+        </p:style>
+        <p:txBody>
+          <a:bodyPr rtlCol="0" anchor="ctr"/>
+          <a:lstStyle/>
+          <a:p>
+            <a:pPr marL="0" marR="0" lvl="0" indent="0" algn="ctr" defTabSz="914400" rtl="0" eaLnBrk="1" fontAlgn="auto" latinLnBrk="0" hangingPunct="1">
+              <a:lnSpc>
+                <a:spcPct val="100000"/>
+              </a:lnSpc>
+              <a:spcBef>
+                <a:spcPts val="0"/>
+              </a:spcBef>
+              <a:spcAft>
+                <a:spcPts val="0"/>
+              </a:spcAft>
+              <a:buClrTx/>
+              <a:buSzTx/>
+              <a:buFontTx/>
+              <a:buNone/>
+              <a:tabLst/>
+              <a:defRPr/>
+            </a:pPr>
+            <a:endParaRPr kumimoji="0" lang="en-US" sz="1800" b="0" i="0" u="none" strike="noStrike" kern="1200" cap="none" spc="0" normalizeH="0" baseline="0" noProof="0">
+              <a:ln>
+                <a:noFill/>
+              </a:ln>
+              <a:solidFill>
+                <a:prstClr val="white"/>
+              </a:solidFill>
+              <a:effectLst/>
+              <a:uLnTx/>
+              <a:uFillTx/>
+              <a:latin typeface="Calibri" panose="020F0502020204030204"/>
+              <a:ea typeface="+mn-ea"/>
+              <a:cs typeface="+mn-cs"/>
+            </a:endParaRPr>
+          </a:p>
+        </p:txBody>
+      </p:sp>
+      <p:sp>
+        <p:nvSpPr>
           <p:cNvPr id="3" name="CaixaDeTexto 2">
             <a:extLst>
               <a:ext uri="{FF2B5EF4-FFF2-40B4-BE49-F238E27FC236}">
@@ -11749,34 +13562,20 @@
         </p:nvSpPr>
         <p:spPr>
           <a:xfrm>
-            <a:off x="640080" y="2074363"/>
-            <a:ext cx="2752354" cy="2709275"/>
+            <a:off x="1018604" y="1053042"/>
+            <a:ext cx="4458424" cy="3068357"/>
           </a:xfrm>
           <a:prstGeom prst="ellipse">
             <a:avLst/>
           </a:prstGeom>
-          <a:solidFill>
-            <a:schemeClr val="tx1">
-              <a:lumMod val="85000"/>
-              <a:lumOff val="15000"/>
-            </a:schemeClr>
-          </a:solidFill>
-          <a:ln w="174625" cmpd="thinThick">
-            <a:solidFill>
-              <a:schemeClr val="tx1">
-                <a:lumMod val="85000"/>
-                <a:lumOff val="15000"/>
-              </a:schemeClr>
-            </a:solidFill>
-          </a:ln>
-        </p:spPr>
-        <p:txBody>
-          <a:bodyPr vert="horz" lIns="91440" tIns="45720" rIns="91440" bIns="45720" rtlCol="0" anchor="ctr">
+        </p:spPr>
+        <p:txBody>
+          <a:bodyPr vert="horz" lIns="91440" tIns="45720" rIns="91440" bIns="45720" rtlCol="0" anchor="b">
             <a:normAutofit/>
           </a:bodyPr>
           <a:lstStyle/>
           <a:p>
-            <a:pPr algn="ctr">
+            <a:pPr>
               <a:lnSpc>
                 <a:spcPct val="90000"/>
               </a:lnSpc>
@@ -11788,15 +13587,15 @@
               </a:spcAft>
             </a:pPr>
             <a:r>
-              <a:rPr lang="en-US" sz="2600" kern="1200" dirty="0">
+              <a:rPr lang="en-US" sz="6000">
                 <a:solidFill>
-                  <a:schemeClr val="bg1"/>
+                  <a:srgbClr val="FFFFFF"/>
                 </a:solidFill>
                 <a:latin typeface="+mj-lt"/>
                 <a:ea typeface="+mj-ea"/>
                 <a:cs typeface="+mj-cs"/>
               </a:rPr>
-              <a:t>Empresario</a:t>
+              <a:t>Professor</a:t>
             </a:r>
           </a:p>
         </p:txBody>
@@ -11806,7 +13605,7 @@
           <p:cNvPr id="2" name="Imagem 1">
             <a:extLst>
               <a:ext uri="{FF2B5EF4-FFF2-40B4-BE49-F238E27FC236}">
-                <a16:creationId xmlns:a16="http://schemas.microsoft.com/office/drawing/2014/main" id="{FD659CE4-07E5-4D27-B9CF-259CDB6D01BE}"/>
+                <a16:creationId xmlns:a16="http://schemas.microsoft.com/office/drawing/2014/main" id="{3FF4F4D2-7243-47B9-B0EB-A298B21179AC}"/>
               </a:ext>
             </a:extLst>
           </p:cNvPr>
@@ -11823,8 +13622,142 @@
         </p:blipFill>
         <p:spPr>
           <a:xfrm>
-            <a:off x="4377923" y="961812"/>
-            <a:ext cx="6509553" cy="4930987"/>
+            <a:off x="6479229" y="702437"/>
+            <a:ext cx="5390093" cy="2024127"/>
+          </a:xfrm>
+          <a:prstGeom prst="rect">
+            <a:avLst/>
+          </a:prstGeom>
+        </p:spPr>
+      </p:pic>
+      <p:cxnSp>
+        <p:nvCxnSpPr>
+          <p:cNvPr id="11" name="Straight Connector 10">
+            <a:extLst>
+              <a:ext uri="{FF2B5EF4-FFF2-40B4-BE49-F238E27FC236}">
+                <a16:creationId xmlns:a16="http://schemas.microsoft.com/office/drawing/2014/main" id="{805E69BC-D844-4AB5-9E35-ED458EE29655}"/>
+              </a:ext>
+              <a:ext uri="{C183D7F6-B498-43B3-948B-1728B52AA6E4}">
+                <adec:decorative xmlns:adec="http://schemas.microsoft.com/office/drawing/2017/decorative" val="1"/>
+              </a:ext>
+            </a:extLst>
+          </p:cNvPr>
+          <p:cNvCxnSpPr>
+            <a:cxnSpLocks noGrp="1" noRot="1" noChangeAspect="1" noMove="1" noResize="1" noEditPoints="1" noAdjustHandles="1" noChangeArrowheads="1" noChangeShapeType="1"/>
+          </p:cNvCxnSpPr>
+          <p:nvPr>
+            <p:extLst>
+              <p:ext uri="{386F3935-93C4-4BCD-93E2-E3B085C9AB24}">
+                <p16:designElem xmlns:p16="http://schemas.microsoft.com/office/powerpoint/2015/main" val="1"/>
+              </p:ext>
+            </p:extLst>
+          </p:nvPr>
+        </p:nvCxnSpPr>
+        <p:spPr>
+          <a:xfrm rot="16200000">
+            <a:off x="9184178" y="1874520"/>
+            <a:ext cx="0" cy="3108960"/>
+          </a:xfrm>
+          <a:prstGeom prst="line">
+            <a:avLst/>
+          </a:prstGeom>
+          <a:ln w="101600" cmpd="dbl">
+            <a:solidFill>
+              <a:srgbClr val="595959"/>
+            </a:solidFill>
+          </a:ln>
+        </p:spPr>
+        <p:style>
+          <a:lnRef idx="1">
+            <a:schemeClr val="accent1"/>
+          </a:lnRef>
+          <a:fillRef idx="0">
+            <a:schemeClr val="accent1"/>
+          </a:fillRef>
+          <a:effectRef idx="0">
+            <a:schemeClr val="accent1"/>
+          </a:effectRef>
+          <a:fontRef idx="minor">
+            <a:schemeClr val="tx1"/>
+          </a:fontRef>
+        </p:style>
+      </p:cxnSp>
+      <p:cxnSp>
+        <p:nvCxnSpPr>
+          <p:cNvPr id="13" name="Straight Connector 12">
+            <a:extLst>
+              <a:ext uri="{FF2B5EF4-FFF2-40B4-BE49-F238E27FC236}">
+                <a16:creationId xmlns:a16="http://schemas.microsoft.com/office/drawing/2014/main" id="{4312C673-8179-457E-AD2A-D1FAE4CC961A}"/>
+              </a:ext>
+              <a:ext uri="{C183D7F6-B498-43B3-948B-1728B52AA6E4}">
+                <adec:decorative xmlns:adec="http://schemas.microsoft.com/office/drawing/2017/decorative" val="1"/>
+              </a:ext>
+            </a:extLst>
+          </p:cNvPr>
+          <p:cNvCxnSpPr>
+            <a:cxnSpLocks noGrp="1" noRot="1" noChangeAspect="1" noMove="1" noResize="1" noEditPoints="1" noAdjustHandles="1" noChangeArrowheads="1" noChangeShapeType="1"/>
+          </p:cNvCxnSpPr>
+          <p:nvPr>
+            <p:extLst>
+              <p:ext uri="{386F3935-93C4-4BCD-93E2-E3B085C9AB24}">
+                <p16:designElem xmlns:p16="http://schemas.microsoft.com/office/powerpoint/2015/main" val="1"/>
+              </p:ext>
+            </p:extLst>
+          </p:nvPr>
+        </p:nvCxnSpPr>
+        <p:spPr>
+          <a:xfrm>
+            <a:off x="1114009" y="4201833"/>
+            <a:ext cx="3400425" cy="0"/>
+          </a:xfrm>
+          <a:prstGeom prst="line">
+            <a:avLst/>
+          </a:prstGeom>
+          <a:ln w="22225">
+            <a:solidFill>
+              <a:srgbClr val="D9D9D9"/>
+            </a:solidFill>
+          </a:ln>
+        </p:spPr>
+        <p:style>
+          <a:lnRef idx="1">
+            <a:schemeClr val="accent1"/>
+          </a:lnRef>
+          <a:fillRef idx="0">
+            <a:schemeClr val="accent1"/>
+          </a:fillRef>
+          <a:effectRef idx="0">
+            <a:schemeClr val="accent1"/>
+          </a:effectRef>
+          <a:fontRef idx="minor">
+            <a:schemeClr val="tx1"/>
+          </a:fontRef>
+        </p:style>
+      </p:cxnSp>
+      <p:pic>
+        <p:nvPicPr>
+          <p:cNvPr id="4" name="Imagem 3">
+            <a:extLst>
+              <a:ext uri="{FF2B5EF4-FFF2-40B4-BE49-F238E27FC236}">
+                <a16:creationId xmlns:a16="http://schemas.microsoft.com/office/drawing/2014/main" id="{FDE4D485-1DD5-4003-A493-55414D440EC7}"/>
+              </a:ext>
+            </a:extLst>
+          </p:cNvPr>
+          <p:cNvPicPr>
+            <a:picLocks noChangeAspect="1"/>
+          </p:cNvPicPr>
+          <p:nvPr/>
+        </p:nvPicPr>
+        <p:blipFill>
+          <a:blip r:embed="rId3"/>
+          <a:stretch>
+            <a:fillRect/>
+          </a:stretch>
+        </p:blipFill>
+        <p:spPr>
+          <a:xfrm>
+            <a:off x="7181334" y="3750733"/>
+            <a:ext cx="3985882" cy="2794807"/>
           </a:xfrm>
           <a:prstGeom prst="rect">
             <a:avLst/>
@@ -11834,7 +13767,7 @@
     </p:spTree>
     <p:extLst>
       <p:ext uri="{BB962C8B-B14F-4D97-AF65-F5344CB8AC3E}">
-        <p14:creationId xmlns:p14="http://schemas.microsoft.com/office/powerpoint/2010/main" val="904745641"/>
+        <p14:creationId xmlns:p14="http://schemas.microsoft.com/office/powerpoint/2010/main" val="725012413"/>
       </p:ext>
     </p:extLst>
   </p:cSld>
@@ -11871,6 +13804,100 @@
       </p:grpSpPr>
       <p:sp>
         <p:nvSpPr>
+          <p:cNvPr id="9" name="Rectangle 8">
+            <a:extLst>
+              <a:ext uri="{FF2B5EF4-FFF2-40B4-BE49-F238E27FC236}">
+                <a16:creationId xmlns:a16="http://schemas.microsoft.com/office/drawing/2014/main" id="{0700D48D-C9AA-4000-A912-29A4FEA98A9F}"/>
+              </a:ext>
+              <a:ext uri="{C183D7F6-B498-43B3-948B-1728B52AA6E4}">
+                <adec:decorative xmlns:adec="http://schemas.microsoft.com/office/drawing/2017/decorative" val="1"/>
+              </a:ext>
+            </a:extLst>
+          </p:cNvPr>
+          <p:cNvSpPr>
+            <a:spLocks noGrp="1" noRot="1" noChangeAspect="1" noMove="1" noResize="1" noEditPoints="1" noAdjustHandles="1" noChangeArrowheads="1" noChangeShapeType="1" noTextEdit="1"/>
+          </p:cNvSpPr>
+          <p:nvPr>
+            <p:extLst>
+              <p:ext uri="{386F3935-93C4-4BCD-93E2-E3B085C9AB24}">
+                <p16:designElem xmlns:p16="http://schemas.microsoft.com/office/powerpoint/2015/main" val="1"/>
+              </p:ext>
+            </p:extLst>
+          </p:nvPr>
+        </p:nvSpPr>
+        <p:spPr bwMode="ltGray">
+          <a:xfrm>
+            <a:off x="375138" y="394887"/>
+            <a:ext cx="5720862" cy="6068226"/>
+          </a:xfrm>
+          <a:prstGeom prst="rect">
+            <a:avLst/>
+          </a:prstGeom>
+          <a:solidFill>
+            <a:srgbClr val="404040"/>
+          </a:solidFill>
+          <a:ln w="127000" cap="sq" cmpd="thinThick">
+            <a:solidFill>
+              <a:srgbClr val="404040"/>
+            </a:solidFill>
+          </a:ln>
+        </p:spPr>
+        <p:style>
+          <a:lnRef idx="2">
+            <a:schemeClr val="accent1">
+              <a:shade val="50000"/>
+            </a:schemeClr>
+          </a:lnRef>
+          <a:fillRef idx="1">
+            <a:schemeClr val="accent1"/>
+          </a:fillRef>
+          <a:effectRef idx="0">
+            <a:schemeClr val="accent1"/>
+          </a:effectRef>
+          <a:fontRef idx="minor">
+            <a:schemeClr val="lt1"/>
+          </a:fontRef>
+        </p:style>
+        <p:txBody>
+          <a:bodyPr rtlCol="0" anchor="ctr"/>
+          <a:lstStyle/>
+          <a:p>
+            <a:pPr marL="0" marR="0" lvl="0" indent="0" algn="ctr" defTabSz="914400" rtl="0" eaLnBrk="1" fontAlgn="auto" latinLnBrk="0" hangingPunct="1">
+              <a:lnSpc>
+                <a:spcPct val="100000"/>
+              </a:lnSpc>
+              <a:spcBef>
+                <a:spcPts val="0"/>
+              </a:spcBef>
+              <a:spcAft>
+                <a:spcPts val="0"/>
+              </a:spcAft>
+              <a:buClrTx/>
+              <a:buSzTx/>
+              <a:buFontTx/>
+              <a:buNone/>
+              <a:tabLst/>
+              <a:defRPr/>
+            </a:pPr>
+            <a:endParaRPr kumimoji="0" lang="en-US" sz="1800" b="0" i="0" u="none" strike="noStrike" kern="1200" cap="none" spc="0" normalizeH="0" baseline="0" noProof="0">
+              <a:ln>
+                <a:noFill/>
+              </a:ln>
+              <a:solidFill>
+                <a:prstClr val="white"/>
+              </a:solidFill>
+              <a:effectLst/>
+              <a:uLnTx/>
+              <a:uFillTx/>
+              <a:latin typeface="Calibri" panose="020F0502020204030204"/>
+              <a:ea typeface="+mn-ea"/>
+              <a:cs typeface="+mn-cs"/>
+            </a:endParaRPr>
+          </a:p>
+        </p:txBody>
+      </p:sp>
+      <p:sp>
+        <p:nvSpPr>
           <p:cNvPr id="3" name="CaixaDeTexto 2">
             <a:extLst>
               <a:ext uri="{FF2B5EF4-FFF2-40B4-BE49-F238E27FC236}">
@@ -11883,34 +13910,20 @@
         </p:nvSpPr>
         <p:spPr>
           <a:xfrm>
-            <a:off x="640080" y="2074363"/>
-            <a:ext cx="2752354" cy="2709275"/>
+            <a:off x="245326" y="1133476"/>
+            <a:ext cx="5477028" cy="3068357"/>
           </a:xfrm>
           <a:prstGeom prst="ellipse">
             <a:avLst/>
           </a:prstGeom>
-          <a:solidFill>
-            <a:schemeClr val="tx1">
-              <a:lumMod val="85000"/>
-              <a:lumOff val="15000"/>
-            </a:schemeClr>
-          </a:solidFill>
-          <a:ln w="174625" cmpd="thinThick">
-            <a:solidFill>
-              <a:schemeClr val="tx1">
-                <a:lumMod val="85000"/>
-                <a:lumOff val="15000"/>
-              </a:schemeClr>
-            </a:solidFill>
-          </a:ln>
-        </p:spPr>
-        <p:txBody>
-          <a:bodyPr vert="horz" lIns="91440" tIns="45720" rIns="91440" bIns="45720" rtlCol="0" anchor="ctr">
+        </p:spPr>
+        <p:txBody>
+          <a:bodyPr vert="horz" lIns="91440" tIns="45720" rIns="91440" bIns="45720" rtlCol="0" anchor="b">
             <a:normAutofit/>
           </a:bodyPr>
           <a:lstStyle/>
           <a:p>
-            <a:pPr algn="ctr">
+            <a:pPr>
               <a:lnSpc>
                 <a:spcPct val="90000"/>
               </a:lnSpc>
@@ -11922,24 +13935,16 @@
               </a:spcAft>
             </a:pPr>
             <a:r>
-              <a:rPr lang="en-US" sz="2600" kern="1200">
+              <a:rPr lang="en-US" sz="6000" dirty="0">
                 <a:solidFill>
-                  <a:schemeClr val="bg1"/>
+                  <a:srgbClr val="FFFFFF"/>
                 </a:solidFill>
                 <a:latin typeface="+mj-lt"/>
                 <a:ea typeface="+mj-ea"/>
                 <a:cs typeface="+mj-cs"/>
               </a:rPr>
-              <a:t>Entrega</a:t>
-            </a:r>
-            <a:endParaRPr lang="en-US" sz="2600" kern="1200" dirty="0">
-              <a:solidFill>
-                <a:schemeClr val="bg1"/>
-              </a:solidFill>
-              <a:latin typeface="+mj-lt"/>
-              <a:ea typeface="+mj-ea"/>
-              <a:cs typeface="+mj-cs"/>
-            </a:endParaRPr>
+              <a:t>Empresario</a:t>
+            </a:r>
           </a:p>
         </p:txBody>
       </p:sp>
@@ -11948,7 +13953,7 @@
           <p:cNvPr id="4" name="Imagem 3">
             <a:extLst>
               <a:ext uri="{FF2B5EF4-FFF2-40B4-BE49-F238E27FC236}">
-                <a16:creationId xmlns:a16="http://schemas.microsoft.com/office/drawing/2014/main" id="{CAFF3963-B2D9-460C-92AB-9316E59B42BE}"/>
+                <a16:creationId xmlns:a16="http://schemas.microsoft.com/office/drawing/2014/main" id="{763F6AE2-3016-49D3-9F11-9391F750B1CF}"/>
               </a:ext>
             </a:extLst>
           </p:cNvPr>
@@ -11965,8 +13970,142 @@
         </p:blipFill>
         <p:spPr>
           <a:xfrm>
-            <a:off x="4952815" y="961812"/>
-            <a:ext cx="5359769" cy="4930987"/>
+            <a:off x="6783853" y="321734"/>
+            <a:ext cx="4780845" cy="2785534"/>
+          </a:xfrm>
+          <a:prstGeom prst="rect">
+            <a:avLst/>
+          </a:prstGeom>
+        </p:spPr>
+      </p:pic>
+      <p:cxnSp>
+        <p:nvCxnSpPr>
+          <p:cNvPr id="11" name="Straight Connector 10">
+            <a:extLst>
+              <a:ext uri="{FF2B5EF4-FFF2-40B4-BE49-F238E27FC236}">
+                <a16:creationId xmlns:a16="http://schemas.microsoft.com/office/drawing/2014/main" id="{805E69BC-D844-4AB5-9E35-ED458EE29655}"/>
+              </a:ext>
+              <a:ext uri="{C183D7F6-B498-43B3-948B-1728B52AA6E4}">
+                <adec:decorative xmlns:adec="http://schemas.microsoft.com/office/drawing/2017/decorative" val="1"/>
+              </a:ext>
+            </a:extLst>
+          </p:cNvPr>
+          <p:cNvCxnSpPr>
+            <a:cxnSpLocks noGrp="1" noRot="1" noChangeAspect="1" noMove="1" noResize="1" noEditPoints="1" noAdjustHandles="1" noChangeArrowheads="1" noChangeShapeType="1"/>
+          </p:cNvCxnSpPr>
+          <p:nvPr>
+            <p:extLst>
+              <p:ext uri="{386F3935-93C4-4BCD-93E2-E3B085C9AB24}">
+                <p16:designElem xmlns:p16="http://schemas.microsoft.com/office/powerpoint/2015/main" val="1"/>
+              </p:ext>
+            </p:extLst>
+          </p:nvPr>
+        </p:nvCxnSpPr>
+        <p:spPr>
+          <a:xfrm rot="16200000">
+            <a:off x="9184178" y="1874520"/>
+            <a:ext cx="0" cy="3108960"/>
+          </a:xfrm>
+          <a:prstGeom prst="line">
+            <a:avLst/>
+          </a:prstGeom>
+          <a:ln w="101600" cmpd="dbl">
+            <a:solidFill>
+              <a:srgbClr val="595959"/>
+            </a:solidFill>
+          </a:ln>
+        </p:spPr>
+        <p:style>
+          <a:lnRef idx="1">
+            <a:schemeClr val="accent1"/>
+          </a:lnRef>
+          <a:fillRef idx="0">
+            <a:schemeClr val="accent1"/>
+          </a:fillRef>
+          <a:effectRef idx="0">
+            <a:schemeClr val="accent1"/>
+          </a:effectRef>
+          <a:fontRef idx="minor">
+            <a:schemeClr val="tx1"/>
+          </a:fontRef>
+        </p:style>
+      </p:cxnSp>
+      <p:cxnSp>
+        <p:nvCxnSpPr>
+          <p:cNvPr id="13" name="Straight Connector 12">
+            <a:extLst>
+              <a:ext uri="{FF2B5EF4-FFF2-40B4-BE49-F238E27FC236}">
+                <a16:creationId xmlns:a16="http://schemas.microsoft.com/office/drawing/2014/main" id="{4312C673-8179-457E-AD2A-D1FAE4CC961A}"/>
+              </a:ext>
+              <a:ext uri="{C183D7F6-B498-43B3-948B-1728B52AA6E4}">
+                <adec:decorative xmlns:adec="http://schemas.microsoft.com/office/drawing/2017/decorative" val="1"/>
+              </a:ext>
+            </a:extLst>
+          </p:cNvPr>
+          <p:cNvCxnSpPr>
+            <a:cxnSpLocks noGrp="1" noRot="1" noChangeAspect="1" noMove="1" noResize="1" noEditPoints="1" noAdjustHandles="1" noChangeArrowheads="1" noChangeShapeType="1"/>
+          </p:cNvCxnSpPr>
+          <p:nvPr>
+            <p:extLst>
+              <p:ext uri="{386F3935-93C4-4BCD-93E2-E3B085C9AB24}">
+                <p16:designElem xmlns:p16="http://schemas.microsoft.com/office/powerpoint/2015/main" val="1"/>
+              </p:ext>
+            </p:extLst>
+          </p:nvPr>
+        </p:nvCxnSpPr>
+        <p:spPr>
+          <a:xfrm>
+            <a:off x="1114009" y="4201833"/>
+            <a:ext cx="3400425" cy="0"/>
+          </a:xfrm>
+          <a:prstGeom prst="line">
+            <a:avLst/>
+          </a:prstGeom>
+          <a:ln w="22225">
+            <a:solidFill>
+              <a:srgbClr val="D9D9D9"/>
+            </a:solidFill>
+          </a:ln>
+        </p:spPr>
+        <p:style>
+          <a:lnRef idx="1">
+            <a:schemeClr val="accent1"/>
+          </a:lnRef>
+          <a:fillRef idx="0">
+            <a:schemeClr val="accent1"/>
+          </a:fillRef>
+          <a:effectRef idx="0">
+            <a:schemeClr val="accent1"/>
+          </a:effectRef>
+          <a:fontRef idx="minor">
+            <a:schemeClr val="tx1"/>
+          </a:fontRef>
+        </p:style>
+      </p:cxnSp>
+      <p:pic>
+        <p:nvPicPr>
+          <p:cNvPr id="2" name="Imagem 1">
+            <a:extLst>
+              <a:ext uri="{FF2B5EF4-FFF2-40B4-BE49-F238E27FC236}">
+                <a16:creationId xmlns:a16="http://schemas.microsoft.com/office/drawing/2014/main" id="{FD659CE4-07E5-4D27-B9CF-259CDB6D01BE}"/>
+              </a:ext>
+            </a:extLst>
+          </p:cNvPr>
+          <p:cNvPicPr>
+            <a:picLocks noChangeAspect="1"/>
+          </p:cNvPicPr>
+          <p:nvPr/>
+        </p:nvPicPr>
+        <p:blipFill>
+          <a:blip r:embed="rId3"/>
+          <a:stretch>
+            <a:fillRect/>
+          </a:stretch>
+        </p:blipFill>
+        <p:spPr>
+          <a:xfrm>
+            <a:off x="7329518" y="3750733"/>
+            <a:ext cx="3689514" cy="2794807"/>
           </a:xfrm>
           <a:prstGeom prst="rect">
             <a:avLst/>
@@ -11976,7 +14115,7 @@
     </p:spTree>
     <p:extLst>
       <p:ext uri="{BB962C8B-B14F-4D97-AF65-F5344CB8AC3E}">
-        <p14:creationId xmlns:p14="http://schemas.microsoft.com/office/powerpoint/2010/main" val="599727823"/>
+        <p14:creationId xmlns:p14="http://schemas.microsoft.com/office/powerpoint/2010/main" val="904745641"/>
       </p:ext>
     </p:extLst>
   </p:cSld>
@@ -12013,69 +14152,6 @@
       </p:grpSpPr>
       <p:sp>
         <p:nvSpPr>
-          <p:cNvPr id="6" name="Rectangle 8">
-            <a:extLst>
-              <a:ext uri="{FF2B5EF4-FFF2-40B4-BE49-F238E27FC236}">
-                <a16:creationId xmlns:a16="http://schemas.microsoft.com/office/drawing/2014/main" id="{A4AC5506-6312-4701-8D3C-40187889A947}"/>
-              </a:ext>
-              <a:ext uri="{C183D7F6-B498-43B3-948B-1728B52AA6E4}">
-                <adec:decorative xmlns:adec="http://schemas.microsoft.com/office/drawing/2017/decorative" val="1"/>
-              </a:ext>
-            </a:extLst>
-          </p:cNvPr>
-          <p:cNvSpPr>
-            <a:spLocks noGrp="1" noRot="1" noChangeAspect="1" noMove="1" noResize="1" noEditPoints="1" noAdjustHandles="1" noChangeArrowheads="1" noChangeShapeType="1" noTextEdit="1"/>
-          </p:cNvSpPr>
-          <p:nvPr>
-            <p:extLst>
-              <p:ext uri="{386F3935-93C4-4BCD-93E2-E3B085C9AB24}">
-                <p16:designElem xmlns:p16="http://schemas.microsoft.com/office/powerpoint/2015/main" val="1"/>
-              </p:ext>
-            </p:extLst>
-          </p:nvPr>
-        </p:nvSpPr>
-        <p:spPr>
-          <a:xfrm>
-            <a:off x="0" y="651752"/>
-            <a:ext cx="12192000" cy="736551"/>
-          </a:xfrm>
-          <a:prstGeom prst="rect">
-            <a:avLst/>
-          </a:prstGeom>
-          <a:solidFill>
-            <a:schemeClr val="tx1"/>
-          </a:solidFill>
-          <a:ln>
-            <a:noFill/>
-          </a:ln>
-        </p:spPr>
-        <p:style>
-          <a:lnRef idx="2">
-            <a:schemeClr val="accent1">
-              <a:shade val="50000"/>
-            </a:schemeClr>
-          </a:lnRef>
-          <a:fillRef idx="1">
-            <a:schemeClr val="accent1"/>
-          </a:fillRef>
-          <a:effectRef idx="0">
-            <a:schemeClr val="accent1"/>
-          </a:effectRef>
-          <a:fontRef idx="minor">
-            <a:schemeClr val="lt1"/>
-          </a:fontRef>
-        </p:style>
-        <p:txBody>
-          <a:bodyPr rtlCol="0" anchor="ctr"/>
-          <a:lstStyle/>
-          <a:p>
-            <a:pPr algn="ctr"/>
-            <a:endParaRPr lang="en-US"/>
-          </a:p>
-        </p:txBody>
-      </p:sp>
-      <p:sp>
-        <p:nvSpPr>
           <p:cNvPr id="3" name="CaixaDeTexto 2">
             <a:extLst>
               <a:ext uri="{FF2B5EF4-FFF2-40B4-BE49-F238E27FC236}">
@@ -12088,12 +14164,26 @@
         </p:nvSpPr>
         <p:spPr>
           <a:xfrm>
-            <a:off x="556532" y="643467"/>
-            <a:ext cx="11210925" cy="744836"/>
+            <a:off x="7985527" y="2074362"/>
+            <a:ext cx="2752354" cy="2709275"/>
           </a:xfrm>
           <a:prstGeom prst="ellipse">
             <a:avLst/>
           </a:prstGeom>
+          <a:solidFill>
+            <a:schemeClr val="tx1">
+              <a:lumMod val="85000"/>
+              <a:lumOff val="15000"/>
+            </a:schemeClr>
+          </a:solidFill>
+          <a:ln w="174625" cmpd="thinThick">
+            <a:solidFill>
+              <a:schemeClr val="tx1">
+                <a:lumMod val="85000"/>
+                <a:lumOff val="15000"/>
+              </a:schemeClr>
+            </a:solidFill>
+          </a:ln>
         </p:spPr>
         <p:txBody>
           <a:bodyPr vert="horz" lIns="91440" tIns="45720" rIns="91440" bIns="45720" rtlCol="0" anchor="ctr">
@@ -12113,7 +14203,7 @@
               </a:spcAft>
             </a:pPr>
             <a:r>
-              <a:rPr lang="en-US" sz="3000" kern="1200" dirty="0" err="1">
+              <a:rPr lang="en-US" sz="2600" kern="1200" dirty="0" err="1">
                 <a:solidFill>
                   <a:schemeClr val="bg1"/>
                 </a:solidFill>
@@ -12121,9 +14211,9 @@
                 <a:ea typeface="+mj-ea"/>
                 <a:cs typeface="+mj-cs"/>
               </a:rPr>
-              <a:t>Projeto</a:t>
-            </a:r>
-            <a:endParaRPr lang="en-US" sz="3000" kern="1200" dirty="0">
+              <a:t>Entrega</a:t>
+            </a:r>
+            <a:endParaRPr lang="en-US" sz="2600" kern="1200" dirty="0">
               <a:solidFill>
                 <a:schemeClr val="bg1"/>
               </a:solidFill>
@@ -12136,10 +14226,10 @@
       </p:sp>
       <p:pic>
         <p:nvPicPr>
-          <p:cNvPr id="10" name="Imagem 9" descr="Tela de celular com texto preto sobre fundo branco&#10;&#10;Descrição gerada automaticamente">
+          <p:cNvPr id="4" name="Imagem 3">
             <a:extLst>
               <a:ext uri="{FF2B5EF4-FFF2-40B4-BE49-F238E27FC236}">
-                <a16:creationId xmlns:a16="http://schemas.microsoft.com/office/drawing/2014/main" id="{1D47F859-C29B-4C27-8348-73BA8DFD8DB0}"/>
+                <a16:creationId xmlns:a16="http://schemas.microsoft.com/office/drawing/2014/main" id="{CAFF3963-B2D9-460C-92AB-9316E59B42BE}"/>
               </a:ext>
             </a:extLst>
           </p:cNvPr>
@@ -12156,8 +14246,8 @@
         </p:blipFill>
         <p:spPr>
           <a:xfrm>
-            <a:off x="817918" y="1467984"/>
-            <a:ext cx="5174321" cy="5109642"/>
+            <a:off x="316693" y="448855"/>
+            <a:ext cx="6872125" cy="6322354"/>
           </a:xfrm>
           <a:prstGeom prst="rect">
             <a:avLst/>
@@ -12166,10 +14256,10 @@
       </p:pic>
       <p:pic>
         <p:nvPicPr>
-          <p:cNvPr id="11" name="Imagem 10" descr="Tela de computador com texto preto sobre fundo branco&#10;&#10;Descrição gerada automaticamente">
+          <p:cNvPr id="2" name="Imagem 1">
             <a:extLst>
               <a:ext uri="{FF2B5EF4-FFF2-40B4-BE49-F238E27FC236}">
-                <a16:creationId xmlns:a16="http://schemas.microsoft.com/office/drawing/2014/main" id="{904314AC-224B-489B-99BB-C82300DC4711}"/>
+                <a16:creationId xmlns:a16="http://schemas.microsoft.com/office/drawing/2014/main" id="{98088A58-60F0-4050-B9DA-BD10C396A63C}"/>
               </a:ext>
             </a:extLst>
           </p:cNvPr>
@@ -12186,8 +14276,8 @@
         </p:blipFill>
         <p:spPr>
           <a:xfrm>
-            <a:off x="6647041" y="1467984"/>
-            <a:ext cx="2529271" cy="5109642"/>
+            <a:off x="4612887" y="4032931"/>
+            <a:ext cx="1828800" cy="2257425"/>
           </a:xfrm>
           <a:prstGeom prst="rect">
             <a:avLst/>
@@ -12197,7 +14287,7 @@
     </p:spTree>
     <p:extLst>
       <p:ext uri="{BB962C8B-B14F-4D97-AF65-F5344CB8AC3E}">
-        <p14:creationId xmlns:p14="http://schemas.microsoft.com/office/powerpoint/2010/main" val="2463256261"/>
+        <p14:creationId xmlns:p14="http://schemas.microsoft.com/office/powerpoint/2010/main" val="599727823"/>
       </p:ext>
     </p:extLst>
   </p:cSld>
@@ -12940,470 +15030,6 @@
 </file>
 
 <file path=ppt/slides/slide5.xml><?xml version="1.0" encoding="utf-8"?>
-<p:sld xmlns:a="http://schemas.openxmlformats.org/drawingml/2006/main" xmlns:r="http://schemas.openxmlformats.org/officeDocument/2006/relationships" xmlns:p="http://schemas.openxmlformats.org/presentationml/2006/main">
-  <p:cSld>
-    <p:bg>
-      <p:bgPr>
-        <a:solidFill>
-          <a:schemeClr val="accent3">
-            <a:lumMod val="75000"/>
-          </a:schemeClr>
-        </a:solidFill>
-        <a:effectLst/>
-      </p:bgPr>
-    </p:bg>
-    <p:spTree>
-      <p:nvGrpSpPr>
-        <p:cNvPr id="1" name=""/>
-        <p:cNvGrpSpPr/>
-        <p:nvPr/>
-      </p:nvGrpSpPr>
-      <p:grpSpPr>
-        <a:xfrm>
-          <a:off x="0" y="0"/>
-          <a:ext cx="0" cy="0"/>
-          <a:chOff x="0" y="0"/>
-          <a:chExt cx="0" cy="0"/>
-        </a:xfrm>
-      </p:grpSpPr>
-      <p:sp>
-        <p:nvSpPr>
-          <p:cNvPr id="8" name="Rectangle 7">
-            <a:extLst>
-              <a:ext uri="{FF2B5EF4-FFF2-40B4-BE49-F238E27FC236}">
-                <a16:creationId xmlns:a16="http://schemas.microsoft.com/office/drawing/2014/main" id="{23207CC6-EAA1-4BFF-A48A-DECAD8972717}"/>
-              </a:ext>
-              <a:ext uri="{C183D7F6-B498-43B3-948B-1728B52AA6E4}">
-                <adec:decorative xmlns:adec="http://schemas.microsoft.com/office/drawing/2017/decorative" val="1"/>
-              </a:ext>
-            </a:extLst>
-          </p:cNvPr>
-          <p:cNvSpPr>
-            <a:spLocks noGrp="1" noRot="1" noChangeAspect="1" noMove="1" noResize="1" noEditPoints="1" noAdjustHandles="1" noChangeArrowheads="1" noChangeShapeType="1" noTextEdit="1"/>
-          </p:cNvSpPr>
-          <p:nvPr>
-            <p:extLst>
-              <p:ext uri="{386F3935-93C4-4BCD-93E2-E3B085C9AB24}">
-                <p16:designElem xmlns:p16="http://schemas.microsoft.com/office/powerpoint/2015/main" val="1"/>
-              </p:ext>
-            </p:extLst>
-          </p:nvPr>
-        </p:nvSpPr>
-        <p:spPr>
-          <a:xfrm>
-            <a:off x="0" y="-3324"/>
-            <a:ext cx="12192000" cy="6861324"/>
-          </a:xfrm>
-          <a:prstGeom prst="rect">
-            <a:avLst/>
-          </a:prstGeom>
-          <a:solidFill>
-            <a:schemeClr val="accent3">
-              <a:lumMod val="75000"/>
-            </a:schemeClr>
-          </a:solidFill>
-          <a:ln>
-            <a:noFill/>
-          </a:ln>
-        </p:spPr>
-        <p:style>
-          <a:lnRef idx="2">
-            <a:schemeClr val="accent1">
-              <a:shade val="50000"/>
-            </a:schemeClr>
-          </a:lnRef>
-          <a:fillRef idx="1">
-            <a:schemeClr val="accent1"/>
-          </a:fillRef>
-          <a:effectRef idx="0">
-            <a:schemeClr val="accent1"/>
-          </a:effectRef>
-          <a:fontRef idx="minor">
-            <a:schemeClr val="lt1"/>
-          </a:fontRef>
-        </p:style>
-        <p:txBody>
-          <a:bodyPr rtlCol="0" anchor="ctr"/>
-          <a:lstStyle/>
-          <a:p>
-            <a:pPr algn="ctr"/>
-            <a:endParaRPr lang="en-US"/>
-          </a:p>
-        </p:txBody>
-      </p:sp>
-      <p:sp>
-        <p:nvSpPr>
-          <p:cNvPr id="10" name="Freeform 3">
-            <a:extLst>
-              <a:ext uri="{FF2B5EF4-FFF2-40B4-BE49-F238E27FC236}">
-                <a16:creationId xmlns:a16="http://schemas.microsoft.com/office/drawing/2014/main" id="{B234A3DD-923D-4166-8B19-7DD589908C68}"/>
-              </a:ext>
-              <a:ext uri="{C183D7F6-B498-43B3-948B-1728B52AA6E4}">
-                <adec:decorative xmlns:adec="http://schemas.microsoft.com/office/drawing/2017/decorative" val="1"/>
-              </a:ext>
-            </a:extLst>
-          </p:cNvPr>
-          <p:cNvSpPr>
-            <a:spLocks noGrp="1" noRot="1" noChangeAspect="1" noMove="1" noResize="1" noEditPoints="1" noAdjustHandles="1" noChangeArrowheads="1" noChangeShapeType="1" noTextEdit="1"/>
-          </p:cNvSpPr>
-          <p:nvPr>
-            <p:extLst>
-              <p:ext uri="{386F3935-93C4-4BCD-93E2-E3B085C9AB24}">
-                <p16:designElem xmlns:p16="http://schemas.microsoft.com/office/powerpoint/2015/main" val="1"/>
-              </p:ext>
-            </p:extLst>
-          </p:nvPr>
-        </p:nvSpPr>
-        <p:spPr>
-          <a:xfrm>
-            <a:off x="1246925" y="-479"/>
-            <a:ext cx="9468701" cy="6858478"/>
-          </a:xfrm>
-          <a:custGeom>
-            <a:avLst/>
-            <a:gdLst>
-              <a:gd name="connsiteX0" fmla="*/ 0 w 8078051"/>
-              <a:gd name="connsiteY0" fmla="*/ 0 h 5829300"/>
-              <a:gd name="connsiteX1" fmla="*/ 4453793 w 8078051"/>
-              <a:gd name="connsiteY1" fmla="*/ 0 h 5829300"/>
-              <a:gd name="connsiteX2" fmla="*/ 5363426 w 8078051"/>
-              <a:gd name="connsiteY2" fmla="*/ 0 h 5829300"/>
-              <a:gd name="connsiteX3" fmla="*/ 5368184 w 8078051"/>
-              <a:gd name="connsiteY3" fmla="*/ 0 h 5829300"/>
-              <a:gd name="connsiteX4" fmla="*/ 8078051 w 8078051"/>
-              <a:gd name="connsiteY4" fmla="*/ 5829300 h 5829300"/>
-              <a:gd name="connsiteX5" fmla="*/ 1743926 w 8078051"/>
-              <a:gd name="connsiteY5" fmla="*/ 5829300 h 5829300"/>
-              <a:gd name="connsiteX6" fmla="*/ 1744148 w 8078051"/>
-              <a:gd name="connsiteY6" fmla="*/ 5828822 h 5829300"/>
-              <a:gd name="connsiteX7" fmla="*/ 0 w 8078051"/>
-              <a:gd name="connsiteY7" fmla="*/ 5828822 h 5829300"/>
-            </a:gdLst>
-            <a:ahLst/>
-            <a:cxnLst>
-              <a:cxn ang="0">
-                <a:pos x="connsiteX0" y="connsiteY0"/>
-              </a:cxn>
-              <a:cxn ang="0">
-                <a:pos x="connsiteX1" y="connsiteY1"/>
-              </a:cxn>
-              <a:cxn ang="0">
-                <a:pos x="connsiteX2" y="connsiteY2"/>
-              </a:cxn>
-              <a:cxn ang="0">
-                <a:pos x="connsiteX3" y="connsiteY3"/>
-              </a:cxn>
-              <a:cxn ang="0">
-                <a:pos x="connsiteX4" y="connsiteY4"/>
-              </a:cxn>
-              <a:cxn ang="0">
-                <a:pos x="connsiteX5" y="connsiteY5"/>
-              </a:cxn>
-              <a:cxn ang="0">
-                <a:pos x="connsiteX6" y="connsiteY6"/>
-              </a:cxn>
-              <a:cxn ang="0">
-                <a:pos x="connsiteX7" y="connsiteY7"/>
-              </a:cxn>
-            </a:cxnLst>
-            <a:rect l="l" t="t" r="r" b="b"/>
-            <a:pathLst>
-              <a:path w="8078051" h="5829300">
-                <a:moveTo>
-                  <a:pt x="0" y="0"/>
-                </a:moveTo>
-                <a:lnTo>
-                  <a:pt x="4453793" y="0"/>
-                </a:lnTo>
-                <a:lnTo>
-                  <a:pt x="5363426" y="0"/>
-                </a:lnTo>
-                <a:lnTo>
-                  <a:pt x="5368184" y="0"/>
-                </a:lnTo>
-                <a:lnTo>
-                  <a:pt x="8078051" y="5829300"/>
-                </a:lnTo>
-                <a:lnTo>
-                  <a:pt x="1743926" y="5829300"/>
-                </a:lnTo>
-                <a:lnTo>
-                  <a:pt x="1744148" y="5828822"/>
-                </a:lnTo>
-                <a:lnTo>
-                  <a:pt x="0" y="5828822"/>
-                </a:lnTo>
-                <a:close/>
-              </a:path>
-            </a:pathLst>
-          </a:custGeom>
-          <a:solidFill>
-            <a:schemeClr val="bg1">
-              <a:lumMod val="85000"/>
-              <a:lumOff val="15000"/>
-              <a:alpha val="70000"/>
-            </a:schemeClr>
-          </a:solidFill>
-          <a:ln>
-            <a:noFill/>
-          </a:ln>
-        </p:spPr>
-        <p:style>
-          <a:lnRef idx="2">
-            <a:schemeClr val="accent1">
-              <a:shade val="50000"/>
-            </a:schemeClr>
-          </a:lnRef>
-          <a:fillRef idx="1">
-            <a:schemeClr val="accent1"/>
-          </a:fillRef>
-          <a:effectRef idx="0">
-            <a:schemeClr val="accent1"/>
-          </a:effectRef>
-          <a:fontRef idx="minor">
-            <a:schemeClr val="lt1"/>
-          </a:fontRef>
-        </p:style>
-        <p:txBody>
-          <a:bodyPr rtlCol="0" anchor="ctr"/>
-          <a:lstStyle/>
-          <a:p>
-            <a:pPr algn="ctr"/>
-            <a:endParaRPr lang="en-US"/>
-          </a:p>
-        </p:txBody>
-      </p:sp>
-      <p:sp>
-        <p:nvSpPr>
-          <p:cNvPr id="12" name="Freeform 16">
-            <a:extLst>
-              <a:ext uri="{FF2B5EF4-FFF2-40B4-BE49-F238E27FC236}">
-                <a16:creationId xmlns:a16="http://schemas.microsoft.com/office/drawing/2014/main" id="{F6ACA5AC-3C5D-4994-B40F-FC8349E4D6F4}"/>
-              </a:ext>
-              <a:ext uri="{C183D7F6-B498-43B3-948B-1728B52AA6E4}">
-                <adec:decorative xmlns:adec="http://schemas.microsoft.com/office/drawing/2017/decorative" val="1"/>
-              </a:ext>
-            </a:extLst>
-          </p:cNvPr>
-          <p:cNvSpPr>
-            <a:spLocks noGrp="1" noRot="1" noChangeAspect="1" noMove="1" noResize="1" noEditPoints="1" noAdjustHandles="1" noChangeArrowheads="1" noChangeShapeType="1" noTextEdit="1"/>
-          </p:cNvSpPr>
-          <p:nvPr>
-            <p:extLst>
-              <p:ext uri="{386F3935-93C4-4BCD-93E2-E3B085C9AB24}">
-                <p16:designElem xmlns:p16="http://schemas.microsoft.com/office/powerpoint/2015/main" val="1"/>
-              </p:ext>
-            </p:extLst>
-          </p:nvPr>
-        </p:nvSpPr>
-        <p:spPr>
-          <a:xfrm>
-            <a:off x="-1" y="-479"/>
-            <a:ext cx="9324977" cy="6858479"/>
-          </a:xfrm>
-          <a:custGeom>
-            <a:avLst/>
-            <a:gdLst>
-              <a:gd name="connsiteX0" fmla="*/ 1246925 w 9324977"/>
-              <a:gd name="connsiteY0" fmla="*/ 0 h 6858479"/>
-              <a:gd name="connsiteX1" fmla="*/ 5076797 w 9324977"/>
-              <a:gd name="connsiteY1" fmla="*/ 0 h 6858479"/>
-              <a:gd name="connsiteX2" fmla="*/ 6143025 w 9324977"/>
-              <a:gd name="connsiteY2" fmla="*/ 0 h 6858479"/>
-              <a:gd name="connsiteX3" fmla="*/ 6148602 w 9324977"/>
-              <a:gd name="connsiteY3" fmla="*/ 0 h 6858479"/>
-              <a:gd name="connsiteX4" fmla="*/ 9324977 w 9324977"/>
-              <a:gd name="connsiteY4" fmla="*/ 6858478 h 6858479"/>
-              <a:gd name="connsiteX5" fmla="*/ 3359025 w 9324977"/>
-              <a:gd name="connsiteY5" fmla="*/ 6858478 h 6858479"/>
-              <a:gd name="connsiteX6" fmla="*/ 3359025 w 9324977"/>
-              <a:gd name="connsiteY6" fmla="*/ 6858479 h 6858479"/>
-              <a:gd name="connsiteX7" fmla="*/ 0 w 9324977"/>
-              <a:gd name="connsiteY7" fmla="*/ 6858479 h 6858479"/>
-              <a:gd name="connsiteX8" fmla="*/ 0 w 9324977"/>
-              <a:gd name="connsiteY8" fmla="*/ 479 h 6858479"/>
-              <a:gd name="connsiteX9" fmla="*/ 1246925 w 9324977"/>
-              <a:gd name="connsiteY9" fmla="*/ 479 h 6858479"/>
-            </a:gdLst>
-            <a:ahLst/>
-            <a:cxnLst>
-              <a:cxn ang="0">
-                <a:pos x="connsiteX0" y="connsiteY0"/>
-              </a:cxn>
-              <a:cxn ang="0">
-                <a:pos x="connsiteX1" y="connsiteY1"/>
-              </a:cxn>
-              <a:cxn ang="0">
-                <a:pos x="connsiteX2" y="connsiteY2"/>
-              </a:cxn>
-              <a:cxn ang="0">
-                <a:pos x="connsiteX3" y="connsiteY3"/>
-              </a:cxn>
-              <a:cxn ang="0">
-                <a:pos x="connsiteX4" y="connsiteY4"/>
-              </a:cxn>
-              <a:cxn ang="0">
-                <a:pos x="connsiteX5" y="connsiteY5"/>
-              </a:cxn>
-              <a:cxn ang="0">
-                <a:pos x="connsiteX6" y="connsiteY6"/>
-              </a:cxn>
-              <a:cxn ang="0">
-                <a:pos x="connsiteX7" y="connsiteY7"/>
-              </a:cxn>
-              <a:cxn ang="0">
-                <a:pos x="connsiteX8" y="connsiteY8"/>
-              </a:cxn>
-              <a:cxn ang="0">
-                <a:pos x="connsiteX9" y="connsiteY9"/>
-              </a:cxn>
-            </a:cxnLst>
-            <a:rect l="l" t="t" r="r" b="b"/>
-            <a:pathLst>
-              <a:path w="9324977" h="6858479">
-                <a:moveTo>
-                  <a:pt x="1246925" y="0"/>
-                </a:moveTo>
-                <a:lnTo>
-                  <a:pt x="5076797" y="0"/>
-                </a:lnTo>
-                <a:lnTo>
-                  <a:pt x="6143025" y="0"/>
-                </a:lnTo>
-                <a:lnTo>
-                  <a:pt x="6148602" y="0"/>
-                </a:lnTo>
-                <a:lnTo>
-                  <a:pt x="9324977" y="6858478"/>
-                </a:lnTo>
-                <a:lnTo>
-                  <a:pt x="3359025" y="6858478"/>
-                </a:lnTo>
-                <a:lnTo>
-                  <a:pt x="3359025" y="6858479"/>
-                </a:lnTo>
-                <a:lnTo>
-                  <a:pt x="0" y="6858479"/>
-                </a:lnTo>
-                <a:lnTo>
-                  <a:pt x="0" y="479"/>
-                </a:lnTo>
-                <a:lnTo>
-                  <a:pt x="1246925" y="479"/>
-                </a:lnTo>
-                <a:close/>
-              </a:path>
-            </a:pathLst>
-          </a:custGeom>
-          <a:solidFill>
-            <a:schemeClr val="bg1">
-              <a:lumMod val="85000"/>
-              <a:lumOff val="15000"/>
-            </a:schemeClr>
-          </a:solidFill>
-          <a:ln>
-            <a:noFill/>
-          </a:ln>
-        </p:spPr>
-        <p:style>
-          <a:lnRef idx="2">
-            <a:schemeClr val="accent1">
-              <a:shade val="50000"/>
-            </a:schemeClr>
-          </a:lnRef>
-          <a:fillRef idx="1">
-            <a:schemeClr val="accent1"/>
-          </a:fillRef>
-          <a:effectRef idx="0">
-            <a:schemeClr val="accent1"/>
-          </a:effectRef>
-          <a:fontRef idx="minor">
-            <a:schemeClr val="lt1"/>
-          </a:fontRef>
-        </p:style>
-        <p:txBody>
-          <a:bodyPr rtlCol="0" anchor="ctr"/>
-          <a:lstStyle/>
-          <a:p>
-            <a:pPr algn="ctr"/>
-            <a:endParaRPr lang="en-US"/>
-          </a:p>
-        </p:txBody>
-      </p:sp>
-      <p:sp>
-        <p:nvSpPr>
-          <p:cNvPr id="2" name="Título 1"/>
-          <p:cNvSpPr>
-            <a:spLocks noGrp="1"/>
-          </p:cNvSpPr>
-          <p:nvPr>
-            <p:ph type="ctrTitle"/>
-          </p:nvPr>
-        </p:nvSpPr>
-        <p:spPr>
-          <a:xfrm>
-            <a:off x="804671" y="2600324"/>
-            <a:ext cx="6405753" cy="3277961"/>
-          </a:xfrm>
-        </p:spPr>
-        <p:txBody>
-          <a:bodyPr anchor="t">
-            <a:normAutofit/>
-          </a:bodyPr>
-          <a:lstStyle/>
-          <a:p>
-            <a:pPr algn="l"/>
-            <a:r>
-              <a:rPr lang="pt-BR" sz="5400" dirty="0"/>
-              <a:t>Estórias</a:t>
-            </a:r>
-          </a:p>
-        </p:txBody>
-      </p:sp>
-      <p:sp>
-        <p:nvSpPr>
-          <p:cNvPr id="3" name="Subtítulo 2"/>
-          <p:cNvSpPr>
-            <a:spLocks noGrp="1"/>
-          </p:cNvSpPr>
-          <p:nvPr>
-            <p:ph type="subTitle" idx="1"/>
-          </p:nvPr>
-        </p:nvSpPr>
-        <p:spPr>
-          <a:xfrm>
-            <a:off x="804672" y="1300450"/>
-            <a:ext cx="4167376" cy="1155525"/>
-          </a:xfrm>
-        </p:spPr>
-        <p:txBody>
-          <a:bodyPr anchor="b">
-            <a:normAutofit/>
-          </a:bodyPr>
-          <a:lstStyle/>
-          <a:p>
-            <a:pPr algn="l"/>
-            <a:r>
-              <a:rPr lang="pt-BR" sz="2000"/>
-              <a:t>“Antenas”</a:t>
-            </a:r>
-          </a:p>
-        </p:txBody>
-      </p:sp>
-    </p:spTree>
-    <p:extLst>
-      <p:ext uri="{BB962C8B-B14F-4D97-AF65-F5344CB8AC3E}">
-        <p14:creationId xmlns:p14="http://schemas.microsoft.com/office/powerpoint/2010/main" val="666335851"/>
-      </p:ext>
-    </p:extLst>
-  </p:cSld>
-  <p:clrMapOvr>
-    <a:overrideClrMapping bg1="dk1" tx1="lt1" bg2="dk2" tx2="lt2" accent1="accent1" accent2="accent2" accent3="accent3" accent4="accent4" accent5="accent5" accent6="accent6" hlink="hlink" folHlink="folHlink"/>
-  </p:clrMapOvr>
-</p:sld>
-</file>
-
-<file path=ppt/slides/slide6.xml><?xml version="1.0" encoding="utf-8"?>
 <p:sld xmlns:a="http://schemas.openxmlformats.org/drawingml/2006/main" xmlns:r="http://schemas.openxmlformats.org/officeDocument/2006/relationships" xmlns:p="http://schemas.openxmlformats.org/presentationml/2006/main">
   <p:cSld>
     <p:bg>
@@ -13732,15 +15358,20 @@
           <a:lstStyle/>
           <a:p>
             <a:r>
-              <a:rPr lang="pt-BR" b="1" i="1">
+              <a:rPr lang="en-US" b="1" i="1" dirty="0" err="1">
                 <a:solidFill>
                   <a:srgbClr val="FFFFFF"/>
                 </a:solidFill>
-                <a:latin typeface="Arial" panose="020B0604020202020204" pitchFamily="34" charset="0"/>
-                <a:cs typeface="Arial" panose="020B0604020202020204" pitchFamily="34" charset="0"/>
               </a:rPr>
-              <a:t>Empresário.</a:t>
-            </a:r>
+              <a:t>Empresário</a:t>
+            </a:r>
+            <a:endParaRPr lang="pt-BR" b="1" i="1" dirty="0">
+              <a:solidFill>
+                <a:srgbClr val="FFFFFF"/>
+              </a:solidFill>
+              <a:latin typeface="Arial" panose="020B0604020202020204" pitchFamily="34" charset="0"/>
+              <a:cs typeface="Arial" panose="020B0604020202020204" pitchFamily="34" charset="0"/>
+            </a:endParaRPr>
           </a:p>
         </p:txBody>
       </p:sp>
@@ -13890,7 +15521,7 @@
 </p:sld>
 </file>
 
-<file path=ppt/slides/slide7.xml><?xml version="1.0" encoding="utf-8"?>
+<file path=ppt/slides/slide6.xml><?xml version="1.0" encoding="utf-8"?>
 <p:sld xmlns:a="http://schemas.openxmlformats.org/drawingml/2006/main" xmlns:r="http://schemas.openxmlformats.org/officeDocument/2006/relationships" xmlns:p="http://schemas.openxmlformats.org/presentationml/2006/main">
   <p:cSld>
     <p:bg>
@@ -14219,7 +15850,7 @@
           <a:lstStyle/>
           <a:p>
             <a:r>
-              <a:rPr lang="en-US" b="1" i="1" kern="1200">
+              <a:rPr lang="en-US" b="1" i="1" kern="1200" dirty="0" err="1">
                 <a:solidFill>
                   <a:srgbClr val="FFFFFF"/>
                 </a:solidFill>
@@ -14227,8 +15858,16 @@
                 <a:ea typeface="+mj-ea"/>
                 <a:cs typeface="+mj-cs"/>
               </a:rPr>
-              <a:t>Empresário.</a:t>
-            </a:r>
+              <a:t>Empresário</a:t>
+            </a:r>
+            <a:endParaRPr lang="en-US" b="1" i="1" kern="1200" dirty="0">
+              <a:solidFill>
+                <a:srgbClr val="FFFFFF"/>
+              </a:solidFill>
+              <a:latin typeface="+mj-lt"/>
+              <a:ea typeface="+mj-ea"/>
+              <a:cs typeface="+mj-cs"/>
+            </a:endParaRPr>
           </a:p>
         </p:txBody>
       </p:sp>
@@ -14443,7 +16082,7 @@
 </p:sld>
 </file>
 
-<file path=ppt/slides/slide8.xml><?xml version="1.0" encoding="utf-8"?>
+<file path=ppt/slides/slide7.xml><?xml version="1.0" encoding="utf-8"?>
 <p:sld xmlns:a="http://schemas.openxmlformats.org/drawingml/2006/main" xmlns:r="http://schemas.openxmlformats.org/officeDocument/2006/relationships" xmlns:p="http://schemas.openxmlformats.org/presentationml/2006/main">
   <p:cSld>
     <p:bg>
@@ -14772,7 +16411,7 @@
           <a:lstStyle/>
           <a:p>
             <a:r>
-              <a:rPr lang="pt-BR" b="1" i="1">
+              <a:rPr lang="pt-BR" sz="3600" b="1" i="1" dirty="0">
                 <a:solidFill>
                   <a:srgbClr val="FFFFFF"/>
                 </a:solidFill>
@@ -14900,7 +16539,7 @@
 </p:sld>
 </file>
 
-<file path=ppt/slides/slide9.xml><?xml version="1.0" encoding="utf-8"?>
+<file path=ppt/slides/slide8.xml><?xml version="1.0" encoding="utf-8"?>
 <p:sld xmlns:a="http://schemas.openxmlformats.org/drawingml/2006/main" xmlns:r="http://schemas.openxmlformats.org/officeDocument/2006/relationships" xmlns:p="http://schemas.openxmlformats.org/presentationml/2006/main">
   <p:cSld>
     <p:bg>
@@ -15406,6 +17045,436 @@
     <p:extLst>
       <p:ext uri="{BB962C8B-B14F-4D97-AF65-F5344CB8AC3E}">
         <p14:creationId xmlns:p14="http://schemas.microsoft.com/office/powerpoint/2010/main" val="3479639945"/>
+      </p:ext>
+    </p:extLst>
+  </p:cSld>
+  <p:clrMapOvr>
+    <a:overrideClrMapping bg1="dk1" tx1="lt1" bg2="dk2" tx2="lt2" accent1="accent1" accent2="accent2" accent3="accent3" accent4="accent4" accent5="accent5" accent6="accent6" hlink="hlink" folHlink="folHlink"/>
+  </p:clrMapOvr>
+</p:sld>
+</file>
+
+<file path=ppt/slides/slide9.xml><?xml version="1.0" encoding="utf-8"?>
+<p:sld xmlns:a="http://schemas.openxmlformats.org/drawingml/2006/main" xmlns:r="http://schemas.openxmlformats.org/officeDocument/2006/relationships" xmlns:p="http://schemas.openxmlformats.org/presentationml/2006/main">
+  <p:cSld>
+    <p:bg>
+      <p:bgPr>
+        <a:solidFill>
+          <a:srgbClr val="404040"/>
+        </a:solidFill>
+        <a:effectLst/>
+      </p:bgPr>
+    </p:bg>
+    <p:spTree>
+      <p:nvGrpSpPr>
+        <p:cNvPr id="1" name=""/>
+        <p:cNvGrpSpPr/>
+        <p:nvPr/>
+      </p:nvGrpSpPr>
+      <p:grpSpPr>
+        <a:xfrm>
+          <a:off x="0" y="0"/>
+          <a:ext cx="0" cy="0"/>
+          <a:chOff x="0" y="0"/>
+          <a:chExt cx="0" cy="0"/>
+        </a:xfrm>
+      </p:grpSpPr>
+      <p:sp>
+        <p:nvSpPr>
+          <p:cNvPr id="8" name="Rectangle 7">
+            <a:extLst>
+              <a:ext uri="{FF2B5EF4-FFF2-40B4-BE49-F238E27FC236}">
+                <a16:creationId xmlns:a16="http://schemas.microsoft.com/office/drawing/2014/main" id="{EA67B5B4-3A24-436E-B663-1B2EBFF8A0CD}"/>
+              </a:ext>
+              <a:ext uri="{C183D7F6-B498-43B3-948B-1728B52AA6E4}">
+                <adec:decorative xmlns:adec="http://schemas.microsoft.com/office/drawing/2017/decorative" val="1"/>
+              </a:ext>
+            </a:extLst>
+          </p:cNvPr>
+          <p:cNvSpPr>
+            <a:spLocks noGrp="1" noRot="1" noChangeAspect="1" noMove="1" noResize="1" noEditPoints="1" noAdjustHandles="1" noChangeArrowheads="1" noChangeShapeType="1" noTextEdit="1"/>
+          </p:cNvSpPr>
+          <p:nvPr>
+            <p:extLst>
+              <p:ext uri="{386F3935-93C4-4BCD-93E2-E3B085C9AB24}">
+                <p16:designElem xmlns:p16="http://schemas.microsoft.com/office/powerpoint/2015/main" val="1"/>
+              </p:ext>
+            </p:extLst>
+          </p:nvPr>
+        </p:nvSpPr>
+        <p:spPr>
+          <a:xfrm>
+            <a:off x="0" y="-3324"/>
+            <a:ext cx="12192000" cy="6861324"/>
+          </a:xfrm>
+          <a:prstGeom prst="rect">
+            <a:avLst/>
+          </a:prstGeom>
+          <a:solidFill>
+            <a:srgbClr val="404040"/>
+          </a:solidFill>
+          <a:ln>
+            <a:noFill/>
+          </a:ln>
+        </p:spPr>
+        <p:style>
+          <a:lnRef idx="2">
+            <a:schemeClr val="accent1">
+              <a:shade val="50000"/>
+            </a:schemeClr>
+          </a:lnRef>
+          <a:fillRef idx="1">
+            <a:schemeClr val="accent1"/>
+          </a:fillRef>
+          <a:effectRef idx="0">
+            <a:schemeClr val="accent1"/>
+          </a:effectRef>
+          <a:fontRef idx="minor">
+            <a:schemeClr val="lt1"/>
+          </a:fontRef>
+        </p:style>
+        <p:txBody>
+          <a:bodyPr rtlCol="0" anchor="ctr"/>
+          <a:lstStyle/>
+          <a:p>
+            <a:pPr algn="ctr"/>
+            <a:endParaRPr lang="en-US"/>
+          </a:p>
+        </p:txBody>
+      </p:sp>
+      <p:sp>
+        <p:nvSpPr>
+          <p:cNvPr id="10" name="Freeform 13">
+            <a:extLst>
+              <a:ext uri="{FF2B5EF4-FFF2-40B4-BE49-F238E27FC236}">
+                <a16:creationId xmlns:a16="http://schemas.microsoft.com/office/drawing/2014/main" id="{987FDF89-C993-41F4-A1B8-DBAFF16008A9}"/>
+              </a:ext>
+              <a:ext uri="{C183D7F6-B498-43B3-948B-1728B52AA6E4}">
+                <adec:decorative xmlns:adec="http://schemas.microsoft.com/office/drawing/2017/decorative" val="1"/>
+              </a:ext>
+            </a:extLst>
+          </p:cNvPr>
+          <p:cNvSpPr>
+            <a:spLocks noGrp="1" noRot="1" noChangeAspect="1" noMove="1" noResize="1" noEditPoints="1" noAdjustHandles="1" noChangeArrowheads="1" noChangeShapeType="1" noTextEdit="1"/>
+          </p:cNvSpPr>
+          <p:nvPr>
+            <p:extLst>
+              <p:ext uri="{386F3935-93C4-4BCD-93E2-E3B085C9AB24}">
+                <p16:designElem xmlns:p16="http://schemas.microsoft.com/office/powerpoint/2015/main" val="1"/>
+              </p:ext>
+            </p:extLst>
+          </p:nvPr>
+        </p:nvSpPr>
+        <p:spPr>
+          <a:xfrm>
+            <a:off x="0" y="0"/>
+            <a:ext cx="11786754" cy="6858000"/>
+          </a:xfrm>
+          <a:custGeom>
+            <a:avLst/>
+            <a:gdLst>
+              <a:gd name="connsiteX0" fmla="*/ 0 w 11786754"/>
+              <a:gd name="connsiteY0" fmla="*/ 0 h 6858000"/>
+              <a:gd name="connsiteX1" fmla="*/ 8610600 w 11786754"/>
+              <a:gd name="connsiteY1" fmla="*/ 0 h 6858000"/>
+              <a:gd name="connsiteX2" fmla="*/ 11786754 w 11786754"/>
+              <a:gd name="connsiteY2" fmla="*/ 6858000 h 6858000"/>
+              <a:gd name="connsiteX3" fmla="*/ 0 w 11786754"/>
+              <a:gd name="connsiteY3" fmla="*/ 6858000 h 6858000"/>
+            </a:gdLst>
+            <a:ahLst/>
+            <a:cxnLst>
+              <a:cxn ang="0">
+                <a:pos x="connsiteX0" y="connsiteY0"/>
+              </a:cxn>
+              <a:cxn ang="0">
+                <a:pos x="connsiteX1" y="connsiteY1"/>
+              </a:cxn>
+              <a:cxn ang="0">
+                <a:pos x="connsiteX2" y="connsiteY2"/>
+              </a:cxn>
+              <a:cxn ang="0">
+                <a:pos x="connsiteX3" y="connsiteY3"/>
+              </a:cxn>
+            </a:cxnLst>
+            <a:rect l="l" t="t" r="r" b="b"/>
+            <a:pathLst>
+              <a:path w="11786754" h="6858000">
+                <a:moveTo>
+                  <a:pt x="0" y="0"/>
+                </a:moveTo>
+                <a:lnTo>
+                  <a:pt x="8610600" y="0"/>
+                </a:lnTo>
+                <a:lnTo>
+                  <a:pt x="11786754" y="6858000"/>
+                </a:lnTo>
+                <a:lnTo>
+                  <a:pt x="0" y="6858000"/>
+                </a:lnTo>
+                <a:close/>
+              </a:path>
+            </a:pathLst>
+          </a:custGeom>
+          <a:solidFill>
+            <a:srgbClr val="000000">
+              <a:alpha val="29804"/>
+            </a:srgbClr>
+          </a:solidFill>
+          <a:ln>
+            <a:noFill/>
+          </a:ln>
+        </p:spPr>
+        <p:style>
+          <a:lnRef idx="2">
+            <a:schemeClr val="accent1">
+              <a:shade val="50000"/>
+            </a:schemeClr>
+          </a:lnRef>
+          <a:fillRef idx="1">
+            <a:schemeClr val="accent1"/>
+          </a:fillRef>
+          <a:effectRef idx="0">
+            <a:schemeClr val="accent1"/>
+          </a:effectRef>
+          <a:fontRef idx="minor">
+            <a:schemeClr val="lt1"/>
+          </a:fontRef>
+        </p:style>
+        <p:txBody>
+          <a:bodyPr rtlCol="0" anchor="ctr"/>
+          <a:lstStyle/>
+          <a:p>
+            <a:pPr algn="ctr"/>
+            <a:endParaRPr lang="en-US"/>
+          </a:p>
+        </p:txBody>
+      </p:sp>
+      <p:sp>
+        <p:nvSpPr>
+          <p:cNvPr id="12" name="Freeform 11">
+            <a:extLst>
+              <a:ext uri="{FF2B5EF4-FFF2-40B4-BE49-F238E27FC236}">
+                <a16:creationId xmlns:a16="http://schemas.microsoft.com/office/drawing/2014/main" id="{64E585EA-75FD-4025-8270-F66A58A15CDA}"/>
+              </a:ext>
+              <a:ext uri="{C183D7F6-B498-43B3-948B-1728B52AA6E4}">
+                <adec:decorative xmlns:adec="http://schemas.microsoft.com/office/drawing/2017/decorative" val="1"/>
+              </a:ext>
+            </a:extLst>
+          </p:cNvPr>
+          <p:cNvSpPr>
+            <a:spLocks noGrp="1" noRot="1" noChangeAspect="1" noMove="1" noResize="1" noEditPoints="1" noAdjustHandles="1" noChangeArrowheads="1" noChangeShapeType="1" noTextEdit="1"/>
+          </p:cNvSpPr>
+          <p:nvPr>
+            <p:extLst>
+              <p:ext uri="{386F3935-93C4-4BCD-93E2-E3B085C9AB24}">
+                <p16:designElem xmlns:p16="http://schemas.microsoft.com/office/powerpoint/2015/main" val="1"/>
+              </p:ext>
+            </p:extLst>
+          </p:nvPr>
+        </p:nvSpPr>
+        <p:spPr>
+          <a:xfrm>
+            <a:off x="0" y="0"/>
+            <a:ext cx="3581400" cy="6858000"/>
+          </a:xfrm>
+          <a:custGeom>
+            <a:avLst/>
+            <a:gdLst>
+              <a:gd name="connsiteX0" fmla="*/ 0 w 3581400"/>
+              <a:gd name="connsiteY0" fmla="*/ 0 h 6858000"/>
+              <a:gd name="connsiteX1" fmla="*/ 405246 w 3581400"/>
+              <a:gd name="connsiteY1" fmla="*/ 0 h 6858000"/>
+              <a:gd name="connsiteX2" fmla="*/ 3581400 w 3581400"/>
+              <a:gd name="connsiteY2" fmla="*/ 6858000 h 6858000"/>
+              <a:gd name="connsiteX3" fmla="*/ 0 w 3581400"/>
+              <a:gd name="connsiteY3" fmla="*/ 6858000 h 6858000"/>
+            </a:gdLst>
+            <a:ahLst/>
+            <a:cxnLst>
+              <a:cxn ang="0">
+                <a:pos x="connsiteX0" y="connsiteY0"/>
+              </a:cxn>
+              <a:cxn ang="0">
+                <a:pos x="connsiteX1" y="connsiteY1"/>
+              </a:cxn>
+              <a:cxn ang="0">
+                <a:pos x="connsiteX2" y="connsiteY2"/>
+              </a:cxn>
+              <a:cxn ang="0">
+                <a:pos x="connsiteX3" y="connsiteY3"/>
+              </a:cxn>
+            </a:cxnLst>
+            <a:rect l="l" t="t" r="r" b="b"/>
+            <a:pathLst>
+              <a:path w="3581400" h="6858000">
+                <a:moveTo>
+                  <a:pt x="0" y="0"/>
+                </a:moveTo>
+                <a:lnTo>
+                  <a:pt x="405246" y="0"/>
+                </a:lnTo>
+                <a:lnTo>
+                  <a:pt x="3581400" y="6858000"/>
+                </a:lnTo>
+                <a:lnTo>
+                  <a:pt x="0" y="6858000"/>
+                </a:lnTo>
+                <a:close/>
+              </a:path>
+            </a:pathLst>
+          </a:custGeom>
+          <a:solidFill>
+            <a:srgbClr val="000000">
+              <a:alpha val="29804"/>
+            </a:srgbClr>
+          </a:solidFill>
+          <a:ln>
+            <a:noFill/>
+          </a:ln>
+        </p:spPr>
+        <p:style>
+          <a:lnRef idx="2">
+            <a:schemeClr val="accent1">
+              <a:shade val="50000"/>
+            </a:schemeClr>
+          </a:lnRef>
+          <a:fillRef idx="1">
+            <a:schemeClr val="accent1"/>
+          </a:fillRef>
+          <a:effectRef idx="0">
+            <a:schemeClr val="accent1"/>
+          </a:effectRef>
+          <a:fontRef idx="minor">
+            <a:schemeClr val="lt1"/>
+          </a:fontRef>
+        </p:style>
+        <p:txBody>
+          <a:bodyPr wrap="square" rtlCol="0" anchor="ctr">
+            <a:noAutofit/>
+          </a:bodyPr>
+          <a:lstStyle/>
+          <a:p>
+            <a:pPr algn="ctr"/>
+            <a:endParaRPr lang="en-US"/>
+          </a:p>
+        </p:txBody>
+      </p:sp>
+      <p:sp>
+        <p:nvSpPr>
+          <p:cNvPr id="2" name="Título 1">
+            <a:extLst>
+              <a:ext uri="{FF2B5EF4-FFF2-40B4-BE49-F238E27FC236}">
+                <a16:creationId xmlns:a16="http://schemas.microsoft.com/office/drawing/2014/main" id="{03873AE5-7060-4C5B-A569-0AD888F2C1C7}"/>
+              </a:ext>
+            </a:extLst>
+          </p:cNvPr>
+          <p:cNvSpPr>
+            <a:spLocks noGrp="1"/>
+          </p:cNvSpPr>
+          <p:nvPr>
+            <p:ph type="title"/>
+          </p:nvPr>
+        </p:nvSpPr>
+        <p:spPr>
+          <a:xfrm>
+            <a:off x="833002" y="365125"/>
+            <a:ext cx="10520702" cy="1325563"/>
+          </a:xfrm>
+        </p:spPr>
+        <p:txBody>
+          <a:bodyPr>
+            <a:normAutofit/>
+          </a:bodyPr>
+          <a:lstStyle/>
+          <a:p>
+            <a:r>
+              <a:rPr lang="pt-BR" b="1" i="1" dirty="0">
+                <a:solidFill>
+                  <a:srgbClr val="FFFFFF"/>
+                </a:solidFill>
+              </a:rPr>
+              <a:t>Professor</a:t>
+            </a:r>
+          </a:p>
+        </p:txBody>
+      </p:sp>
+      <p:sp>
+        <p:nvSpPr>
+          <p:cNvPr id="3" name="Espaço Reservado para Conteúdo 2">
+            <a:extLst>
+              <a:ext uri="{FF2B5EF4-FFF2-40B4-BE49-F238E27FC236}">
+                <a16:creationId xmlns:a16="http://schemas.microsoft.com/office/drawing/2014/main" id="{766C91E4-AA41-458B-94A0-CBF96579F5E9}"/>
+              </a:ext>
+            </a:extLst>
+          </p:cNvPr>
+          <p:cNvSpPr>
+            <a:spLocks noGrp="1"/>
+          </p:cNvSpPr>
+          <p:nvPr>
+            <p:ph idx="1"/>
+          </p:nvPr>
+        </p:nvSpPr>
+        <p:spPr>
+          <a:xfrm>
+            <a:off x="838201" y="2022601"/>
+            <a:ext cx="10515598" cy="4154361"/>
+          </a:xfrm>
+        </p:spPr>
+        <p:txBody>
+          <a:bodyPr>
+            <a:normAutofit/>
+          </a:bodyPr>
+          <a:lstStyle/>
+          <a:p>
+            <a:r>
+              <a:rPr lang="pt-BR" sz="2000" dirty="0">
+                <a:solidFill>
+                  <a:srgbClr val="FFFFFF"/>
+                </a:solidFill>
+                <a:latin typeface="Arial" panose="020B0604020202020204" pitchFamily="34" charset="0"/>
+                <a:cs typeface="Arial" panose="020B0604020202020204" pitchFamily="34" charset="0"/>
+              </a:rPr>
+              <a:t>O professor, é responsável pelo compartilhamento dos códigos de acesso aos projetos para os alunos. </a:t>
+            </a:r>
+          </a:p>
+          <a:p>
+            <a:r>
+              <a:rPr lang="pt-BR" sz="2000" dirty="0">
+                <a:solidFill>
+                  <a:srgbClr val="FFFFFF"/>
+                </a:solidFill>
+                <a:latin typeface="Arial" panose="020B0604020202020204" pitchFamily="34" charset="0"/>
+                <a:cs typeface="Arial" panose="020B0604020202020204" pitchFamily="34" charset="0"/>
+              </a:rPr>
+              <a:t>Para ter acesso a área de professor é necessário uma autenticação com e-mail institucional e senha.</a:t>
+            </a:r>
+          </a:p>
+          <a:p>
+            <a:r>
+              <a:rPr lang="pt-BR" sz="2000" dirty="0">
+                <a:solidFill>
+                  <a:srgbClr val="FFFFFF"/>
+                </a:solidFill>
+                <a:latin typeface="Arial" panose="020B0604020202020204" pitchFamily="34" charset="0"/>
+                <a:cs typeface="Arial" panose="020B0604020202020204" pitchFamily="34" charset="0"/>
+              </a:rPr>
+              <a:t>O professor finaliza um projeto após receber todos as entregas dos alunos.</a:t>
+            </a:r>
+          </a:p>
+          <a:p>
+            <a:endParaRPr lang="pt-BR" sz="2000" dirty="0">
+              <a:solidFill>
+                <a:srgbClr val="FFFFFF"/>
+              </a:solidFill>
+            </a:endParaRPr>
+          </a:p>
+        </p:txBody>
+      </p:sp>
+    </p:spTree>
+    <p:extLst>
+      <p:ext uri="{BB962C8B-B14F-4D97-AF65-F5344CB8AC3E}">
+        <p14:creationId xmlns:p14="http://schemas.microsoft.com/office/powerpoint/2010/main" val="3558138981"/>
       </p:ext>
     </p:extLst>
   </p:cSld>
